--- a/digital_security_strikeU.pptx
+++ b/digital_security_strikeU.pptx
@@ -5384,10 +5384,63 @@
             <p:ph idx="1"/>
           </p:nvPr>
         </p:nvSpPr>
-        <p:spPr/>
+        <p:spPr>
+          <a:xfrm>
+            <a:off x="838200" y="1690688"/>
+            <a:ext cx="10515600" cy="4351338"/>
+          </a:xfrm>
+        </p:spPr>
         <p:txBody>
           <a:bodyPr/>
           <a:lstStyle/>
+          <a:p>
+            <a:pPr>
+              <a:spcAft>
+                <a:spcPts val="600"/>
+              </a:spcAft>
+              <a:buFont typeface="Wingdings" panose="05000000000000000000" pitchFamily="2" charset="2"/>
+              <a:buChar char="§"/>
+            </a:pPr>
+            <a:r>
+              <a:rPr lang="en-US" dirty="0">
+                <a:latin typeface="Helvetica LT Std" panose="020B0504020202020204" pitchFamily="34" charset="0"/>
+              </a:rPr>
+              <a:t>Now that you’re experts, let’s get some hands on practice with these concepts.</a:t>
+            </a:r>
+          </a:p>
+          <a:p>
+            <a:pPr>
+              <a:spcAft>
+                <a:spcPts val="600"/>
+              </a:spcAft>
+              <a:buFont typeface="Wingdings" panose="05000000000000000000" pitchFamily="2" charset="2"/>
+              <a:buChar char="§"/>
+            </a:pPr>
+            <a:r>
+              <a:rPr lang="en-US" dirty="0">
+                <a:latin typeface="Helvetica LT Std" panose="020B0504020202020204" pitchFamily="34" charset="0"/>
+              </a:rPr>
+              <a:t>Go follow this link to get started:</a:t>
+            </a:r>
+          </a:p>
+          <a:p>
+            <a:pPr marL="0" indent="0">
+              <a:buNone/>
+            </a:pPr>
+            <a:r>
+              <a:rPr lang="en-US" dirty="0">
+                <a:latin typeface="Helvetica LT Std" panose="020B0504020202020204" pitchFamily="34" charset="0"/>
+                <a:hlinkClick r:id="rId2"/>
+              </a:rPr>
+              <a:t>https://mybinder.org/v2/gh/sarttiso/digital-security/1766ea208d0226cd4229a42530c024a35b7eeb3d</a:t>
+            </a:r>
+            <a:r>
+              <a:rPr lang="en-US" dirty="0">
+                <a:latin typeface="Helvetica LT Std" panose="020B0504020202020204" pitchFamily="34" charset="0"/>
+              </a:rPr>
+              <a:t> </a:t>
+            </a:r>
+          </a:p>
           <a:p>
             <a:pPr>
               <a:buFont typeface="Wingdings" panose="05000000000000000000" pitchFamily="2" charset="2"/>
@@ -5397,11 +5450,65 @@
               <a:rPr lang="en-US" dirty="0">
                 <a:latin typeface="Helvetica LT Std" panose="020B0504020202020204" pitchFamily="34" charset="0"/>
               </a:rPr>
-              <a:t>Now that you’re experts, let’s get some hands on practice with these concepts.</a:t>
-            </a:r>
-          </a:p>
-        </p:txBody>
-      </p:sp>
+              <a:t>Once it’s open, click on the </a:t>
+            </a:r>
+            <a:r>
+              <a:rPr lang="en-US" i="1" dirty="0">
+                <a:latin typeface="Helvetica LT Std" panose="020B0504020202020204" pitchFamily="34" charset="0"/>
+              </a:rPr>
+              <a:t>hands-</a:t>
+            </a:r>
+            <a:r>
+              <a:rPr lang="en-US" i="1" dirty="0" err="1">
+                <a:latin typeface="Helvetica LT Std" panose="020B0504020202020204" pitchFamily="34" charset="0"/>
+              </a:rPr>
+              <a:t>on.ipynb</a:t>
+            </a:r>
+            <a:r>
+              <a:rPr lang="en-US" i="1" dirty="0">
+                <a:latin typeface="Helvetica LT Std" panose="020B0504020202020204" pitchFamily="34" charset="0"/>
+              </a:rPr>
+              <a:t> </a:t>
+            </a:r>
+            <a:r>
+              <a:rPr lang="en-US" dirty="0">
+                <a:latin typeface="Helvetica LT Std" panose="020B0504020202020204" pitchFamily="34" charset="0"/>
+              </a:rPr>
+              <a:t>file</a:t>
+            </a:r>
+          </a:p>
+        </p:txBody>
+      </p:sp>
+      <p:pic>
+        <p:nvPicPr>
+          <p:cNvPr id="4" name="Picture 3">
+            <a:extLst>
+              <a:ext uri="{FF2B5EF4-FFF2-40B4-BE49-F238E27FC236}">
+                <a16:creationId xmlns:a16="http://schemas.microsoft.com/office/drawing/2014/main" id="{5C327A45-91BC-480E-8A7B-606945A6BCE4}"/>
+              </a:ext>
+            </a:extLst>
+          </p:cNvPr>
+          <p:cNvPicPr>
+            <a:picLocks noChangeAspect="1"/>
+          </p:cNvPicPr>
+          <p:nvPr/>
+        </p:nvPicPr>
+        <p:blipFill>
+          <a:blip r:embed="rId3"/>
+          <a:stretch>
+            <a:fillRect/>
+          </a:stretch>
+        </p:blipFill>
+        <p:spPr>
+          <a:xfrm>
+            <a:off x="1727912" y="4760146"/>
+            <a:ext cx="8736176" cy="1997054"/>
+          </a:xfrm>
+          <a:prstGeom prst="rect">
+            <a:avLst/>
+          </a:prstGeom>
+        </p:spPr>
+      </p:pic>
     </p:spTree>
     <p:extLst>
       <p:ext uri="{BB962C8B-B14F-4D97-AF65-F5344CB8AC3E}">

--- a/digital_security_strikeU.pptx
+++ b/digital_security_strikeU.pptx
@@ -5,28 +5,38 @@
     <p:sldMasterId id="2147483648" r:id="rId1"/>
   </p:sldMasterIdLst>
   <p:notesMasterIdLst>
-    <p:notesMasterId r:id="rId21"/>
+    <p:notesMasterId r:id="rId31"/>
   </p:notesMasterIdLst>
   <p:sldIdLst>
     <p:sldId id="256" r:id="rId2"/>
     <p:sldId id="257" r:id="rId3"/>
-    <p:sldId id="258" r:id="rId4"/>
-    <p:sldId id="260" r:id="rId5"/>
-    <p:sldId id="259" r:id="rId6"/>
-    <p:sldId id="263" r:id="rId7"/>
-    <p:sldId id="264" r:id="rId8"/>
-    <p:sldId id="269" r:id="rId9"/>
-    <p:sldId id="270" r:id="rId10"/>
-    <p:sldId id="274" r:id="rId11"/>
-    <p:sldId id="261" r:id="rId12"/>
-    <p:sldId id="262" r:id="rId13"/>
-    <p:sldId id="272" r:id="rId14"/>
-    <p:sldId id="271" r:id="rId15"/>
-    <p:sldId id="267" r:id="rId16"/>
-    <p:sldId id="273" r:id="rId17"/>
-    <p:sldId id="265" r:id="rId18"/>
-    <p:sldId id="266" r:id="rId19"/>
-    <p:sldId id="268" r:id="rId20"/>
+    <p:sldId id="268" r:id="rId4"/>
+    <p:sldId id="258" r:id="rId5"/>
+    <p:sldId id="260" r:id="rId6"/>
+    <p:sldId id="259" r:id="rId7"/>
+    <p:sldId id="263" r:id="rId8"/>
+    <p:sldId id="264" r:id="rId9"/>
+    <p:sldId id="269" r:id="rId10"/>
+    <p:sldId id="270" r:id="rId11"/>
+    <p:sldId id="274" r:id="rId12"/>
+    <p:sldId id="277" r:id="rId13"/>
+    <p:sldId id="278" r:id="rId14"/>
+    <p:sldId id="261" r:id="rId15"/>
+    <p:sldId id="262" r:id="rId16"/>
+    <p:sldId id="272" r:id="rId17"/>
+    <p:sldId id="271" r:id="rId18"/>
+    <p:sldId id="267" r:id="rId19"/>
+    <p:sldId id="273" r:id="rId20"/>
+    <p:sldId id="265" r:id="rId21"/>
+    <p:sldId id="275" r:id="rId22"/>
+    <p:sldId id="276" r:id="rId23"/>
+    <p:sldId id="279" r:id="rId24"/>
+    <p:sldId id="266" r:id="rId25"/>
+    <p:sldId id="280" r:id="rId26"/>
+    <p:sldId id="281" r:id="rId27"/>
+    <p:sldId id="282" r:id="rId28"/>
+    <p:sldId id="283" r:id="rId29"/>
+    <p:sldId id="284" r:id="rId30"/>
   </p:sldIdLst>
   <p:sldSz cx="12192000" cy="6858000"/>
   <p:notesSz cx="6858000" cy="9144000"/>
@@ -132,6 +142,7 @@
           <p14:sldIdLst>
             <p14:sldId id="256"/>
             <p14:sldId id="257"/>
+            <p14:sldId id="268"/>
             <p14:sldId id="258"/>
             <p14:sldId id="260"/>
             <p14:sldId id="259"/>
@@ -140,6 +151,8 @@
             <p14:sldId id="269"/>
             <p14:sldId id="270"/>
             <p14:sldId id="274"/>
+            <p14:sldId id="277"/>
+            <p14:sldId id="278"/>
             <p14:sldId id="261"/>
             <p14:sldId id="262"/>
             <p14:sldId id="272"/>
@@ -147,8 +160,15 @@
             <p14:sldId id="267"/>
             <p14:sldId id="273"/>
             <p14:sldId id="265"/>
+            <p14:sldId id="275"/>
+            <p14:sldId id="276"/>
+            <p14:sldId id="279"/>
             <p14:sldId id="266"/>
-            <p14:sldId id="268"/>
+            <p14:sldId id="280"/>
+            <p14:sldId id="281"/>
+            <p14:sldId id="282"/>
+            <p14:sldId id="283"/>
+            <p14:sldId id="284"/>
           </p14:sldIdLst>
         </p14:section>
       </p14:sectionLst>
@@ -242,7 +262,7 @@
           <a:p>
             <a:fld id="{03F0FE8D-10EA-459A-8505-7CC714CFC074}" type="datetimeFigureOut">
               <a:rPr lang="en-US" smtClean="0"/>
-              <a:t>10/5/2020</a:t>
+              <a:t>10/6/2020</a:t>
             </a:fld>
             <a:endParaRPr lang="en-US"/>
           </a:p>
@@ -595,7 +615,7 @@
           <a:p>
             <a:fld id="{97D63002-D3D9-4FF7-B3D6-C9056FF78B58}" type="slidenum">
               <a:rPr lang="en-US" smtClean="0"/>
-              <a:t>3</a:t>
+              <a:t>4</a:t>
             </a:fld>
             <a:endParaRPr lang="en-US"/>
           </a:p>
@@ -682,7 +702,7 @@
           <a:p>
             <a:fld id="{97D63002-D3D9-4FF7-B3D6-C9056FF78B58}" type="slidenum">
               <a:rPr lang="en-US" smtClean="0"/>
-              <a:t>7</a:t>
+              <a:t>8</a:t>
             </a:fld>
             <a:endParaRPr lang="en-US"/>
           </a:p>
@@ -692,6 +712,93 @@
     <p:extLst>
       <p:ext uri="{BB962C8B-B14F-4D97-AF65-F5344CB8AC3E}">
         <p14:creationId xmlns:p14="http://schemas.microsoft.com/office/powerpoint/2010/main" val="790837722"/>
+      </p:ext>
+    </p:extLst>
+  </p:cSld>
+  <p:clrMapOvr>
+    <a:masterClrMapping/>
+  </p:clrMapOvr>
+</p:notes>
+</file>
+
+<file path=ppt/notesSlides/notesSlide3.xml><?xml version="1.0" encoding="utf-8"?>
+<p:notes xmlns:a="http://schemas.openxmlformats.org/drawingml/2006/main" xmlns:r="http://schemas.openxmlformats.org/officeDocument/2006/relationships" xmlns:p="http://schemas.openxmlformats.org/presentationml/2006/main">
+  <p:cSld>
+    <p:spTree>
+      <p:nvGrpSpPr>
+        <p:cNvPr id="1" name=""/>
+        <p:cNvGrpSpPr/>
+        <p:nvPr/>
+      </p:nvGrpSpPr>
+      <p:grpSpPr>
+        <a:xfrm>
+          <a:off x="0" y="0"/>
+          <a:ext cx="0" cy="0"/>
+          <a:chOff x="0" y="0"/>
+          <a:chExt cx="0" cy="0"/>
+        </a:xfrm>
+      </p:grpSpPr>
+      <p:sp>
+        <p:nvSpPr>
+          <p:cNvPr id="2" name="Slide Image Placeholder 1"/>
+          <p:cNvSpPr>
+            <a:spLocks noGrp="1" noRot="1" noChangeAspect="1"/>
+          </p:cNvSpPr>
+          <p:nvPr>
+            <p:ph type="sldImg"/>
+          </p:nvPr>
+        </p:nvSpPr>
+        <p:spPr/>
+      </p:sp>
+      <p:sp>
+        <p:nvSpPr>
+          <p:cNvPr id="3" name="Notes Placeholder 2"/>
+          <p:cNvSpPr>
+            <a:spLocks noGrp="1"/>
+          </p:cNvSpPr>
+          <p:nvPr>
+            <p:ph type="body" idx="1"/>
+          </p:nvPr>
+        </p:nvSpPr>
+        <p:spPr/>
+        <p:txBody>
+          <a:bodyPr/>
+          <a:lstStyle/>
+          <a:p>
+            <a:r>
+              <a:rPr lang="en-US" dirty="0"/>
+              <a:t>NOT confidential (because anybody can read the message), but it is still secure in the sense of authentication.</a:t>
+            </a:r>
+          </a:p>
+        </p:txBody>
+      </p:sp>
+      <p:sp>
+        <p:nvSpPr>
+          <p:cNvPr id="4" name="Slide Number Placeholder 3"/>
+          <p:cNvSpPr>
+            <a:spLocks noGrp="1"/>
+          </p:cNvSpPr>
+          <p:nvPr>
+            <p:ph type="sldNum" sz="quarter" idx="5"/>
+          </p:nvPr>
+        </p:nvSpPr>
+        <p:spPr/>
+        <p:txBody>
+          <a:bodyPr/>
+          <a:lstStyle/>
+          <a:p>
+            <a:fld id="{97D63002-D3D9-4FF7-B3D6-C9056FF78B58}" type="slidenum">
+              <a:rPr lang="en-US" smtClean="0"/>
+              <a:t>18</a:t>
+            </a:fld>
+            <a:endParaRPr lang="en-US"/>
+          </a:p>
+        </p:txBody>
+      </p:sp>
+    </p:spTree>
+    <p:extLst>
+      <p:ext uri="{BB962C8B-B14F-4D97-AF65-F5344CB8AC3E}">
+        <p14:creationId xmlns:p14="http://schemas.microsoft.com/office/powerpoint/2010/main" val="3384746246"/>
       </p:ext>
     </p:extLst>
   </p:cSld>
@@ -846,9 +953,9 @@
           <a:bodyPr/>
           <a:lstStyle/>
           <a:p>
-            <a:fld id="{728CCD5F-A932-4D42-8831-566E1488C3F6}" type="datetimeFigureOut">
+            <a:fld id="{AD228C2A-FBD6-4872-BD22-5EFB412BBCA4}" type="datetime1">
               <a:rPr lang="en-US" smtClean="0"/>
-              <a:t>10/5/2020</a:t>
+              <a:t>10/6/2020</a:t>
             </a:fld>
             <a:endParaRPr lang="en-US"/>
           </a:p>
@@ -1044,9 +1151,9 @@
           <a:bodyPr/>
           <a:lstStyle/>
           <a:p>
-            <a:fld id="{728CCD5F-A932-4D42-8831-566E1488C3F6}" type="datetimeFigureOut">
+            <a:fld id="{97DBF2E1-0053-4DCD-82A7-C96FB0EFB92C}" type="datetime1">
               <a:rPr lang="en-US" smtClean="0"/>
-              <a:t>10/5/2020</a:t>
+              <a:t>10/6/2020</a:t>
             </a:fld>
             <a:endParaRPr lang="en-US"/>
           </a:p>
@@ -1252,9 +1359,9 @@
           <a:bodyPr/>
           <a:lstStyle/>
           <a:p>
-            <a:fld id="{728CCD5F-A932-4D42-8831-566E1488C3F6}" type="datetimeFigureOut">
+            <a:fld id="{D885F305-5EF1-4266-8390-000F68AB34ED}" type="datetime1">
               <a:rPr lang="en-US" smtClean="0"/>
-              <a:t>10/5/2020</a:t>
+              <a:t>10/6/2020</a:t>
             </a:fld>
             <a:endParaRPr lang="en-US"/>
           </a:p>
@@ -1450,9 +1557,9 @@
           <a:bodyPr/>
           <a:lstStyle/>
           <a:p>
-            <a:fld id="{728CCD5F-A932-4D42-8831-566E1488C3F6}" type="datetimeFigureOut">
+            <a:fld id="{5B03747F-25B6-4D22-BB5A-4FB6E6A12158}" type="datetime1">
               <a:rPr lang="en-US" smtClean="0"/>
-              <a:t>10/5/2020</a:t>
+              <a:t>10/6/2020</a:t>
             </a:fld>
             <a:endParaRPr lang="en-US"/>
           </a:p>
@@ -1725,9 +1832,9 @@
           <a:bodyPr/>
           <a:lstStyle/>
           <a:p>
-            <a:fld id="{728CCD5F-A932-4D42-8831-566E1488C3F6}" type="datetimeFigureOut">
+            <a:fld id="{D58FF881-00E0-4786-AE30-D50F3DFC5777}" type="datetime1">
               <a:rPr lang="en-US" smtClean="0"/>
-              <a:t>10/5/2020</a:t>
+              <a:t>10/6/2020</a:t>
             </a:fld>
             <a:endParaRPr lang="en-US"/>
           </a:p>
@@ -1990,9 +2097,9 @@
           <a:bodyPr/>
           <a:lstStyle/>
           <a:p>
-            <a:fld id="{728CCD5F-A932-4D42-8831-566E1488C3F6}" type="datetimeFigureOut">
+            <a:fld id="{21171C0A-7652-48D1-A68F-4BD6F711648C}" type="datetime1">
               <a:rPr lang="en-US" smtClean="0"/>
-              <a:t>10/5/2020</a:t>
+              <a:t>10/6/2020</a:t>
             </a:fld>
             <a:endParaRPr lang="en-US"/>
           </a:p>
@@ -2402,9 +2509,9 @@
           <a:bodyPr/>
           <a:lstStyle/>
           <a:p>
-            <a:fld id="{728CCD5F-A932-4D42-8831-566E1488C3F6}" type="datetimeFigureOut">
+            <a:fld id="{144827FB-8D16-4091-B8F2-75AD5BDE7F9F}" type="datetime1">
               <a:rPr lang="en-US" smtClean="0"/>
-              <a:t>10/5/2020</a:t>
+              <a:t>10/6/2020</a:t>
             </a:fld>
             <a:endParaRPr lang="en-US"/>
           </a:p>
@@ -2543,9 +2650,9 @@
           <a:bodyPr/>
           <a:lstStyle/>
           <a:p>
-            <a:fld id="{728CCD5F-A932-4D42-8831-566E1488C3F6}" type="datetimeFigureOut">
+            <a:fld id="{4BA59F0A-7BE3-4159-9A2B-80D245C91A07}" type="datetime1">
               <a:rPr lang="en-US" smtClean="0"/>
-              <a:t>10/5/2020</a:t>
+              <a:t>10/6/2020</a:t>
             </a:fld>
             <a:endParaRPr lang="en-US"/>
           </a:p>
@@ -2656,9 +2763,9 @@
           <a:bodyPr/>
           <a:lstStyle/>
           <a:p>
-            <a:fld id="{728CCD5F-A932-4D42-8831-566E1488C3F6}" type="datetimeFigureOut">
+            <a:fld id="{275525C2-26B8-4EC1-9149-598F3E6D34CA}" type="datetime1">
               <a:rPr lang="en-US" smtClean="0"/>
-              <a:t>10/5/2020</a:t>
+              <a:t>10/6/2020</a:t>
             </a:fld>
             <a:endParaRPr lang="en-US"/>
           </a:p>
@@ -2967,9 +3074,9 @@
           <a:bodyPr/>
           <a:lstStyle/>
           <a:p>
-            <a:fld id="{728CCD5F-A932-4D42-8831-566E1488C3F6}" type="datetimeFigureOut">
+            <a:fld id="{FD799B65-2895-463E-8423-9783492B6EB9}" type="datetime1">
               <a:rPr lang="en-US" smtClean="0"/>
-              <a:t>10/5/2020</a:t>
+              <a:t>10/6/2020</a:t>
             </a:fld>
             <a:endParaRPr lang="en-US"/>
           </a:p>
@@ -3255,9 +3362,9 @@
           <a:bodyPr/>
           <a:lstStyle/>
           <a:p>
-            <a:fld id="{728CCD5F-A932-4D42-8831-566E1488C3F6}" type="datetimeFigureOut">
+            <a:fld id="{8B2626D7-5FDA-4419-99A8-1289D309992D}" type="datetime1">
               <a:rPr lang="en-US" smtClean="0"/>
-              <a:t>10/5/2020</a:t>
+              <a:t>10/6/2020</a:t>
             </a:fld>
             <a:endParaRPr lang="en-US"/>
           </a:p>
@@ -3496,9 +3603,9 @@
             </a:lvl1pPr>
           </a:lstStyle>
           <a:p>
-            <a:fld id="{728CCD5F-A932-4D42-8831-566E1488C3F6}" type="datetimeFigureOut">
+            <a:fld id="{7CAC1452-5C36-48A1-B679-DBB0AE42B226}" type="datetime1">
               <a:rPr lang="en-US" smtClean="0"/>
-              <a:t>10/5/2020</a:t>
+              <a:t>10/6/2020</a:t>
             </a:fld>
             <a:endParaRPr lang="en-US"/>
           </a:p>
@@ -3615,6 +3722,7 @@
     <p:sldLayoutId id="2147483658" r:id="rId10"/>
     <p:sldLayoutId id="2147483659" r:id="rId11"/>
   </p:sldLayoutIdLst>
+  <p:hf hdr="0" ftr="0" dt="0"/>
   <p:txStyles>
     <p:titleStyle>
       <a:lvl1pPr algn="l" defTabSz="914400" rtl="0" eaLnBrk="1" latinLnBrk="0" hangingPunct="1">
@@ -3931,39 +4039,65 @@
             <p:ph type="ctrTitle"/>
           </p:nvPr>
         </p:nvSpPr>
-        <p:spPr/>
-        <p:txBody>
-          <a:bodyPr/>
-          <a:lstStyle/>
-          <a:p>
-            <a:r>
-              <a:rPr lang="en-US" dirty="0">
-                <a:latin typeface="Helvetica LT Std Black" panose="020B0904030502020204" pitchFamily="34" charset="0"/>
-              </a:rPr>
-              <a:t>Digital Security</a:t>
-            </a:r>
-          </a:p>
-        </p:txBody>
-      </p:sp>
-      <p:sp>
-        <p:nvSpPr>
-          <p:cNvPr id="3" name="Subtitle 2">
-            <a:extLst>
-              <a:ext uri="{FF2B5EF4-FFF2-40B4-BE49-F238E27FC236}">
-                <a16:creationId xmlns:a16="http://schemas.microsoft.com/office/drawing/2014/main" id="{B94DCDD9-9FC6-4BE0-A7B4-91B24EC6758F}"/>
-              </a:ext>
-            </a:extLst>
-          </p:cNvPr>
-          <p:cNvSpPr>
-            <a:spLocks noGrp="1"/>
-          </p:cNvSpPr>
-          <p:nvPr>
-            <p:ph type="subTitle" idx="1"/>
-          </p:nvPr>
-        </p:nvSpPr>
         <p:spPr>
           <a:xfrm>
-            <a:off x="1524000" y="4144488"/>
+            <a:off x="909600" y="1274400"/>
+            <a:ext cx="10372800" cy="2897963"/>
+          </a:xfrm>
+        </p:spPr>
+        <p:txBody>
+          <a:bodyPr>
+            <a:normAutofit fontScale="90000"/>
+          </a:bodyPr>
+          <a:lstStyle/>
+          <a:p>
+            <a:r>
+              <a:rPr lang="en-US" sz="8900" dirty="0">
+                <a:latin typeface="Helvetica LT Std Black" panose="020B0904030502020204" pitchFamily="34" charset="0"/>
+              </a:rPr>
+              <a:t>Digital Security</a:t>
+            </a:r>
+            <a:br>
+              <a:rPr lang="en-US" dirty="0">
+                <a:latin typeface="Helvetica LT Std Black" panose="020B0904030502020204" pitchFamily="34" charset="0"/>
+              </a:rPr>
+            </a:br>
+            <a:br>
+              <a:rPr lang="en-US" dirty="0">
+                <a:latin typeface="Helvetica LT Std Black" panose="020B0904030502020204" pitchFamily="34" charset="0"/>
+              </a:rPr>
+            </a:br>
+            <a:r>
+              <a:rPr lang="en-US" sz="3600" dirty="0">
+                <a:latin typeface="HelveticaNeueLT Std Med" panose="020B0604020202020204" pitchFamily="34" charset="0"/>
+              </a:rPr>
+              <a:t>Cryptographic Principles and Secure Communication</a:t>
+            </a:r>
+            <a:endParaRPr lang="en-US" sz="2800" dirty="0">
+              <a:latin typeface="Helvetica LT Std Black" panose="020B0904030502020204" pitchFamily="34" charset="0"/>
+            </a:endParaRPr>
+          </a:p>
+        </p:txBody>
+      </p:sp>
+      <p:sp>
+        <p:nvSpPr>
+          <p:cNvPr id="3" name="Subtitle 2">
+            <a:extLst>
+              <a:ext uri="{FF2B5EF4-FFF2-40B4-BE49-F238E27FC236}">
+                <a16:creationId xmlns:a16="http://schemas.microsoft.com/office/drawing/2014/main" id="{B94DCDD9-9FC6-4BE0-A7B4-91B24EC6758F}"/>
+              </a:ext>
+            </a:extLst>
+          </p:cNvPr>
+          <p:cNvSpPr>
+            <a:spLocks noGrp="1"/>
+          </p:cNvSpPr>
+          <p:nvPr>
+            <p:ph type="subTitle" idx="1"/>
+          </p:nvPr>
+        </p:nvSpPr>
+        <p:spPr>
+          <a:xfrm>
+            <a:off x="1524000" y="5519688"/>
             <a:ext cx="9144000" cy="1113312"/>
           </a:xfrm>
         </p:spPr>
@@ -3977,6 +4111,39 @@
               </a:rPr>
               <a:t>Adrian Tasistro-Hart</a:t>
             </a:r>
+          </a:p>
+        </p:txBody>
+      </p:sp>
+      <p:sp>
+        <p:nvSpPr>
+          <p:cNvPr id="5" name="Slide Number Placeholder 4">
+            <a:extLst>
+              <a:ext uri="{FF2B5EF4-FFF2-40B4-BE49-F238E27FC236}">
+                <a16:creationId xmlns:a16="http://schemas.microsoft.com/office/drawing/2014/main" id="{0F431E8E-DDE7-4DAC-B834-B46756C562E7}"/>
+              </a:ext>
+            </a:extLst>
+          </p:cNvPr>
+          <p:cNvSpPr>
+            <a:spLocks noGrp="1"/>
+          </p:cNvSpPr>
+          <p:nvPr>
+            <p:ph type="sldNum" sz="quarter" idx="12"/>
+          </p:nvPr>
+        </p:nvSpPr>
+        <p:spPr/>
+        <p:txBody>
+          <a:bodyPr/>
+          <a:lstStyle/>
+          <a:p>
+            <a:fld id="{44D9B3EF-9489-4381-ACF1-79879AB05C89}" type="slidenum">
+              <a:rPr lang="en-US" smtClean="0">
+                <a:latin typeface="Helvetica LT Std" panose="020B0504020202020204" pitchFamily="34" charset="0"/>
+              </a:rPr>
+              <a:t>1</a:t>
+            </a:fld>
+            <a:endParaRPr lang="en-US" dirty="0">
+              <a:latin typeface="Helvetica LT Std" panose="020B0504020202020204" pitchFamily="34" charset="0"/>
+            </a:endParaRPr>
           </a:p>
         </p:txBody>
       </p:sp>
@@ -4059,45 +4226,33 @@
         </p:nvSpPr>
         <p:spPr>
           <a:xfrm>
-            <a:off x="838200" y="1690689"/>
-            <a:ext cx="10515600" cy="4938711"/>
+            <a:off x="838200" y="1690688"/>
+            <a:ext cx="10515600" cy="3529311"/>
           </a:xfrm>
         </p:spPr>
         <p:txBody>
           <a:bodyPr>
-            <a:normAutofit fontScale="85000" lnSpcReduction="20000"/>
+            <a:normAutofit/>
           </a:bodyPr>
           <a:lstStyle/>
           <a:p>
             <a:pPr marL="0" indent="0">
-              <a:lnSpc>
-                <a:spcPct val="110000"/>
-              </a:lnSpc>
               <a:spcAft>
-                <a:spcPts val="300"/>
+                <a:spcPts val="600"/>
               </a:spcAft>
               <a:buNone/>
             </a:pPr>
             <a:r>
-              <a:rPr lang="en-US" b="1" dirty="0">
-                <a:latin typeface="Helvetica LT Std" panose="020B0504020202020204" pitchFamily="34" charset="0"/>
-              </a:rPr>
-              <a:t>Aside</a:t>
-            </a:r>
-            <a:r>
-              <a:rPr lang="en-US" dirty="0">
-                <a:latin typeface="Helvetica LT Std" panose="020B0504020202020204" pitchFamily="34" charset="0"/>
-              </a:rPr>
-              <a:t>:</a:t>
+              <a:rPr lang="en-US" dirty="0">
+                <a:latin typeface="Helvetica LT Std" panose="020B0504020202020204" pitchFamily="34" charset="0"/>
+              </a:rPr>
+              <a:t>Caveats/complications to ponder</a:t>
             </a:r>
           </a:p>
           <a:p>
             <a:pPr>
-              <a:lnSpc>
-                <a:spcPct val="110000"/>
-              </a:lnSpc>
               <a:spcAft>
-                <a:spcPts val="300"/>
+                <a:spcPts val="600"/>
               </a:spcAft>
               <a:buFont typeface="Wingdings" panose="05000000000000000000" pitchFamily="2" charset="2"/>
               <a:buChar char="§"/>
@@ -4106,16 +4261,43 @@
               <a:rPr lang="en-US" dirty="0">
                 <a:latin typeface="Helvetica LT Std" panose="020B0504020202020204" pitchFamily="34" charset="0"/>
               </a:rPr>
-              <a:t>One-way functions are how passwords are managed on most (secure) websites</a:t>
+              <a:t>We must generate a unique long key each time the short key is used </a:t>
+            </a:r>
+          </a:p>
+          <a:p>
+            <a:pPr lvl="1">
+              <a:spcAft>
+                <a:spcPts val="600"/>
+              </a:spcAft>
+              <a:buFont typeface="Wingdings" panose="05000000000000000000" pitchFamily="2" charset="2"/>
+              <a:buChar char="§"/>
+            </a:pPr>
+            <a:r>
+              <a:rPr lang="en-US" dirty="0">
+                <a:latin typeface="Helvetica LT Std" panose="020B0504020202020204" pitchFamily="34" charset="0"/>
+              </a:rPr>
+              <a:t>otherwise adversary wins by just deciphering a single long key</a:t>
             </a:r>
           </a:p>
           <a:p>
             <a:pPr>
-              <a:lnSpc>
-                <a:spcPct val="110000"/>
-              </a:lnSpc>
               <a:spcAft>
-                <a:spcPts val="300"/>
+                <a:spcPts val="600"/>
+              </a:spcAft>
+              <a:buFont typeface="Wingdings" panose="05000000000000000000" pitchFamily="2" charset="2"/>
+              <a:buChar char="§"/>
+            </a:pPr>
+            <a:r>
+              <a:rPr lang="en-US" dirty="0">
+                <a:latin typeface="Helvetica LT Std" panose="020B0504020202020204" pitchFamily="34" charset="0"/>
+              </a:rPr>
+              <a:t>The long key must be the same length as our messages, which are not always the same length</a:t>
+            </a:r>
+          </a:p>
+          <a:p>
+            <a:pPr>
+              <a:spcAft>
+                <a:spcPts val="600"/>
               </a:spcAft>
               <a:buFont typeface="Wingdings" panose="05000000000000000000" pitchFamily="2" charset="2"/>
               <a:buChar char="§"/>
@@ -4124,82 +4306,14 @@
               <a:latin typeface="Helvetica LT Std" panose="020B0504020202020204" pitchFamily="34" charset="0"/>
             </a:endParaRPr>
           </a:p>
-          <a:p>
-            <a:pPr marL="0" indent="0">
-              <a:lnSpc>
-                <a:spcPct val="110000"/>
-              </a:lnSpc>
-              <a:spcAft>
-                <a:spcPts val="300"/>
-              </a:spcAft>
-              <a:buNone/>
-            </a:pPr>
-            <a:endParaRPr lang="en-US" dirty="0">
-              <a:latin typeface="Helvetica LT Std" panose="020B0504020202020204" pitchFamily="34" charset="0"/>
-            </a:endParaRPr>
-          </a:p>
-          <a:p>
-            <a:pPr>
-              <a:lnSpc>
-                <a:spcPct val="110000"/>
-              </a:lnSpc>
-              <a:spcAft>
-                <a:spcPts val="300"/>
-              </a:spcAft>
-              <a:buFont typeface="Wingdings" panose="05000000000000000000" pitchFamily="2" charset="2"/>
-              <a:buChar char="§"/>
-            </a:pPr>
-            <a:r>
-              <a:rPr lang="en-US" dirty="0">
-                <a:latin typeface="Helvetica LT Std" panose="020B0504020202020204" pitchFamily="34" charset="0"/>
-              </a:rPr>
-              <a:t>When you type in your password, the website computes and saves the “hash” of your password</a:t>
-            </a:r>
-          </a:p>
-          <a:p>
-            <a:pPr>
-              <a:lnSpc>
-                <a:spcPct val="110000"/>
-              </a:lnSpc>
-              <a:spcAft>
-                <a:spcPts val="300"/>
-              </a:spcAft>
-              <a:buFont typeface="Wingdings" panose="05000000000000000000" pitchFamily="2" charset="2"/>
-              <a:buChar char="§"/>
-            </a:pPr>
-            <a:r>
-              <a:rPr lang="en-US" dirty="0">
-                <a:latin typeface="Helvetica LT Std" panose="020B0504020202020204" pitchFamily="34" charset="0"/>
-              </a:rPr>
-              <a:t>That way, if they’re hacked, hackers only have the hashed versions, not the original passwords</a:t>
-            </a:r>
-          </a:p>
-          <a:p>
-            <a:pPr>
-              <a:lnSpc>
-                <a:spcPct val="110000"/>
-              </a:lnSpc>
-              <a:spcAft>
-                <a:spcPts val="300"/>
-              </a:spcAft>
-              <a:buFont typeface="Wingdings" panose="05000000000000000000" pitchFamily="2" charset="2"/>
-              <a:buChar char="§"/>
-            </a:pPr>
-            <a:r>
-              <a:rPr lang="en-US" dirty="0">
-                <a:latin typeface="Helvetica LT Std" panose="020B0504020202020204" pitchFamily="34" charset="0"/>
-              </a:rPr>
-              <a:t>This matters because it’s practically impossible to figure out the password from its hash</a:t>
-            </a:r>
-          </a:p>
         </p:txBody>
       </p:sp>
       <p:pic>
         <p:nvPicPr>
-          <p:cNvPr id="7" name="Picture 6">
-            <a:extLst>
-              <a:ext uri="{FF2B5EF4-FFF2-40B4-BE49-F238E27FC236}">
-                <a16:creationId xmlns:a16="http://schemas.microsoft.com/office/drawing/2014/main" id="{BFFE1AD0-DB6C-4685-B5AC-EF47DF4C92D6}"/>
+          <p:cNvPr id="5" name="Picture 4" descr="Schematic diagram showing the generation of a long key from a short key using a one-way function.">
+            <a:extLst>
+              <a:ext uri="{FF2B5EF4-FFF2-40B4-BE49-F238E27FC236}">
+                <a16:creationId xmlns:a16="http://schemas.microsoft.com/office/drawing/2014/main" id="{43FD455D-B005-4C17-BEA8-B8155A995701}"/>
               </a:ext>
             </a:extLst>
           </p:cNvPr>
@@ -4222,18 +4336,47 @@
         </p:blipFill>
         <p:spPr>
           <a:xfrm>
-            <a:off x="2796533" y="3027766"/>
-            <a:ext cx="6598933" cy="509017"/>
+            <a:off x="2624321" y="4614055"/>
+            <a:ext cx="6943358" cy="2109220"/>
           </a:xfrm>
           <a:prstGeom prst="rect">
             <a:avLst/>
           </a:prstGeom>
         </p:spPr>
       </p:pic>
+      <p:sp>
+        <p:nvSpPr>
+          <p:cNvPr id="6" name="Slide Number Placeholder 5">
+            <a:extLst>
+              <a:ext uri="{FF2B5EF4-FFF2-40B4-BE49-F238E27FC236}">
+                <a16:creationId xmlns:a16="http://schemas.microsoft.com/office/drawing/2014/main" id="{E9F7B807-0DB9-4391-8B77-B4E1968BFE23}"/>
+              </a:ext>
+            </a:extLst>
+          </p:cNvPr>
+          <p:cNvSpPr>
+            <a:spLocks noGrp="1"/>
+          </p:cNvSpPr>
+          <p:nvPr>
+            <p:ph type="sldNum" sz="quarter" idx="12"/>
+          </p:nvPr>
+        </p:nvSpPr>
+        <p:spPr/>
+        <p:txBody>
+          <a:bodyPr/>
+          <a:lstStyle/>
+          <a:p>
+            <a:fld id="{44D9B3EF-9489-4381-ACF1-79879AB05C89}" type="slidenum">
+              <a:rPr lang="en-US" smtClean="0"/>
+              <a:t>10</a:t>
+            </a:fld>
+            <a:endParaRPr lang="en-US"/>
+          </a:p>
+        </p:txBody>
+      </p:sp>
     </p:spTree>
     <p:extLst>
       <p:ext uri="{BB962C8B-B14F-4D97-AF65-F5344CB8AC3E}">
-        <p14:creationId xmlns:p14="http://schemas.microsoft.com/office/powerpoint/2010/main" val="1268625121"/>
+        <p14:creationId xmlns:p14="http://schemas.microsoft.com/office/powerpoint/2010/main" val="3635419034"/>
       </p:ext>
     </p:extLst>
   </p:cSld>
@@ -4265,7 +4408,7 @@
           <p:cNvPr id="2" name="Title 1">
             <a:extLst>
               <a:ext uri="{FF2B5EF4-FFF2-40B4-BE49-F238E27FC236}">
-                <a16:creationId xmlns:a16="http://schemas.microsoft.com/office/drawing/2014/main" id="{0A6E49C0-0269-4830-9E67-7A3C6D93C5B7}"/>
+                <a16:creationId xmlns:a16="http://schemas.microsoft.com/office/drawing/2014/main" id="{81B07617-7E2D-4621-A81B-02A5F9DA6905}"/>
               </a:ext>
             </a:extLst>
           </p:cNvPr>
@@ -4285,7 +4428,7 @@
               <a:rPr lang="en-US" dirty="0">
                 <a:latin typeface="Helvetica LT Std Black" panose="020B0904030502020204" pitchFamily="34" charset="0"/>
               </a:rPr>
-              <a:t>Symmetric key encryption</a:t>
+              <a:t>Modern Encryption</a:t>
             </a:r>
             <a:endParaRPr lang="en-US" dirty="0"/>
           </a:p>
@@ -4296,7 +4439,7 @@
           <p:cNvPr id="3" name="Content Placeholder 2">
             <a:extLst>
               <a:ext uri="{FF2B5EF4-FFF2-40B4-BE49-F238E27FC236}">
-                <a16:creationId xmlns:a16="http://schemas.microsoft.com/office/drawing/2014/main" id="{45B8A955-85BC-4580-AF55-F1EFF7F49BDA}"/>
+                <a16:creationId xmlns:a16="http://schemas.microsoft.com/office/drawing/2014/main" id="{68DCDFDD-0575-40EC-8116-5CC1F066237A}"/>
               </a:ext>
             </a:extLst>
           </p:cNvPr>
@@ -4309,17 +4452,45 @@
         </p:nvSpPr>
         <p:spPr>
           <a:xfrm>
-            <a:off x="838200" y="1825625"/>
-            <a:ext cx="5728200" cy="4351338"/>
+            <a:off x="838200" y="1690689"/>
+            <a:ext cx="10515600" cy="4938711"/>
           </a:xfrm>
         </p:spPr>
         <p:txBody>
-          <a:bodyPr/>
+          <a:bodyPr>
+            <a:normAutofit fontScale="85000" lnSpcReduction="20000"/>
+          </a:bodyPr>
           <a:lstStyle/>
           <a:p>
+            <a:pPr marL="0" indent="0">
+              <a:lnSpc>
+                <a:spcPct val="110000"/>
+              </a:lnSpc>
+              <a:spcAft>
+                <a:spcPts val="300"/>
+              </a:spcAft>
+              <a:buNone/>
+            </a:pPr>
+            <a:r>
+              <a:rPr lang="en-US" b="1" dirty="0">
+                <a:latin typeface="Helvetica LT Std" panose="020B0504020202020204" pitchFamily="34" charset="0"/>
+              </a:rPr>
+              <a:t>Aside</a:t>
+            </a:r>
+            <a:r>
+              <a:rPr lang="en-US" dirty="0">
+                <a:latin typeface="Helvetica LT Std" panose="020B0504020202020204" pitchFamily="34" charset="0"/>
+              </a:rPr>
+              <a:t>: Password management</a:t>
+            </a:r>
+          </a:p>
+          <a:p>
             <a:pPr>
+              <a:lnSpc>
+                <a:spcPct val="110000"/>
+              </a:lnSpc>
               <a:spcAft>
-                <a:spcPts val="600"/>
+                <a:spcPts val="300"/>
               </a:spcAft>
               <a:buFont typeface="Wingdings" panose="05000000000000000000" pitchFamily="2" charset="2"/>
               <a:buChar char="§"/>
@@ -4328,34 +4499,45 @@
               <a:rPr lang="en-US" dirty="0">
                 <a:latin typeface="Helvetica LT Std" panose="020B0504020202020204" pitchFamily="34" charset="0"/>
               </a:rPr>
-              <a:t>Encryption/decryption procedure described so far is known as </a:t>
-            </a:r>
-            <a:r>
-              <a:rPr lang="en-US" b="1" dirty="0">
-                <a:latin typeface="Helvetica LT Std" panose="020B0504020202020204" pitchFamily="34" charset="0"/>
-              </a:rPr>
-              <a:t>symmetric key encryption</a:t>
+              <a:t>One-way functions are how passwords are managed on most (secure) websites</a:t>
             </a:r>
           </a:p>
           <a:p>
             <a:pPr>
+              <a:lnSpc>
+                <a:spcPct val="110000"/>
+              </a:lnSpc>
               <a:spcAft>
-                <a:spcPts val="600"/>
+                <a:spcPts val="300"/>
               </a:spcAft>
               <a:buFont typeface="Wingdings" panose="05000000000000000000" pitchFamily="2" charset="2"/>
               <a:buChar char="§"/>
             </a:pPr>
-            <a:r>
-              <a:rPr lang="en-US" dirty="0">
-                <a:latin typeface="Helvetica LT Std" panose="020B0504020202020204" pitchFamily="34" charset="0"/>
-              </a:rPr>
-              <a:t>Symmetric means that sender and receiver both must know the same short key</a:t>
-            </a:r>
+            <a:endParaRPr lang="en-US" dirty="0">
+              <a:latin typeface="Helvetica LT Std" panose="020B0504020202020204" pitchFamily="34" charset="0"/>
+            </a:endParaRPr>
+          </a:p>
+          <a:p>
+            <a:pPr marL="0" indent="0">
+              <a:lnSpc>
+                <a:spcPct val="110000"/>
+              </a:lnSpc>
+              <a:spcAft>
+                <a:spcPts val="300"/>
+              </a:spcAft>
+              <a:buNone/>
+            </a:pPr>
+            <a:endParaRPr lang="en-US" dirty="0">
+              <a:latin typeface="Helvetica LT Std" panose="020B0504020202020204" pitchFamily="34" charset="0"/>
+            </a:endParaRPr>
           </a:p>
           <a:p>
             <a:pPr>
+              <a:lnSpc>
+                <a:spcPct val="110000"/>
+              </a:lnSpc>
               <a:spcAft>
-                <a:spcPts val="600"/>
+                <a:spcPts val="300"/>
               </a:spcAft>
               <a:buFont typeface="Wingdings" panose="05000000000000000000" pitchFamily="2" charset="2"/>
               <a:buChar char="§"/>
@@ -4364,17 +4546,53 @@
               <a:rPr lang="en-US" dirty="0">
                 <a:latin typeface="Helvetica LT Std" panose="020B0504020202020204" pitchFamily="34" charset="0"/>
               </a:rPr>
-              <a:t>But how do you securely communicate the short key…?</a:t>
+              <a:t>When you type in your password, the website computes and saves the “hash” of your password</a:t>
+            </a:r>
+          </a:p>
+          <a:p>
+            <a:pPr>
+              <a:lnSpc>
+                <a:spcPct val="110000"/>
+              </a:lnSpc>
+              <a:spcAft>
+                <a:spcPts val="300"/>
+              </a:spcAft>
+              <a:buFont typeface="Wingdings" panose="05000000000000000000" pitchFamily="2" charset="2"/>
+              <a:buChar char="§"/>
+            </a:pPr>
+            <a:r>
+              <a:rPr lang="en-US" dirty="0">
+                <a:latin typeface="Helvetica LT Std" panose="020B0504020202020204" pitchFamily="34" charset="0"/>
+              </a:rPr>
+              <a:t>That way, if they’re hacked, hackers only have the hashed versions, not the original passwords</a:t>
+            </a:r>
+          </a:p>
+          <a:p>
+            <a:pPr>
+              <a:lnSpc>
+                <a:spcPct val="110000"/>
+              </a:lnSpc>
+              <a:spcAft>
+                <a:spcPts val="300"/>
+              </a:spcAft>
+              <a:buFont typeface="Wingdings" panose="05000000000000000000" pitchFamily="2" charset="2"/>
+              <a:buChar char="§"/>
+            </a:pPr>
+            <a:r>
+              <a:rPr lang="en-US" dirty="0">
+                <a:latin typeface="Helvetica LT Std" panose="020B0504020202020204" pitchFamily="34" charset="0"/>
+              </a:rPr>
+              <a:t>This matters because it’s practically impossible to figure out the password from its hash</a:t>
             </a:r>
           </a:p>
         </p:txBody>
       </p:sp>
       <p:pic>
         <p:nvPicPr>
-          <p:cNvPr id="5" name="Picture 4" descr="Diagram of symmetric key encryption.">
-            <a:extLst>
-              <a:ext uri="{FF2B5EF4-FFF2-40B4-BE49-F238E27FC236}">
-                <a16:creationId xmlns:a16="http://schemas.microsoft.com/office/drawing/2014/main" id="{9A9774D1-E4B5-4693-BA23-6C2CD89B1C1A}"/>
+          <p:cNvPr id="7" name="Picture 6">
+            <a:extLst>
+              <a:ext uri="{FF2B5EF4-FFF2-40B4-BE49-F238E27FC236}">
+                <a16:creationId xmlns:a16="http://schemas.microsoft.com/office/drawing/2014/main" id="{BFFE1AD0-DB6C-4685-B5AC-EF47DF4C92D6}"/>
               </a:ext>
             </a:extLst>
           </p:cNvPr>
@@ -4397,18 +4615,47 @@
         </p:blipFill>
         <p:spPr>
           <a:xfrm>
-            <a:off x="6724800" y="1690688"/>
-            <a:ext cx="5220001" cy="4690160"/>
+            <a:off x="2796533" y="3027766"/>
+            <a:ext cx="6598933" cy="509017"/>
           </a:xfrm>
           <a:prstGeom prst="rect">
             <a:avLst/>
           </a:prstGeom>
         </p:spPr>
       </p:pic>
+      <p:sp>
+        <p:nvSpPr>
+          <p:cNvPr id="5" name="Slide Number Placeholder 4">
+            <a:extLst>
+              <a:ext uri="{FF2B5EF4-FFF2-40B4-BE49-F238E27FC236}">
+                <a16:creationId xmlns:a16="http://schemas.microsoft.com/office/drawing/2014/main" id="{4F46C128-F3AD-41EF-A1F9-5C4B6CD45C6F}"/>
+              </a:ext>
+            </a:extLst>
+          </p:cNvPr>
+          <p:cNvSpPr>
+            <a:spLocks noGrp="1"/>
+          </p:cNvSpPr>
+          <p:nvPr>
+            <p:ph type="sldNum" sz="quarter" idx="12"/>
+          </p:nvPr>
+        </p:nvSpPr>
+        <p:spPr/>
+        <p:txBody>
+          <a:bodyPr/>
+          <a:lstStyle/>
+          <a:p>
+            <a:fld id="{44D9B3EF-9489-4381-ACF1-79879AB05C89}" type="slidenum">
+              <a:rPr lang="en-US" smtClean="0"/>
+              <a:t>11</a:t>
+            </a:fld>
+            <a:endParaRPr lang="en-US"/>
+          </a:p>
+        </p:txBody>
+      </p:sp>
     </p:spTree>
     <p:extLst>
       <p:ext uri="{BB962C8B-B14F-4D97-AF65-F5344CB8AC3E}">
-        <p14:creationId xmlns:p14="http://schemas.microsoft.com/office/powerpoint/2010/main" val="15774256"/>
+        <p14:creationId xmlns:p14="http://schemas.microsoft.com/office/powerpoint/2010/main" val="1268625121"/>
       </p:ext>
     </p:extLst>
   </p:cSld>
@@ -4440,7 +4687,7 @@
           <p:cNvPr id="2" name="Title 1">
             <a:extLst>
               <a:ext uri="{FF2B5EF4-FFF2-40B4-BE49-F238E27FC236}">
-                <a16:creationId xmlns:a16="http://schemas.microsoft.com/office/drawing/2014/main" id="{223B8ECB-5818-49CC-893C-5DEB1233720C}"/>
+                <a16:creationId xmlns:a16="http://schemas.microsoft.com/office/drawing/2014/main" id="{81B07617-7E2D-4621-A81B-02A5F9DA6905}"/>
               </a:ext>
             </a:extLst>
           </p:cNvPr>
@@ -4460,7 +4707,7 @@
               <a:rPr lang="en-US" dirty="0">
                 <a:latin typeface="Helvetica LT Std Black" panose="020B0904030502020204" pitchFamily="34" charset="0"/>
               </a:rPr>
-              <a:t>Asymmetric key encryption</a:t>
+              <a:t>Modern Encryption</a:t>
             </a:r>
             <a:endParaRPr lang="en-US" dirty="0"/>
           </a:p>
@@ -4471,7 +4718,7 @@
           <p:cNvPr id="3" name="Content Placeholder 2">
             <a:extLst>
               <a:ext uri="{FF2B5EF4-FFF2-40B4-BE49-F238E27FC236}">
-                <a16:creationId xmlns:a16="http://schemas.microsoft.com/office/drawing/2014/main" id="{9D6B5B0D-E845-4F25-90C0-6E20E785CCA6}"/>
+                <a16:creationId xmlns:a16="http://schemas.microsoft.com/office/drawing/2014/main" id="{68DCDFDD-0575-40EC-8116-5CC1F066237A}"/>
               </a:ext>
             </a:extLst>
           </p:cNvPr>
@@ -4480,6 +4727,157 @@
           </p:cNvSpPr>
           <p:nvPr>
             <p:ph idx="1"/>
+          </p:nvPr>
+        </p:nvSpPr>
+        <p:spPr>
+          <a:xfrm>
+            <a:off x="838200" y="1690689"/>
+            <a:ext cx="10515600" cy="4938711"/>
+          </a:xfrm>
+        </p:spPr>
+        <p:txBody>
+          <a:bodyPr>
+            <a:normAutofit/>
+          </a:bodyPr>
+          <a:lstStyle/>
+          <a:p>
+            <a:pPr marL="0" indent="0">
+              <a:lnSpc>
+                <a:spcPct val="110000"/>
+              </a:lnSpc>
+              <a:spcAft>
+                <a:spcPts val="300"/>
+              </a:spcAft>
+              <a:buNone/>
+            </a:pPr>
+            <a:r>
+              <a:rPr lang="en-US" b="1" dirty="0">
+                <a:latin typeface="Helvetica LT Std" panose="020B0504020202020204" pitchFamily="34" charset="0"/>
+              </a:rPr>
+              <a:t>Aside</a:t>
+            </a:r>
+            <a:r>
+              <a:rPr lang="en-US" dirty="0">
+                <a:latin typeface="Helvetica LT Std" panose="020B0504020202020204" pitchFamily="34" charset="0"/>
+              </a:rPr>
+              <a:t>: Password management</a:t>
+            </a:r>
+          </a:p>
+          <a:p>
+            <a:pPr>
+              <a:lnSpc>
+                <a:spcPct val="110000"/>
+              </a:lnSpc>
+              <a:spcAft>
+                <a:spcPts val="300"/>
+              </a:spcAft>
+              <a:buFont typeface="Wingdings" panose="05000000000000000000" pitchFamily="2" charset="2"/>
+              <a:buChar char="§"/>
+            </a:pPr>
+            <a:r>
+              <a:rPr lang="en-US" dirty="0">
+                <a:latin typeface="Helvetica LT Std" panose="020B0504020202020204" pitchFamily="34" charset="0"/>
+              </a:rPr>
+              <a:t>This matters because it’s </a:t>
+            </a:r>
+            <a:r>
+              <a:rPr lang="en-US" i="1" dirty="0">
+                <a:latin typeface="Helvetica LT Std" panose="020B0504020202020204" pitchFamily="34" charset="0"/>
+              </a:rPr>
+              <a:t>practically impossible </a:t>
+            </a:r>
+            <a:r>
+              <a:rPr lang="en-US" dirty="0">
+                <a:latin typeface="Helvetica LT Std" panose="020B0504020202020204" pitchFamily="34" charset="0"/>
+              </a:rPr>
+              <a:t>to figure out the password from its hash</a:t>
+            </a:r>
+          </a:p>
+          <a:p>
+            <a:pPr>
+              <a:lnSpc>
+                <a:spcPct val="110000"/>
+              </a:lnSpc>
+              <a:spcAft>
+                <a:spcPts val="300"/>
+              </a:spcAft>
+              <a:buFont typeface="Wingdings" panose="05000000000000000000" pitchFamily="2" charset="2"/>
+              <a:buChar char="§"/>
+            </a:pPr>
+            <a:r>
+              <a:rPr lang="en-US" dirty="0">
+                <a:latin typeface="Helvetica LT Std" panose="020B0504020202020204" pitchFamily="34" charset="0"/>
+              </a:rPr>
+              <a:t>The above is only true if your password is long enough</a:t>
+            </a:r>
+          </a:p>
+          <a:p>
+            <a:pPr>
+              <a:lnSpc>
+                <a:spcPct val="110000"/>
+              </a:lnSpc>
+              <a:spcAft>
+                <a:spcPts val="300"/>
+              </a:spcAft>
+              <a:buFont typeface="Wingdings" panose="05000000000000000000" pitchFamily="2" charset="2"/>
+              <a:buChar char="§"/>
+            </a:pPr>
+            <a:r>
+              <a:rPr lang="en-US" dirty="0">
+                <a:latin typeface="Helvetica LT Std" panose="020B0504020202020204" pitchFamily="34" charset="0"/>
+              </a:rPr>
+              <a:t>Remember: the point of one-way (e.g., hash) functions is so that from the output, it’s impossible to know the input</a:t>
+            </a:r>
+          </a:p>
+          <a:p>
+            <a:pPr>
+              <a:lnSpc>
+                <a:spcPct val="110000"/>
+              </a:lnSpc>
+              <a:spcAft>
+                <a:spcPts val="300"/>
+              </a:spcAft>
+              <a:buFont typeface="Wingdings" panose="05000000000000000000" pitchFamily="2" charset="2"/>
+              <a:buChar char="§"/>
+            </a:pPr>
+            <a:r>
+              <a:rPr lang="en-US" b="1" dirty="0">
+                <a:latin typeface="Helvetica LT Std" panose="020B0504020202020204" pitchFamily="34" charset="0"/>
+              </a:rPr>
+              <a:t>BUT: Hackers can (and do) still try to guess which input (i.e., password) generated the output (i.e., password hash)</a:t>
+            </a:r>
+          </a:p>
+          <a:p>
+            <a:pPr>
+              <a:lnSpc>
+                <a:spcPct val="110000"/>
+              </a:lnSpc>
+              <a:spcAft>
+                <a:spcPts val="300"/>
+              </a:spcAft>
+              <a:buFont typeface="Wingdings" panose="05000000000000000000" pitchFamily="2" charset="2"/>
+              <a:buChar char="§"/>
+            </a:pPr>
+            <a:endParaRPr lang="en-US" dirty="0">
+              <a:latin typeface="Helvetica LT Std" panose="020B0504020202020204" pitchFamily="34" charset="0"/>
+            </a:endParaRPr>
+          </a:p>
+        </p:txBody>
+      </p:sp>
+      <p:sp>
+        <p:nvSpPr>
+          <p:cNvPr id="5" name="Slide Number Placeholder 4">
+            <a:extLst>
+              <a:ext uri="{FF2B5EF4-FFF2-40B4-BE49-F238E27FC236}">
+                <a16:creationId xmlns:a16="http://schemas.microsoft.com/office/drawing/2014/main" id="{AD1AADC0-FDA6-4CBC-8574-8864DFF7E899}"/>
+              </a:ext>
+            </a:extLst>
+          </p:cNvPr>
+          <p:cNvSpPr>
+            <a:spLocks noGrp="1"/>
+          </p:cNvSpPr>
+          <p:nvPr>
+            <p:ph type="sldNum" sz="quarter" idx="12"/>
           </p:nvPr>
         </p:nvSpPr>
         <p:spPr/>
@@ -4487,119 +4885,18 @@
           <a:bodyPr/>
           <a:lstStyle/>
           <a:p>
-            <a:pPr>
-              <a:spcAft>
-                <a:spcPts val="600"/>
-              </a:spcAft>
-              <a:buFont typeface="Wingdings" panose="05000000000000000000" pitchFamily="2" charset="2"/>
-              <a:buChar char="§"/>
-            </a:pPr>
-            <a:r>
-              <a:rPr lang="en-US" dirty="0">
-                <a:latin typeface="Helvetica LT Std" panose="020B0504020202020204" pitchFamily="34" charset="0"/>
-              </a:rPr>
-              <a:t>Problem solved with asymmetric key encryption</a:t>
-            </a:r>
-          </a:p>
-          <a:p>
-            <a:pPr>
-              <a:spcAft>
-                <a:spcPts val="600"/>
-              </a:spcAft>
-              <a:buFont typeface="Wingdings" panose="05000000000000000000" pitchFamily="2" charset="2"/>
-              <a:buChar char="§"/>
-            </a:pPr>
-            <a:r>
-              <a:rPr lang="en-US" dirty="0">
-                <a:latin typeface="Helvetica LT Std" panose="020B0504020202020204" pitchFamily="34" charset="0"/>
-              </a:rPr>
-              <a:t>Now, each party has 2 paired keys</a:t>
-            </a:r>
-          </a:p>
-          <a:p>
-            <a:pPr lvl="1">
-              <a:spcAft>
-                <a:spcPts val="600"/>
-              </a:spcAft>
-              <a:buFont typeface="Wingdings" panose="05000000000000000000" pitchFamily="2" charset="2"/>
-              <a:buChar char="§"/>
-            </a:pPr>
-            <a:r>
-              <a:rPr lang="en-US" b="1" dirty="0">
-                <a:latin typeface="Helvetica LT Std" panose="020B0504020202020204" pitchFamily="34" charset="0"/>
-              </a:rPr>
-              <a:t>Private</a:t>
-            </a:r>
-            <a:r>
-              <a:rPr lang="en-US" dirty="0">
-                <a:latin typeface="Helvetica LT Std" panose="020B0504020202020204" pitchFamily="34" charset="0"/>
-              </a:rPr>
-              <a:t>: this key is kept secret </a:t>
-            </a:r>
-            <a:r>
-              <a:rPr lang="en-US" b="1" u="sng" dirty="0">
-                <a:latin typeface="Helvetica LT Std" panose="020B0504020202020204" pitchFamily="34" charset="0"/>
-              </a:rPr>
-              <a:t>(important)</a:t>
-            </a:r>
-          </a:p>
-          <a:p>
-            <a:pPr lvl="1">
-              <a:spcAft>
-                <a:spcPts val="600"/>
-              </a:spcAft>
-              <a:buFont typeface="Wingdings" panose="05000000000000000000" pitchFamily="2" charset="2"/>
-              <a:buChar char="§"/>
-            </a:pPr>
-            <a:r>
-              <a:rPr lang="en-US" b="1" dirty="0">
-                <a:latin typeface="Helvetica LT Std" panose="020B0504020202020204" pitchFamily="34" charset="0"/>
-              </a:rPr>
-              <a:t>Public</a:t>
-            </a:r>
-            <a:r>
-              <a:rPr lang="en-US" dirty="0">
-                <a:latin typeface="Helvetica LT Std" panose="020B0504020202020204" pitchFamily="34" charset="0"/>
-              </a:rPr>
-              <a:t>: this key must be available to anybody you want to communicate with</a:t>
-            </a:r>
-          </a:p>
-          <a:p>
-            <a:pPr>
-              <a:spcAft>
-                <a:spcPts val="600"/>
-              </a:spcAft>
-              <a:buFont typeface="Wingdings" panose="05000000000000000000" pitchFamily="2" charset="2"/>
-              <a:buChar char="§"/>
-            </a:pPr>
-            <a:r>
-              <a:rPr lang="en-US" dirty="0">
-                <a:latin typeface="Helvetica LT Std" panose="020B0504020202020204" pitchFamily="34" charset="0"/>
-              </a:rPr>
-              <a:t>These keys only work with each other</a:t>
-            </a:r>
-          </a:p>
-          <a:p>
-            <a:pPr>
-              <a:spcAft>
-                <a:spcPts val="600"/>
-              </a:spcAft>
-              <a:buFont typeface="Wingdings" panose="05000000000000000000" pitchFamily="2" charset="2"/>
-              <a:buChar char="§"/>
-            </a:pPr>
-            <a:r>
-              <a:rPr lang="en-US" dirty="0">
-                <a:latin typeface="Helvetica LT Std" panose="020B0504020202020204" pitchFamily="34" charset="0"/>
-              </a:rPr>
-              <a:t>How does it work?</a:t>
-            </a:r>
+            <a:fld id="{44D9B3EF-9489-4381-ACF1-79879AB05C89}" type="slidenum">
+              <a:rPr lang="en-US" smtClean="0"/>
+              <a:t>12</a:t>
+            </a:fld>
+            <a:endParaRPr lang="en-US"/>
           </a:p>
         </p:txBody>
       </p:sp>
     </p:spTree>
     <p:extLst>
       <p:ext uri="{BB962C8B-B14F-4D97-AF65-F5344CB8AC3E}">
-        <p14:creationId xmlns:p14="http://schemas.microsoft.com/office/powerpoint/2010/main" val="2644256417"/>
+        <p14:creationId xmlns:p14="http://schemas.microsoft.com/office/powerpoint/2010/main" val="4182429719"/>
       </p:ext>
     </p:extLst>
   </p:cSld>
@@ -4631,7 +4928,7 @@
           <p:cNvPr id="2" name="Title 1">
             <a:extLst>
               <a:ext uri="{FF2B5EF4-FFF2-40B4-BE49-F238E27FC236}">
-                <a16:creationId xmlns:a16="http://schemas.microsoft.com/office/drawing/2014/main" id="{223B8ECB-5818-49CC-893C-5DEB1233720C}"/>
+                <a16:creationId xmlns:a16="http://schemas.microsoft.com/office/drawing/2014/main" id="{81B07617-7E2D-4621-A81B-02A5F9DA6905}"/>
               </a:ext>
             </a:extLst>
           </p:cNvPr>
@@ -4651,7 +4948,7 @@
               <a:rPr lang="en-US" dirty="0">
                 <a:latin typeface="Helvetica LT Std Black" panose="020B0904030502020204" pitchFamily="34" charset="0"/>
               </a:rPr>
-              <a:t>Asymmetric key encryption</a:t>
+              <a:t>Modern Encryption</a:t>
             </a:r>
             <a:endParaRPr lang="en-US" dirty="0"/>
           </a:p>
@@ -4662,7 +4959,7 @@
           <p:cNvPr id="3" name="Content Placeholder 2">
             <a:extLst>
               <a:ext uri="{FF2B5EF4-FFF2-40B4-BE49-F238E27FC236}">
-                <a16:creationId xmlns:a16="http://schemas.microsoft.com/office/drawing/2014/main" id="{9D6B5B0D-E845-4F25-90C0-6E20E785CCA6}"/>
+                <a16:creationId xmlns:a16="http://schemas.microsoft.com/office/drawing/2014/main" id="{68DCDFDD-0575-40EC-8116-5CC1F066237A}"/>
               </a:ext>
             </a:extLst>
           </p:cNvPr>
@@ -4675,85 +4972,230 @@
         </p:nvSpPr>
         <p:spPr>
           <a:xfrm>
-            <a:off x="838200" y="1825625"/>
-            <a:ext cx="10515600" cy="1603375"/>
+            <a:off x="838200" y="1526401"/>
+            <a:ext cx="10515600" cy="5212800"/>
           </a:xfrm>
         </p:spPr>
         <p:txBody>
+          <a:bodyPr>
+            <a:normAutofit fontScale="92500" lnSpcReduction="20000"/>
+          </a:bodyPr>
+          <a:lstStyle/>
+          <a:p>
+            <a:pPr marL="0" indent="0">
+              <a:lnSpc>
+                <a:spcPct val="110000"/>
+              </a:lnSpc>
+              <a:spcAft>
+                <a:spcPts val="300"/>
+              </a:spcAft>
+              <a:buNone/>
+            </a:pPr>
+            <a:r>
+              <a:rPr lang="en-US" b="1" dirty="0">
+                <a:latin typeface="Helvetica LT Std" panose="020B0504020202020204" pitchFamily="34" charset="0"/>
+              </a:rPr>
+              <a:t>Aside</a:t>
+            </a:r>
+            <a:r>
+              <a:rPr lang="en-US" dirty="0">
+                <a:latin typeface="Helvetica LT Std" panose="020B0504020202020204" pitchFamily="34" charset="0"/>
+              </a:rPr>
+              <a:t>: Password management</a:t>
+            </a:r>
+          </a:p>
+          <a:p>
+            <a:pPr>
+              <a:lnSpc>
+                <a:spcPct val="110000"/>
+              </a:lnSpc>
+              <a:spcAft>
+                <a:spcPts val="300"/>
+              </a:spcAft>
+              <a:buFont typeface="Wingdings" panose="05000000000000000000" pitchFamily="2" charset="2"/>
+              <a:buChar char="§"/>
+            </a:pPr>
+            <a:r>
+              <a:rPr lang="en-US" b="1" dirty="0">
+                <a:latin typeface="Helvetica LT Std" panose="020B0504020202020204" pitchFamily="34" charset="0"/>
+              </a:rPr>
+              <a:t>Takeaway: </a:t>
+            </a:r>
+            <a:r>
+              <a:rPr lang="en-US" b="1" u="sng" dirty="0">
+                <a:latin typeface="Helvetica LT Std" panose="020B0504020202020204" pitchFamily="34" charset="0"/>
+              </a:rPr>
+              <a:t>You need complicated passwords.</a:t>
+            </a:r>
+          </a:p>
+          <a:p>
+            <a:pPr lvl="1">
+              <a:lnSpc>
+                <a:spcPct val="110000"/>
+              </a:lnSpc>
+              <a:spcAft>
+                <a:spcPts val="300"/>
+              </a:spcAft>
+              <a:buFont typeface="Wingdings" panose="05000000000000000000" pitchFamily="2" charset="2"/>
+              <a:buChar char="§"/>
+            </a:pPr>
+            <a:r>
+              <a:rPr lang="en-US" dirty="0">
+                <a:latin typeface="Helvetica LT Std" panose="020B0504020202020204" pitchFamily="34" charset="0"/>
+              </a:rPr>
+              <a:t>&gt;16 characters</a:t>
+            </a:r>
+          </a:p>
+          <a:p>
+            <a:pPr lvl="1">
+              <a:lnSpc>
+                <a:spcPct val="110000"/>
+              </a:lnSpc>
+              <a:spcAft>
+                <a:spcPts val="300"/>
+              </a:spcAft>
+              <a:buFont typeface="Wingdings" panose="05000000000000000000" pitchFamily="2" charset="2"/>
+              <a:buChar char="§"/>
+            </a:pPr>
+            <a:r>
+              <a:rPr lang="en-US" dirty="0">
+                <a:latin typeface="Helvetica LT Std" panose="020B0504020202020204" pitchFamily="34" charset="0"/>
+              </a:rPr>
+              <a:t>Including numbers, letters, special characters</a:t>
+            </a:r>
+          </a:p>
+          <a:p>
+            <a:pPr>
+              <a:lnSpc>
+                <a:spcPct val="110000"/>
+              </a:lnSpc>
+              <a:spcAft>
+                <a:spcPts val="300"/>
+              </a:spcAft>
+              <a:buFont typeface="Wingdings" panose="05000000000000000000" pitchFamily="2" charset="2"/>
+              <a:buChar char="§"/>
+            </a:pPr>
+            <a:r>
+              <a:rPr lang="en-US" dirty="0">
+                <a:latin typeface="Helvetica LT Std" panose="020B0504020202020204" pitchFamily="34" charset="0"/>
+              </a:rPr>
+              <a:t>But how am I meant to remember all of these stupidly complicated passwords?</a:t>
+            </a:r>
+          </a:p>
+          <a:p>
+            <a:pPr>
+              <a:lnSpc>
+                <a:spcPct val="110000"/>
+              </a:lnSpc>
+              <a:spcAft>
+                <a:spcPts val="300"/>
+              </a:spcAft>
+              <a:buFont typeface="Wingdings" panose="05000000000000000000" pitchFamily="2" charset="2"/>
+              <a:buChar char="§"/>
+            </a:pPr>
+            <a:r>
+              <a:rPr lang="en-US" dirty="0">
+                <a:latin typeface="Helvetica LT Std" panose="020B0504020202020204" pitchFamily="34" charset="0"/>
+              </a:rPr>
+              <a:t>Use a password manager!</a:t>
+            </a:r>
+          </a:p>
+          <a:p>
+            <a:pPr lvl="1">
+              <a:lnSpc>
+                <a:spcPct val="110000"/>
+              </a:lnSpc>
+              <a:spcAft>
+                <a:spcPts val="300"/>
+              </a:spcAft>
+              <a:buFont typeface="Wingdings" panose="05000000000000000000" pitchFamily="2" charset="2"/>
+              <a:buChar char="§"/>
+            </a:pPr>
+            <a:r>
+              <a:rPr lang="en-US" dirty="0">
+                <a:latin typeface="Helvetica LT Std" panose="020B0504020202020204" pitchFamily="34" charset="0"/>
+              </a:rPr>
+              <a:t>Password managers store all your passwords securely so you don’t have to remember them.</a:t>
+            </a:r>
+          </a:p>
+          <a:p>
+            <a:pPr lvl="1">
+              <a:lnSpc>
+                <a:spcPct val="110000"/>
+              </a:lnSpc>
+              <a:spcAft>
+                <a:spcPts val="300"/>
+              </a:spcAft>
+              <a:buFont typeface="Wingdings" panose="05000000000000000000" pitchFamily="2" charset="2"/>
+              <a:buChar char="§"/>
+            </a:pPr>
+            <a:r>
+              <a:rPr lang="en-US" dirty="0">
+                <a:latin typeface="Helvetica LT Std" panose="020B0504020202020204" pitchFamily="34" charset="0"/>
+              </a:rPr>
+              <a:t>You only have to remember one really strong password to open the manager.</a:t>
+            </a:r>
+          </a:p>
+          <a:p>
+            <a:pPr lvl="1">
+              <a:lnSpc>
+                <a:spcPct val="110000"/>
+              </a:lnSpc>
+              <a:spcAft>
+                <a:spcPts val="300"/>
+              </a:spcAft>
+              <a:buFont typeface="Wingdings" panose="05000000000000000000" pitchFamily="2" charset="2"/>
+              <a:buChar char="§"/>
+            </a:pPr>
+            <a:r>
+              <a:rPr lang="en-US" dirty="0">
+                <a:latin typeface="Helvetica LT Std" panose="020B0504020202020204" pitchFamily="34" charset="0"/>
+                <a:hlinkClick r:id="rId2"/>
+              </a:rPr>
+              <a:t>KeePass</a:t>
+            </a:r>
+            <a:r>
+              <a:rPr lang="en-US" dirty="0">
+                <a:latin typeface="Helvetica LT Std" panose="020B0504020202020204" pitchFamily="34" charset="0"/>
+              </a:rPr>
+              <a:t> is a free, open source, and cross platform (including mobile) password manager that can even generate strong passwords for you.</a:t>
+            </a:r>
+          </a:p>
+        </p:txBody>
+      </p:sp>
+      <p:sp>
+        <p:nvSpPr>
+          <p:cNvPr id="4" name="Slide Number Placeholder 3">
+            <a:extLst>
+              <a:ext uri="{FF2B5EF4-FFF2-40B4-BE49-F238E27FC236}">
+                <a16:creationId xmlns:a16="http://schemas.microsoft.com/office/drawing/2014/main" id="{ECCB5C72-A676-4752-ACD0-B4159EADE207}"/>
+              </a:ext>
+            </a:extLst>
+          </p:cNvPr>
+          <p:cNvSpPr>
+            <a:spLocks noGrp="1"/>
+          </p:cNvSpPr>
+          <p:nvPr>
+            <p:ph type="sldNum" sz="quarter" idx="12"/>
+          </p:nvPr>
+        </p:nvSpPr>
+        <p:spPr/>
+        <p:txBody>
           <a:bodyPr/>
           <a:lstStyle/>
           <a:p>
-            <a:pPr>
-              <a:spcAft>
-                <a:spcPts val="600"/>
-              </a:spcAft>
-              <a:buFont typeface="Wingdings" panose="05000000000000000000" pitchFamily="2" charset="2"/>
-              <a:buChar char="§"/>
-            </a:pPr>
-            <a:r>
-              <a:rPr lang="en-US" dirty="0">
-                <a:latin typeface="Helvetica LT Std" panose="020B0504020202020204" pitchFamily="34" charset="0"/>
-              </a:rPr>
-              <a:t>Sender uses receiver’s public key to encrypt the message</a:t>
-            </a:r>
-          </a:p>
-          <a:p>
-            <a:pPr>
-              <a:spcAft>
-                <a:spcPts val="600"/>
-              </a:spcAft>
-              <a:buFont typeface="Wingdings" panose="05000000000000000000" pitchFamily="2" charset="2"/>
-              <a:buChar char="§"/>
-            </a:pPr>
-            <a:r>
-              <a:rPr lang="en-US" dirty="0">
-                <a:latin typeface="Helvetica LT Std" panose="020B0504020202020204" pitchFamily="34" charset="0"/>
-              </a:rPr>
-              <a:t>Encrypted message can only be decrypted with receiver’s private key</a:t>
-            </a:r>
-          </a:p>
-        </p:txBody>
-      </p:sp>
-      <p:pic>
-        <p:nvPicPr>
-          <p:cNvPr id="7" name="Picture 6" descr="Diagram of asymmetric key encryption.&#10;&#10;">
-            <a:extLst>
-              <a:ext uri="{FF2B5EF4-FFF2-40B4-BE49-F238E27FC236}">
-                <a16:creationId xmlns:a16="http://schemas.microsoft.com/office/drawing/2014/main" id="{B046DAB3-52D4-45FA-BFC4-ADEB9BC0FF8B}"/>
-              </a:ext>
-            </a:extLst>
-          </p:cNvPr>
-          <p:cNvPicPr>
-            <a:picLocks noChangeAspect="1"/>
-          </p:cNvPicPr>
-          <p:nvPr/>
-        </p:nvPicPr>
-        <p:blipFill>
-          <a:blip r:embed="rId2">
-            <a:extLst>
-              <a:ext uri="{28A0092B-C50C-407E-A947-70E740481C1C}">
-                <a14:useLocalDpi xmlns:a14="http://schemas.microsoft.com/office/drawing/2010/main" val="0"/>
-              </a:ext>
-            </a:extLst>
-          </a:blip>
-          <a:stretch>
-            <a:fillRect/>
-          </a:stretch>
-        </p:blipFill>
-        <p:spPr>
-          <a:xfrm>
-            <a:off x="1392926" y="3489960"/>
-            <a:ext cx="9406147" cy="2746254"/>
-          </a:xfrm>
-          <a:prstGeom prst="rect">
-            <a:avLst/>
-          </a:prstGeom>
-        </p:spPr>
-      </p:pic>
+            <a:fld id="{44D9B3EF-9489-4381-ACF1-79879AB05C89}" type="slidenum">
+              <a:rPr lang="en-US" smtClean="0"/>
+              <a:t>13</a:t>
+            </a:fld>
+            <a:endParaRPr lang="en-US"/>
+          </a:p>
+        </p:txBody>
+      </p:sp>
     </p:spTree>
     <p:extLst>
       <p:ext uri="{BB962C8B-B14F-4D97-AF65-F5344CB8AC3E}">
-        <p14:creationId xmlns:p14="http://schemas.microsoft.com/office/powerpoint/2010/main" val="343292695"/>
+        <p14:creationId xmlns:p14="http://schemas.microsoft.com/office/powerpoint/2010/main" val="4208603688"/>
       </p:ext>
     </p:extLst>
   </p:cSld>
@@ -4785,7 +5227,7 @@
           <p:cNvPr id="2" name="Title 1">
             <a:extLst>
               <a:ext uri="{FF2B5EF4-FFF2-40B4-BE49-F238E27FC236}">
-                <a16:creationId xmlns:a16="http://schemas.microsoft.com/office/drawing/2014/main" id="{223B8ECB-5818-49CC-893C-5DEB1233720C}"/>
+                <a16:creationId xmlns:a16="http://schemas.microsoft.com/office/drawing/2014/main" id="{0A6E49C0-0269-4830-9E67-7A3C6D93C5B7}"/>
               </a:ext>
             </a:extLst>
           </p:cNvPr>
@@ -4805,7 +5247,7 @@
               <a:rPr lang="en-US" dirty="0">
                 <a:latin typeface="Helvetica LT Std Black" panose="020B0904030502020204" pitchFamily="34" charset="0"/>
               </a:rPr>
-              <a:t>Asymmetric key encryption</a:t>
+              <a:t>Symmetric key encryption</a:t>
             </a:r>
             <a:endParaRPr lang="en-US" dirty="0"/>
           </a:p>
@@ -4816,7 +5258,7 @@
           <p:cNvPr id="3" name="Content Placeholder 2">
             <a:extLst>
               <a:ext uri="{FF2B5EF4-FFF2-40B4-BE49-F238E27FC236}">
-                <a16:creationId xmlns:a16="http://schemas.microsoft.com/office/drawing/2014/main" id="{9D6B5B0D-E845-4F25-90C0-6E20E785CCA6}"/>
+                <a16:creationId xmlns:a16="http://schemas.microsoft.com/office/drawing/2014/main" id="{45B8A955-85BC-4580-AF55-F1EFF7F49BDA}"/>
               </a:ext>
             </a:extLst>
           </p:cNvPr>
@@ -4830,13 +5272,11 @@
         <p:spPr>
           <a:xfrm>
             <a:off x="838200" y="1825625"/>
-            <a:ext cx="10515600" cy="1603375"/>
+            <a:ext cx="5728200" cy="4351338"/>
           </a:xfrm>
         </p:spPr>
         <p:txBody>
-          <a:bodyPr>
-            <a:normAutofit fontScale="92500" lnSpcReduction="10000"/>
-          </a:bodyPr>
+          <a:bodyPr/>
           <a:lstStyle/>
           <a:p>
             <a:pPr>
@@ -4850,7 +5290,13 @@
               <a:rPr lang="en-US" dirty="0">
                 <a:latin typeface="Helvetica LT Std" panose="020B0504020202020204" pitchFamily="34" charset="0"/>
               </a:rPr>
-              <a:t>Revolutionary idea (thanks Diffie and Hellman)</a:t>
+              <a:t>Encryption/decryption procedure described so far is known as </a:t>
+            </a:r>
+            <a:r>
+              <a:rPr lang="en-US" b="1" dirty="0">
+                <a:latin typeface="Helvetica LT Std" panose="020B0504020202020204" pitchFamily="34" charset="0"/>
+              </a:rPr>
+              <a:t>symmetric key encryption</a:t>
             </a:r>
           </a:p>
           <a:p>
@@ -4862,34 +5308,35 @@
               <a:buChar char="§"/>
             </a:pPr>
             <a:r>
-              <a:rPr lang="en-US" dirty="0"/>
-              <a:t>Diffie, W., &amp; Hellman, M. (1976). New directions in cryptography. </a:t>
-            </a:r>
-            <a:r>
-              <a:rPr lang="en-US" i="1" dirty="0"/>
-              <a:t>IEEE Transactions on Information Theory</a:t>
-            </a:r>
-            <a:r>
-              <a:rPr lang="en-US" dirty="0"/>
-              <a:t>, </a:t>
-            </a:r>
-            <a:r>
-              <a:rPr lang="en-US" i="1" dirty="0"/>
-              <a:t>22</a:t>
-            </a:r>
-            <a:r>
-              <a:rPr lang="en-US" dirty="0"/>
-              <a:t>(6), 644–654. https://doi.org/10.1109/TIT.1976.1055638</a:t>
+              <a:rPr lang="en-US" dirty="0">
+                <a:latin typeface="Helvetica LT Std" panose="020B0504020202020204" pitchFamily="34" charset="0"/>
+              </a:rPr>
+              <a:t>Symmetric means that sender and receiver both must know the same short key</a:t>
+            </a:r>
+          </a:p>
+          <a:p>
+            <a:pPr>
+              <a:spcAft>
+                <a:spcPts val="600"/>
+              </a:spcAft>
+              <a:buFont typeface="Wingdings" panose="05000000000000000000" pitchFamily="2" charset="2"/>
+              <a:buChar char="§"/>
+            </a:pPr>
+            <a:r>
+              <a:rPr lang="en-US" dirty="0">
+                <a:latin typeface="Helvetica LT Std" panose="020B0504020202020204" pitchFamily="34" charset="0"/>
+              </a:rPr>
+              <a:t>But how do you securely communicate the short key…?</a:t>
             </a:r>
           </a:p>
         </p:txBody>
       </p:sp>
       <p:pic>
         <p:nvPicPr>
-          <p:cNvPr id="7" name="Picture 6" descr="Diagram of asymmetric key encryption.&#10;&#10;">
-            <a:extLst>
-              <a:ext uri="{FF2B5EF4-FFF2-40B4-BE49-F238E27FC236}">
-                <a16:creationId xmlns:a16="http://schemas.microsoft.com/office/drawing/2014/main" id="{B046DAB3-52D4-45FA-BFC4-ADEB9BC0FF8B}"/>
+          <p:cNvPr id="5" name="Picture 4" descr="Diagram of symmetric key encryption.">
+            <a:extLst>
+              <a:ext uri="{FF2B5EF4-FFF2-40B4-BE49-F238E27FC236}">
+                <a16:creationId xmlns:a16="http://schemas.microsoft.com/office/drawing/2014/main" id="{9A9774D1-E4B5-4693-BA23-6C2CD89B1C1A}"/>
               </a:ext>
             </a:extLst>
           </p:cNvPr>
@@ -4912,18 +5359,47 @@
         </p:blipFill>
         <p:spPr>
           <a:xfrm>
-            <a:off x="1392926" y="3746621"/>
-            <a:ext cx="9406147" cy="2746254"/>
+            <a:off x="6724800" y="1690688"/>
+            <a:ext cx="5220001" cy="4690160"/>
           </a:xfrm>
           <a:prstGeom prst="rect">
             <a:avLst/>
           </a:prstGeom>
         </p:spPr>
       </p:pic>
+      <p:sp>
+        <p:nvSpPr>
+          <p:cNvPr id="6" name="Slide Number Placeholder 5">
+            <a:extLst>
+              <a:ext uri="{FF2B5EF4-FFF2-40B4-BE49-F238E27FC236}">
+                <a16:creationId xmlns:a16="http://schemas.microsoft.com/office/drawing/2014/main" id="{89C7A925-D21A-4D84-A804-7DFA055261DF}"/>
+              </a:ext>
+            </a:extLst>
+          </p:cNvPr>
+          <p:cNvSpPr>
+            <a:spLocks noGrp="1"/>
+          </p:cNvSpPr>
+          <p:nvPr>
+            <p:ph type="sldNum" sz="quarter" idx="12"/>
+          </p:nvPr>
+        </p:nvSpPr>
+        <p:spPr/>
+        <p:txBody>
+          <a:bodyPr/>
+          <a:lstStyle/>
+          <a:p>
+            <a:fld id="{44D9B3EF-9489-4381-ACF1-79879AB05C89}" type="slidenum">
+              <a:rPr lang="en-US" smtClean="0"/>
+              <a:t>14</a:t>
+            </a:fld>
+            <a:endParaRPr lang="en-US"/>
+          </a:p>
+        </p:txBody>
+      </p:sp>
     </p:spTree>
     <p:extLst>
       <p:ext uri="{BB962C8B-B14F-4D97-AF65-F5344CB8AC3E}">
-        <p14:creationId xmlns:p14="http://schemas.microsoft.com/office/powerpoint/2010/main" val="3440436297"/>
+        <p14:creationId xmlns:p14="http://schemas.microsoft.com/office/powerpoint/2010/main" val="15774256"/>
       </p:ext>
     </p:extLst>
   </p:cSld>
@@ -4955,7 +5431,7 @@
           <p:cNvPr id="2" name="Title 1">
             <a:extLst>
               <a:ext uri="{FF2B5EF4-FFF2-40B4-BE49-F238E27FC236}">
-                <a16:creationId xmlns:a16="http://schemas.microsoft.com/office/drawing/2014/main" id="{BF269366-ADB2-4691-9ED4-929FCB284EBB}"/>
+                <a16:creationId xmlns:a16="http://schemas.microsoft.com/office/drawing/2014/main" id="{223B8ECB-5818-49CC-893C-5DEB1233720C}"/>
               </a:ext>
             </a:extLst>
           </p:cNvPr>
@@ -4966,12 +5442,7 @@
             <p:ph type="title"/>
           </p:nvPr>
         </p:nvSpPr>
-        <p:spPr>
-          <a:xfrm>
-            <a:off x="838200" y="149125"/>
-            <a:ext cx="10515600" cy="1325563"/>
-          </a:xfrm>
-        </p:spPr>
+        <p:spPr/>
         <p:txBody>
           <a:bodyPr/>
           <a:lstStyle/>
@@ -4980,7 +5451,7 @@
               <a:rPr lang="en-US" dirty="0">
                 <a:latin typeface="Helvetica LT Std Black" panose="020B0904030502020204" pitchFamily="34" charset="0"/>
               </a:rPr>
-              <a:t>Signing and authentication</a:t>
+              <a:t>Asymmetric key encryption</a:t>
             </a:r>
             <a:endParaRPr lang="en-US" dirty="0"/>
           </a:p>
@@ -4991,7 +5462,7 @@
           <p:cNvPr id="3" name="Content Placeholder 2">
             <a:extLst>
               <a:ext uri="{FF2B5EF4-FFF2-40B4-BE49-F238E27FC236}">
-                <a16:creationId xmlns:a16="http://schemas.microsoft.com/office/drawing/2014/main" id="{810C5B57-792E-4EB1-A312-E0790752EA25}"/>
+                <a16:creationId xmlns:a16="http://schemas.microsoft.com/office/drawing/2014/main" id="{9D6B5B0D-E845-4F25-90C0-6E20E785CCA6}"/>
               </a:ext>
             </a:extLst>
           </p:cNvPr>
@@ -5002,37 +5473,45 @@
             <p:ph idx="1"/>
           </p:nvPr>
         </p:nvSpPr>
-        <p:spPr>
-          <a:xfrm>
-            <a:off x="838200" y="1474688"/>
-            <a:ext cx="10515600" cy="3253849"/>
-          </a:xfrm>
-        </p:spPr>
-        <p:txBody>
-          <a:bodyPr>
-            <a:normAutofit fontScale="77500" lnSpcReduction="20000"/>
-          </a:bodyPr>
+        <p:spPr/>
+        <p:txBody>
+          <a:bodyPr/>
           <a:lstStyle/>
           <a:p>
             <a:pPr>
-              <a:lnSpc>
-                <a:spcPct val="120000"/>
-              </a:lnSpc>
-              <a:buFont typeface="Wingdings" panose="05000000000000000000" pitchFamily="2" charset="2"/>
-              <a:buChar char="§"/>
-            </a:pPr>
-            <a:r>
-              <a:rPr lang="en-US" dirty="0">
-                <a:latin typeface="Helvetica LT Std" panose="020B0504020202020204" pitchFamily="34" charset="0"/>
-              </a:rPr>
-              <a:t>Asymmetric key (aka public key) cryptography permits many other forms of digital security in addition to confidentiality</a:t>
+              <a:spcAft>
+                <a:spcPts val="600"/>
+              </a:spcAft>
+              <a:buFont typeface="Wingdings" panose="05000000000000000000" pitchFamily="2" charset="2"/>
+              <a:buChar char="§"/>
+            </a:pPr>
+            <a:r>
+              <a:rPr lang="en-US" dirty="0">
+                <a:latin typeface="Helvetica LT Std" panose="020B0504020202020204" pitchFamily="34" charset="0"/>
+              </a:rPr>
+              <a:t>Problem solved with asymmetric key encryption</a:t>
             </a:r>
           </a:p>
           <a:p>
             <a:pPr>
-              <a:lnSpc>
-                <a:spcPct val="120000"/>
-              </a:lnSpc>
+              <a:spcAft>
+                <a:spcPts val="600"/>
+              </a:spcAft>
+              <a:buFont typeface="Wingdings" panose="05000000000000000000" pitchFamily="2" charset="2"/>
+              <a:buChar char="§"/>
+            </a:pPr>
+            <a:r>
+              <a:rPr lang="en-US" dirty="0">
+                <a:latin typeface="Helvetica LT Std" panose="020B0504020202020204" pitchFamily="34" charset="0"/>
+              </a:rPr>
+              <a:t>Now, each party has 2 paired keys</a:t>
+            </a:r>
+          </a:p>
+          <a:p>
+            <a:pPr lvl="1">
+              <a:spcAft>
+                <a:spcPts val="600"/>
+              </a:spcAft>
               <a:buFont typeface="Wingdings" panose="05000000000000000000" pitchFamily="2" charset="2"/>
               <a:buChar char="§"/>
             </a:pPr>
@@ -5040,132 +5519,107 @@
               <a:rPr lang="en-US" b="1" dirty="0">
                 <a:latin typeface="Helvetica LT Std" panose="020B0504020202020204" pitchFamily="34" charset="0"/>
               </a:rPr>
-              <a:t>Signing</a:t>
-            </a:r>
-            <a:r>
-              <a:rPr lang="en-US" dirty="0">
-                <a:latin typeface="Helvetica LT Std" panose="020B0504020202020204" pitchFamily="34" charset="0"/>
-              </a:rPr>
-              <a:t>:</a:t>
+              <a:t>Private</a:t>
+            </a:r>
+            <a:r>
+              <a:rPr lang="en-US" dirty="0">
+                <a:latin typeface="Helvetica LT Std" panose="020B0504020202020204" pitchFamily="34" charset="0"/>
+              </a:rPr>
+              <a:t>: this key is kept secret </a:t>
+            </a:r>
+            <a:r>
+              <a:rPr lang="en-US" b="1" u="sng" dirty="0">
+                <a:latin typeface="Helvetica LT Std" panose="020B0504020202020204" pitchFamily="34" charset="0"/>
+              </a:rPr>
+              <a:t>(important)</a:t>
             </a:r>
           </a:p>
           <a:p>
             <a:pPr lvl="1">
-              <a:lnSpc>
-                <a:spcPct val="120000"/>
-              </a:lnSpc>
-              <a:buFont typeface="Wingdings" panose="05000000000000000000" pitchFamily="2" charset="2"/>
-              <a:buChar char="§"/>
-            </a:pPr>
-            <a:r>
-              <a:rPr lang="en-US" dirty="0">
-                <a:latin typeface="Helvetica LT Std" panose="020B0504020202020204" pitchFamily="34" charset="0"/>
-              </a:rPr>
-              <a:t>Ability of sender to prove that they sent a message</a:t>
-            </a:r>
-          </a:p>
-          <a:p>
-            <a:pPr lvl="1">
-              <a:lnSpc>
-                <a:spcPct val="120000"/>
-              </a:lnSpc>
-              <a:buFont typeface="Wingdings" panose="05000000000000000000" pitchFamily="2" charset="2"/>
-              <a:buChar char="§"/>
-            </a:pPr>
-            <a:r>
-              <a:rPr lang="en-US" dirty="0">
-                <a:latin typeface="Helvetica LT Std" panose="020B0504020202020204" pitchFamily="34" charset="0"/>
-              </a:rPr>
-              <a:t>Performed by encrypting message with private key</a:t>
+              <a:spcAft>
+                <a:spcPts val="600"/>
+              </a:spcAft>
+              <a:buFont typeface="Wingdings" panose="05000000000000000000" pitchFamily="2" charset="2"/>
+              <a:buChar char="§"/>
+            </a:pPr>
+            <a:r>
+              <a:rPr lang="en-US" b="1" dirty="0">
+                <a:latin typeface="Helvetica LT Std" panose="020B0504020202020204" pitchFamily="34" charset="0"/>
+              </a:rPr>
+              <a:t>Public</a:t>
+            </a:r>
+            <a:r>
+              <a:rPr lang="en-US" dirty="0">
+                <a:latin typeface="Helvetica LT Std" panose="020B0504020202020204" pitchFamily="34" charset="0"/>
+              </a:rPr>
+              <a:t>: this key must be available to anybody you want to communicate with</a:t>
             </a:r>
           </a:p>
           <a:p>
             <a:pPr>
-              <a:lnSpc>
-                <a:spcPct val="120000"/>
-              </a:lnSpc>
-              <a:buFont typeface="Wingdings" panose="05000000000000000000" pitchFamily="2" charset="2"/>
-              <a:buChar char="§"/>
-            </a:pPr>
-            <a:r>
-              <a:rPr lang="en-US" b="1" dirty="0">
-                <a:latin typeface="Helvetica LT Std" panose="020B0504020202020204" pitchFamily="34" charset="0"/>
-              </a:rPr>
-              <a:t>Authentication:</a:t>
-            </a:r>
-          </a:p>
-          <a:p>
-            <a:pPr lvl="1">
-              <a:lnSpc>
-                <a:spcPct val="120000"/>
-              </a:lnSpc>
-              <a:buFont typeface="Wingdings" panose="05000000000000000000" pitchFamily="2" charset="2"/>
-              <a:buChar char="§"/>
-            </a:pPr>
-            <a:r>
-              <a:rPr lang="en-US" dirty="0">
-                <a:latin typeface="Helvetica LT Std" panose="020B0504020202020204" pitchFamily="34" charset="0"/>
-              </a:rPr>
-              <a:t>Ability of receiver to verify who sent a message</a:t>
-            </a:r>
-          </a:p>
-          <a:p>
-            <a:pPr lvl="1">
-              <a:lnSpc>
-                <a:spcPct val="120000"/>
-              </a:lnSpc>
-              <a:buFont typeface="Wingdings" panose="05000000000000000000" pitchFamily="2" charset="2"/>
-              <a:buChar char="§"/>
-            </a:pPr>
-            <a:r>
-              <a:rPr lang="en-US" dirty="0">
-                <a:latin typeface="Helvetica LT Std" panose="020B0504020202020204" pitchFamily="34" charset="0"/>
-              </a:rPr>
-              <a:t>Performed by decrypting signed message with sender’s public key</a:t>
-            </a:r>
-          </a:p>
-        </p:txBody>
-      </p:sp>
-      <p:pic>
-        <p:nvPicPr>
-          <p:cNvPr id="5" name="Picture 4" descr="A picture containing chart, diagram&#10;&#10;Description automatically generated">
-            <a:extLst>
-              <a:ext uri="{FF2B5EF4-FFF2-40B4-BE49-F238E27FC236}">
-                <a16:creationId xmlns:a16="http://schemas.microsoft.com/office/drawing/2014/main" id="{E773FB6F-4F8D-4BD9-A578-E56BB427289B}"/>
-              </a:ext>
-            </a:extLst>
-          </p:cNvPr>
-          <p:cNvPicPr>
-            <a:picLocks noChangeAspect="1"/>
-          </p:cNvPicPr>
-          <p:nvPr/>
-        </p:nvPicPr>
-        <p:blipFill>
-          <a:blip r:embed="rId2">
-            <a:extLst>
-              <a:ext uri="{28A0092B-C50C-407E-A947-70E740481C1C}">
-                <a14:useLocalDpi xmlns:a14="http://schemas.microsoft.com/office/drawing/2010/main" val="0"/>
-              </a:ext>
-            </a:extLst>
-          </a:blip>
-          <a:stretch>
-            <a:fillRect/>
-          </a:stretch>
-        </p:blipFill>
-        <p:spPr>
-          <a:xfrm>
-            <a:off x="2583382" y="4728537"/>
-            <a:ext cx="7025236" cy="2048838"/>
-          </a:xfrm>
-          <a:prstGeom prst="rect">
-            <a:avLst/>
-          </a:prstGeom>
-        </p:spPr>
-      </p:pic>
+              <a:spcAft>
+                <a:spcPts val="600"/>
+              </a:spcAft>
+              <a:buFont typeface="Wingdings" panose="05000000000000000000" pitchFamily="2" charset="2"/>
+              <a:buChar char="§"/>
+            </a:pPr>
+            <a:r>
+              <a:rPr lang="en-US" dirty="0">
+                <a:latin typeface="Helvetica LT Std" panose="020B0504020202020204" pitchFamily="34" charset="0"/>
+              </a:rPr>
+              <a:t>These keys only work with each other</a:t>
+            </a:r>
+          </a:p>
+          <a:p>
+            <a:pPr>
+              <a:spcAft>
+                <a:spcPts val="600"/>
+              </a:spcAft>
+              <a:buFont typeface="Wingdings" panose="05000000000000000000" pitchFamily="2" charset="2"/>
+              <a:buChar char="§"/>
+            </a:pPr>
+            <a:r>
+              <a:rPr lang="en-US" dirty="0">
+                <a:latin typeface="Helvetica LT Std" panose="020B0504020202020204" pitchFamily="34" charset="0"/>
+              </a:rPr>
+              <a:t>How does it work?</a:t>
+            </a:r>
+          </a:p>
+        </p:txBody>
+      </p:sp>
+      <p:sp>
+        <p:nvSpPr>
+          <p:cNvPr id="5" name="Slide Number Placeholder 4">
+            <a:extLst>
+              <a:ext uri="{FF2B5EF4-FFF2-40B4-BE49-F238E27FC236}">
+                <a16:creationId xmlns:a16="http://schemas.microsoft.com/office/drawing/2014/main" id="{0A676B71-50FD-4C16-94D7-C0D7F61213D0}"/>
+              </a:ext>
+            </a:extLst>
+          </p:cNvPr>
+          <p:cNvSpPr>
+            <a:spLocks noGrp="1"/>
+          </p:cNvSpPr>
+          <p:nvPr>
+            <p:ph type="sldNum" sz="quarter" idx="12"/>
+          </p:nvPr>
+        </p:nvSpPr>
+        <p:spPr/>
+        <p:txBody>
+          <a:bodyPr/>
+          <a:lstStyle/>
+          <a:p>
+            <a:fld id="{44D9B3EF-9489-4381-ACF1-79879AB05C89}" type="slidenum">
+              <a:rPr lang="en-US" smtClean="0"/>
+              <a:t>15</a:t>
+            </a:fld>
+            <a:endParaRPr lang="en-US"/>
+          </a:p>
+        </p:txBody>
+      </p:sp>
     </p:spTree>
     <p:extLst>
       <p:ext uri="{BB962C8B-B14F-4D97-AF65-F5344CB8AC3E}">
-        <p14:creationId xmlns:p14="http://schemas.microsoft.com/office/powerpoint/2010/main" val="2323136924"/>
+        <p14:creationId xmlns:p14="http://schemas.microsoft.com/office/powerpoint/2010/main" val="2644256417"/>
       </p:ext>
     </p:extLst>
   </p:cSld>
@@ -5197,7 +5651,7 @@
           <p:cNvPr id="2" name="Title 1">
             <a:extLst>
               <a:ext uri="{FF2B5EF4-FFF2-40B4-BE49-F238E27FC236}">
-                <a16:creationId xmlns:a16="http://schemas.microsoft.com/office/drawing/2014/main" id="{BF269366-ADB2-4691-9ED4-929FCB284EBB}"/>
+                <a16:creationId xmlns:a16="http://schemas.microsoft.com/office/drawing/2014/main" id="{223B8ECB-5818-49CC-893C-5DEB1233720C}"/>
               </a:ext>
             </a:extLst>
           </p:cNvPr>
@@ -5206,77 +5660,86 @@
           </p:cNvSpPr>
           <p:nvPr>
             <p:ph type="title"/>
+          </p:nvPr>
+        </p:nvSpPr>
+        <p:spPr/>
+        <p:txBody>
+          <a:bodyPr/>
+          <a:lstStyle/>
+          <a:p>
+            <a:r>
+              <a:rPr lang="en-US" dirty="0">
+                <a:latin typeface="Helvetica LT Std Black" panose="020B0904030502020204" pitchFamily="34" charset="0"/>
+              </a:rPr>
+              <a:t>Asymmetric key encryption</a:t>
+            </a:r>
+            <a:endParaRPr lang="en-US" dirty="0"/>
+          </a:p>
+        </p:txBody>
+      </p:sp>
+      <p:sp>
+        <p:nvSpPr>
+          <p:cNvPr id="3" name="Content Placeholder 2">
+            <a:extLst>
+              <a:ext uri="{FF2B5EF4-FFF2-40B4-BE49-F238E27FC236}">
+                <a16:creationId xmlns:a16="http://schemas.microsoft.com/office/drawing/2014/main" id="{9D6B5B0D-E845-4F25-90C0-6E20E785CCA6}"/>
+              </a:ext>
+            </a:extLst>
+          </p:cNvPr>
+          <p:cNvSpPr>
+            <a:spLocks noGrp="1"/>
+          </p:cNvSpPr>
+          <p:nvPr>
+            <p:ph idx="1"/>
           </p:nvPr>
         </p:nvSpPr>
         <p:spPr>
           <a:xfrm>
-            <a:off x="838200" y="149125"/>
-            <a:ext cx="10515600" cy="1325563"/>
+            <a:off x="838200" y="1825625"/>
+            <a:ext cx="10515600" cy="1603375"/>
           </a:xfrm>
         </p:spPr>
         <p:txBody>
           <a:bodyPr/>
           <a:lstStyle/>
           <a:p>
-            <a:r>
-              <a:rPr lang="en-US" dirty="0">
-                <a:latin typeface="Helvetica LT Std Black" panose="020B0904030502020204" pitchFamily="34" charset="0"/>
-              </a:rPr>
-              <a:t>Public key cryptography</a:t>
-            </a:r>
-            <a:endParaRPr lang="en-US" dirty="0"/>
-          </a:p>
-        </p:txBody>
-      </p:sp>
-      <p:sp>
-        <p:nvSpPr>
-          <p:cNvPr id="3" name="Content Placeholder 2">
-            <a:extLst>
-              <a:ext uri="{FF2B5EF4-FFF2-40B4-BE49-F238E27FC236}">
-                <a16:creationId xmlns:a16="http://schemas.microsoft.com/office/drawing/2014/main" id="{810C5B57-792E-4EB1-A312-E0790752EA25}"/>
-              </a:ext>
-            </a:extLst>
-          </p:cNvPr>
-          <p:cNvSpPr>
-            <a:spLocks noGrp="1"/>
-          </p:cNvSpPr>
-          <p:nvPr>
-            <p:ph idx="1"/>
-          </p:nvPr>
-        </p:nvSpPr>
-        <p:spPr>
-          <a:xfrm>
-            <a:off x="838200" y="1474688"/>
-            <a:ext cx="10515600" cy="3253849"/>
-          </a:xfrm>
-        </p:spPr>
-        <p:txBody>
-          <a:bodyPr>
-            <a:normAutofit/>
-          </a:bodyPr>
-          <a:lstStyle/>
-          <a:p>
-            <a:pPr marL="0" indent="0">
-              <a:lnSpc>
-                <a:spcPct val="120000"/>
-              </a:lnSpc>
-              <a:buNone/>
-            </a:pPr>
-            <a:r>
-              <a:rPr lang="en-US" dirty="0">
-                <a:latin typeface="Helvetica LT Std" panose="020B0504020202020204" pitchFamily="34" charset="0"/>
-              </a:rPr>
-              <a:t>In practice, we want to use encryption, signing, and authentication simultaneously</a:t>
+            <a:pPr>
+              <a:spcAft>
+                <a:spcPts val="600"/>
+              </a:spcAft>
+              <a:buFont typeface="Wingdings" panose="05000000000000000000" pitchFamily="2" charset="2"/>
+              <a:buChar char="§"/>
+            </a:pPr>
+            <a:r>
+              <a:rPr lang="en-US" dirty="0">
+                <a:latin typeface="Helvetica LT Std" panose="020B0504020202020204" pitchFamily="34" charset="0"/>
+              </a:rPr>
+              <a:t>Sender uses receiver’s public key to encrypt a message</a:t>
+            </a:r>
+          </a:p>
+          <a:p>
+            <a:pPr>
+              <a:spcAft>
+                <a:spcPts val="600"/>
+              </a:spcAft>
+              <a:buFont typeface="Wingdings" panose="05000000000000000000" pitchFamily="2" charset="2"/>
+              <a:buChar char="§"/>
+            </a:pPr>
+            <a:r>
+              <a:rPr lang="en-US" dirty="0">
+                <a:latin typeface="Helvetica LT Std" panose="020B0504020202020204" pitchFamily="34" charset="0"/>
+              </a:rPr>
+              <a:t>Encrypted message can only be decrypted with receiver’s private key</a:t>
             </a:r>
           </a:p>
         </p:txBody>
       </p:sp>
       <p:pic>
         <p:nvPicPr>
-          <p:cNvPr id="6" name="Picture 5" descr="Diagram&#10;&#10;Description automatically generated">
-            <a:extLst>
-              <a:ext uri="{FF2B5EF4-FFF2-40B4-BE49-F238E27FC236}">
-                <a16:creationId xmlns:a16="http://schemas.microsoft.com/office/drawing/2014/main" id="{C0C3AE49-4DD7-4A21-AAF4-79E4ED414AFC}"/>
+          <p:cNvPr id="7" name="Picture 6" descr="Diagram of asymmetric key encryption.&#10;&#10;">
+            <a:extLst>
+              <a:ext uri="{FF2B5EF4-FFF2-40B4-BE49-F238E27FC236}">
+                <a16:creationId xmlns:a16="http://schemas.microsoft.com/office/drawing/2014/main" id="{B046DAB3-52D4-45FA-BFC4-ADEB9BC0FF8B}"/>
               </a:ext>
             </a:extLst>
           </p:cNvPr>
@@ -5299,18 +5762,47 @@
         </p:blipFill>
         <p:spPr>
           <a:xfrm>
-            <a:off x="285600" y="2877607"/>
-            <a:ext cx="11620800" cy="3234575"/>
+            <a:off x="1392926" y="3489960"/>
+            <a:ext cx="9406147" cy="2746254"/>
           </a:xfrm>
           <a:prstGeom prst="rect">
             <a:avLst/>
           </a:prstGeom>
         </p:spPr>
       </p:pic>
+      <p:sp>
+        <p:nvSpPr>
+          <p:cNvPr id="5" name="Slide Number Placeholder 4">
+            <a:extLst>
+              <a:ext uri="{FF2B5EF4-FFF2-40B4-BE49-F238E27FC236}">
+                <a16:creationId xmlns:a16="http://schemas.microsoft.com/office/drawing/2014/main" id="{6FE9EA76-6FFF-4621-8A24-39692639AB03}"/>
+              </a:ext>
+            </a:extLst>
+          </p:cNvPr>
+          <p:cNvSpPr>
+            <a:spLocks noGrp="1"/>
+          </p:cNvSpPr>
+          <p:nvPr>
+            <p:ph type="sldNum" sz="quarter" idx="12"/>
+          </p:nvPr>
+        </p:nvSpPr>
+        <p:spPr/>
+        <p:txBody>
+          <a:bodyPr/>
+          <a:lstStyle/>
+          <a:p>
+            <a:fld id="{44D9B3EF-9489-4381-ACF1-79879AB05C89}" type="slidenum">
+              <a:rPr lang="en-US" smtClean="0"/>
+              <a:t>16</a:t>
+            </a:fld>
+            <a:endParaRPr lang="en-US"/>
+          </a:p>
+        </p:txBody>
+      </p:sp>
     </p:spTree>
     <p:extLst>
       <p:ext uri="{BB962C8B-B14F-4D97-AF65-F5344CB8AC3E}">
-        <p14:creationId xmlns:p14="http://schemas.microsoft.com/office/powerpoint/2010/main" val="3372484945"/>
+        <p14:creationId xmlns:p14="http://schemas.microsoft.com/office/powerpoint/2010/main" val="343292695"/>
       </p:ext>
     </p:extLst>
   </p:cSld>
@@ -5342,7 +5834,7 @@
           <p:cNvPr id="2" name="Title 1">
             <a:extLst>
               <a:ext uri="{FF2B5EF4-FFF2-40B4-BE49-F238E27FC236}">
-                <a16:creationId xmlns:a16="http://schemas.microsoft.com/office/drawing/2014/main" id="{802EB22F-CA77-4FA9-B7F5-AFC1B52F2D4D}"/>
+                <a16:creationId xmlns:a16="http://schemas.microsoft.com/office/drawing/2014/main" id="{223B8ECB-5818-49CC-893C-5DEB1233720C}"/>
               </a:ext>
             </a:extLst>
           </p:cNvPr>
@@ -5362,7 +5854,7 @@
               <a:rPr lang="en-US" dirty="0">
                 <a:latin typeface="Helvetica LT Std Black" panose="020B0904030502020204" pitchFamily="34" charset="0"/>
               </a:rPr>
-              <a:t>Hands on exercise…</a:t>
+              <a:t>Asymmetric key encryption</a:t>
             </a:r>
             <a:endParaRPr lang="en-US" dirty="0"/>
           </a:p>
@@ -5373,7 +5865,7 @@
           <p:cNvPr id="3" name="Content Placeholder 2">
             <a:extLst>
               <a:ext uri="{FF2B5EF4-FFF2-40B4-BE49-F238E27FC236}">
-                <a16:creationId xmlns:a16="http://schemas.microsoft.com/office/drawing/2014/main" id="{2BB62D39-20E4-40A5-B657-98B88CD1DE34}"/>
+                <a16:creationId xmlns:a16="http://schemas.microsoft.com/office/drawing/2014/main" id="{9D6B5B0D-E845-4F25-90C0-6E20E785CCA6}"/>
               </a:ext>
             </a:extLst>
           </p:cNvPr>
@@ -5386,12 +5878,14 @@
         </p:nvSpPr>
         <p:spPr>
           <a:xfrm>
-            <a:off x="838200" y="1690688"/>
-            <a:ext cx="10515600" cy="4351338"/>
+            <a:off x="838200" y="1825625"/>
+            <a:ext cx="10515600" cy="1603375"/>
           </a:xfrm>
         </p:spPr>
         <p:txBody>
-          <a:bodyPr/>
+          <a:bodyPr>
+            <a:normAutofit fontScale="92500" lnSpcReduction="10000"/>
+          </a:bodyPr>
           <a:lstStyle/>
           <a:p>
             <a:pPr>
@@ -5405,7 +5899,7 @@
               <a:rPr lang="en-US" dirty="0">
                 <a:latin typeface="Helvetica LT Std" panose="020B0504020202020204" pitchFamily="34" charset="0"/>
               </a:rPr>
-              <a:t>Now that you’re experts, let’s get some hands on practice with these concepts.</a:t>
+              <a:t>Revolutionary idea (thanks Diffie and Hellman)</a:t>
             </a:r>
           </a:p>
           <a:p>
@@ -5417,74 +5911,34 @@
               <a:buChar char="§"/>
             </a:pPr>
             <a:r>
-              <a:rPr lang="en-US" dirty="0">
-                <a:latin typeface="Helvetica LT Std" panose="020B0504020202020204" pitchFamily="34" charset="0"/>
-              </a:rPr>
-              <a:t>Go follow this link to get started:</a:t>
-            </a:r>
-          </a:p>
-          <a:p>
-            <a:pPr marL="0" indent="0">
-              <a:buNone/>
-            </a:pPr>
-            <a:r>
-              <a:rPr lang="en-US" dirty="0">
-                <a:latin typeface="Helvetica LT Std" panose="020B0504020202020204" pitchFamily="34" charset="0"/>
-                <a:hlinkClick r:id="rId2"/>
-              </a:rPr>
-              <a:t>https://mybinder.org/v2/gh/sarttiso/digital-security/1766ea208d0226cd4229a42530c024a35b7eeb3d</a:t>
-            </a:r>
-            <a:r>
-              <a:rPr lang="en-US" dirty="0">
-                <a:latin typeface="Helvetica LT Std" panose="020B0504020202020204" pitchFamily="34" charset="0"/>
-              </a:rPr>
-              <a:t> </a:t>
-            </a:r>
-          </a:p>
-          <a:p>
-            <a:pPr>
-              <a:buFont typeface="Wingdings" panose="05000000000000000000" pitchFamily="2" charset="2"/>
-              <a:buChar char="§"/>
-            </a:pPr>
-            <a:r>
-              <a:rPr lang="en-US" dirty="0">
-                <a:latin typeface="Helvetica LT Std" panose="020B0504020202020204" pitchFamily="34" charset="0"/>
-              </a:rPr>
-              <a:t>Once it’s open, click on the </a:t>
-            </a:r>
-            <a:r>
-              <a:rPr lang="en-US" i="1" dirty="0">
-                <a:latin typeface="Helvetica LT Std" panose="020B0504020202020204" pitchFamily="34" charset="0"/>
-              </a:rPr>
-              <a:t>hands-</a:t>
-            </a:r>
-            <a:r>
-              <a:rPr lang="en-US" i="1" dirty="0" err="1">
-                <a:latin typeface="Helvetica LT Std" panose="020B0504020202020204" pitchFamily="34" charset="0"/>
-              </a:rPr>
-              <a:t>on.ipynb</a:t>
-            </a:r>
-            <a:r>
-              <a:rPr lang="en-US" i="1" dirty="0">
-                <a:latin typeface="Helvetica LT Std" panose="020B0504020202020204" pitchFamily="34" charset="0"/>
-              </a:rPr>
-              <a:t> </a:t>
-            </a:r>
-            <a:r>
-              <a:rPr lang="en-US" dirty="0">
-                <a:latin typeface="Helvetica LT Std" panose="020B0504020202020204" pitchFamily="34" charset="0"/>
-              </a:rPr>
-              <a:t>file</a:t>
+              <a:rPr lang="en-US" dirty="0"/>
+              <a:t>Diffie, W., &amp; Hellman, M. (1976). New directions in cryptography. </a:t>
+            </a:r>
+            <a:r>
+              <a:rPr lang="en-US" i="1" dirty="0"/>
+              <a:t>IEEE Transactions on Information Theory</a:t>
+            </a:r>
+            <a:r>
+              <a:rPr lang="en-US" dirty="0"/>
+              <a:t>, </a:t>
+            </a:r>
+            <a:r>
+              <a:rPr lang="en-US" i="1" dirty="0"/>
+              <a:t>22</a:t>
+            </a:r>
+            <a:r>
+              <a:rPr lang="en-US" dirty="0"/>
+              <a:t>(6), 644–654. https://doi.org/10.1109/TIT.1976.1055638</a:t>
             </a:r>
           </a:p>
         </p:txBody>
       </p:sp>
       <p:pic>
         <p:nvPicPr>
-          <p:cNvPr id="4" name="Picture 3">
-            <a:extLst>
-              <a:ext uri="{FF2B5EF4-FFF2-40B4-BE49-F238E27FC236}">
-                <a16:creationId xmlns:a16="http://schemas.microsoft.com/office/drawing/2014/main" id="{5C327A45-91BC-480E-8A7B-606945A6BCE4}"/>
+          <p:cNvPr id="7" name="Picture 6" descr="Diagram of asymmetric key encryption.&#10;&#10;">
+            <a:extLst>
+              <a:ext uri="{FF2B5EF4-FFF2-40B4-BE49-F238E27FC236}">
+                <a16:creationId xmlns:a16="http://schemas.microsoft.com/office/drawing/2014/main" id="{B046DAB3-52D4-45FA-BFC4-ADEB9BC0FF8B}"/>
               </a:ext>
             </a:extLst>
           </p:cNvPr>
@@ -5494,25 +5948,60 @@
           <p:nvPr/>
         </p:nvPicPr>
         <p:blipFill>
-          <a:blip r:embed="rId3"/>
+          <a:blip r:embed="rId2">
+            <a:extLst>
+              <a:ext uri="{28A0092B-C50C-407E-A947-70E740481C1C}">
+                <a14:useLocalDpi xmlns:a14="http://schemas.microsoft.com/office/drawing/2010/main" val="0"/>
+              </a:ext>
+            </a:extLst>
+          </a:blip>
           <a:stretch>
             <a:fillRect/>
           </a:stretch>
         </p:blipFill>
         <p:spPr>
           <a:xfrm>
-            <a:off x="1727912" y="4760146"/>
-            <a:ext cx="8736176" cy="1997054"/>
+            <a:off x="1392926" y="3746621"/>
+            <a:ext cx="9406147" cy="2746254"/>
           </a:xfrm>
           <a:prstGeom prst="rect">
             <a:avLst/>
           </a:prstGeom>
         </p:spPr>
       </p:pic>
+      <p:sp>
+        <p:nvSpPr>
+          <p:cNvPr id="5" name="Slide Number Placeholder 4">
+            <a:extLst>
+              <a:ext uri="{FF2B5EF4-FFF2-40B4-BE49-F238E27FC236}">
+                <a16:creationId xmlns:a16="http://schemas.microsoft.com/office/drawing/2014/main" id="{49549F7D-F02F-44F1-9E23-BBB5CAD2CBD8}"/>
+              </a:ext>
+            </a:extLst>
+          </p:cNvPr>
+          <p:cNvSpPr>
+            <a:spLocks noGrp="1"/>
+          </p:cNvSpPr>
+          <p:nvPr>
+            <p:ph type="sldNum" sz="quarter" idx="12"/>
+          </p:nvPr>
+        </p:nvSpPr>
+        <p:spPr/>
+        <p:txBody>
+          <a:bodyPr/>
+          <a:lstStyle/>
+          <a:p>
+            <a:fld id="{44D9B3EF-9489-4381-ACF1-79879AB05C89}" type="slidenum">
+              <a:rPr lang="en-US" smtClean="0"/>
+              <a:t>17</a:t>
+            </a:fld>
+            <a:endParaRPr lang="en-US"/>
+          </a:p>
+        </p:txBody>
+      </p:sp>
     </p:spTree>
     <p:extLst>
       <p:ext uri="{BB962C8B-B14F-4D97-AF65-F5344CB8AC3E}">
-        <p14:creationId xmlns:p14="http://schemas.microsoft.com/office/powerpoint/2010/main" val="1558373387"/>
+        <p14:creationId xmlns:p14="http://schemas.microsoft.com/office/powerpoint/2010/main" val="3440436297"/>
       </p:ext>
     </p:extLst>
   </p:cSld>
@@ -5544,7 +6033,7 @@
           <p:cNvPr id="2" name="Title 1">
             <a:extLst>
               <a:ext uri="{FF2B5EF4-FFF2-40B4-BE49-F238E27FC236}">
-                <a16:creationId xmlns:a16="http://schemas.microsoft.com/office/drawing/2014/main" id="{33920766-6066-4170-8F61-D74459A5A508}"/>
+                <a16:creationId xmlns:a16="http://schemas.microsoft.com/office/drawing/2014/main" id="{BF269366-ADB2-4691-9ED4-929FCB284EBB}"/>
               </a:ext>
             </a:extLst>
           </p:cNvPr>
@@ -5555,7 +6044,12 @@
             <p:ph type="title"/>
           </p:nvPr>
         </p:nvSpPr>
-        <p:spPr/>
+        <p:spPr>
+          <a:xfrm>
+            <a:off x="838200" y="149125"/>
+            <a:ext cx="10515600" cy="1325563"/>
+          </a:xfrm>
+        </p:spPr>
         <p:txBody>
           <a:bodyPr/>
           <a:lstStyle/>
@@ -5564,7 +6058,7 @@
               <a:rPr lang="en-US" dirty="0">
                 <a:latin typeface="Helvetica LT Std Black" panose="020B0904030502020204" pitchFamily="34" charset="0"/>
               </a:rPr>
-              <a:t>Slack vs Signal</a:t>
+              <a:t>Signing and authentication</a:t>
             </a:r>
             <a:endParaRPr lang="en-US" dirty="0"/>
           </a:p>
@@ -5575,7 +6069,7 @@
           <p:cNvPr id="3" name="Content Placeholder 2">
             <a:extLst>
               <a:ext uri="{FF2B5EF4-FFF2-40B4-BE49-F238E27FC236}">
-                <a16:creationId xmlns:a16="http://schemas.microsoft.com/office/drawing/2014/main" id="{88EC98CB-3836-405B-97A1-2F3F3A00BFC1}"/>
+                <a16:creationId xmlns:a16="http://schemas.microsoft.com/office/drawing/2014/main" id="{810C5B57-792E-4EB1-A312-E0790752EA25}"/>
               </a:ext>
             </a:extLst>
           </p:cNvPr>
@@ -5584,6 +6078,182 @@
           </p:cNvSpPr>
           <p:nvPr>
             <p:ph idx="1"/>
+          </p:nvPr>
+        </p:nvSpPr>
+        <p:spPr>
+          <a:xfrm>
+            <a:off x="838200" y="1474688"/>
+            <a:ext cx="10515600" cy="3253849"/>
+          </a:xfrm>
+        </p:spPr>
+        <p:txBody>
+          <a:bodyPr>
+            <a:normAutofit fontScale="77500" lnSpcReduction="20000"/>
+          </a:bodyPr>
+          <a:lstStyle/>
+          <a:p>
+            <a:pPr>
+              <a:lnSpc>
+                <a:spcPct val="120000"/>
+              </a:lnSpc>
+              <a:buFont typeface="Wingdings" panose="05000000000000000000" pitchFamily="2" charset="2"/>
+              <a:buChar char="§"/>
+            </a:pPr>
+            <a:r>
+              <a:rPr lang="en-US" dirty="0">
+                <a:latin typeface="Helvetica LT Std" panose="020B0504020202020204" pitchFamily="34" charset="0"/>
+              </a:rPr>
+              <a:t>Asymmetric key (aka public key) cryptography permits many other forms of digital security in addition to confidentiality</a:t>
+            </a:r>
+          </a:p>
+          <a:p>
+            <a:pPr>
+              <a:lnSpc>
+                <a:spcPct val="120000"/>
+              </a:lnSpc>
+              <a:buFont typeface="Wingdings" panose="05000000000000000000" pitchFamily="2" charset="2"/>
+              <a:buChar char="§"/>
+            </a:pPr>
+            <a:r>
+              <a:rPr lang="en-US" b="1" dirty="0">
+                <a:latin typeface="Helvetica LT Std" panose="020B0504020202020204" pitchFamily="34" charset="0"/>
+              </a:rPr>
+              <a:t>Signing</a:t>
+            </a:r>
+            <a:r>
+              <a:rPr lang="en-US" dirty="0">
+                <a:latin typeface="Helvetica LT Std" panose="020B0504020202020204" pitchFamily="34" charset="0"/>
+              </a:rPr>
+              <a:t>:</a:t>
+            </a:r>
+          </a:p>
+          <a:p>
+            <a:pPr lvl="1">
+              <a:lnSpc>
+                <a:spcPct val="120000"/>
+              </a:lnSpc>
+              <a:buFont typeface="Wingdings" panose="05000000000000000000" pitchFamily="2" charset="2"/>
+              <a:buChar char="§"/>
+            </a:pPr>
+            <a:r>
+              <a:rPr lang="en-US" dirty="0">
+                <a:latin typeface="Helvetica LT Std" panose="020B0504020202020204" pitchFamily="34" charset="0"/>
+              </a:rPr>
+              <a:t>Ability of sender to prove that they sent a message</a:t>
+            </a:r>
+          </a:p>
+          <a:p>
+            <a:pPr lvl="1">
+              <a:lnSpc>
+                <a:spcPct val="120000"/>
+              </a:lnSpc>
+              <a:buFont typeface="Wingdings" panose="05000000000000000000" pitchFamily="2" charset="2"/>
+              <a:buChar char="§"/>
+            </a:pPr>
+            <a:r>
+              <a:rPr lang="en-US" dirty="0">
+                <a:latin typeface="Helvetica LT Std" panose="020B0504020202020204" pitchFamily="34" charset="0"/>
+              </a:rPr>
+              <a:t>Performed by encrypting message with private key</a:t>
+            </a:r>
+          </a:p>
+          <a:p>
+            <a:pPr>
+              <a:lnSpc>
+                <a:spcPct val="120000"/>
+              </a:lnSpc>
+              <a:buFont typeface="Wingdings" panose="05000000000000000000" pitchFamily="2" charset="2"/>
+              <a:buChar char="§"/>
+            </a:pPr>
+            <a:r>
+              <a:rPr lang="en-US" b="1" dirty="0">
+                <a:latin typeface="Helvetica LT Std" panose="020B0504020202020204" pitchFamily="34" charset="0"/>
+              </a:rPr>
+              <a:t>Authentication:</a:t>
+            </a:r>
+          </a:p>
+          <a:p>
+            <a:pPr lvl="1">
+              <a:lnSpc>
+                <a:spcPct val="120000"/>
+              </a:lnSpc>
+              <a:buFont typeface="Wingdings" panose="05000000000000000000" pitchFamily="2" charset="2"/>
+              <a:buChar char="§"/>
+            </a:pPr>
+            <a:r>
+              <a:rPr lang="en-US" dirty="0">
+                <a:latin typeface="Helvetica LT Std" panose="020B0504020202020204" pitchFamily="34" charset="0"/>
+              </a:rPr>
+              <a:t>Ability of receiver to verify who sent a message</a:t>
+            </a:r>
+          </a:p>
+          <a:p>
+            <a:pPr lvl="1">
+              <a:lnSpc>
+                <a:spcPct val="120000"/>
+              </a:lnSpc>
+              <a:buFont typeface="Wingdings" panose="05000000000000000000" pitchFamily="2" charset="2"/>
+              <a:buChar char="§"/>
+            </a:pPr>
+            <a:r>
+              <a:rPr lang="en-US" dirty="0">
+                <a:latin typeface="Helvetica LT Std" panose="020B0504020202020204" pitchFamily="34" charset="0"/>
+              </a:rPr>
+              <a:t>Performed by decrypting signed message with sender’s public key</a:t>
+            </a:r>
+          </a:p>
+        </p:txBody>
+      </p:sp>
+      <p:pic>
+        <p:nvPicPr>
+          <p:cNvPr id="5" name="Picture 4" descr="A picture containing chart, diagram&#10;&#10;Description automatically generated">
+            <a:extLst>
+              <a:ext uri="{FF2B5EF4-FFF2-40B4-BE49-F238E27FC236}">
+                <a16:creationId xmlns:a16="http://schemas.microsoft.com/office/drawing/2014/main" id="{E773FB6F-4F8D-4BD9-A578-E56BB427289B}"/>
+              </a:ext>
+            </a:extLst>
+          </p:cNvPr>
+          <p:cNvPicPr>
+            <a:picLocks noChangeAspect="1"/>
+          </p:cNvPicPr>
+          <p:nvPr/>
+        </p:nvPicPr>
+        <p:blipFill>
+          <a:blip r:embed="rId3">
+            <a:extLst>
+              <a:ext uri="{28A0092B-C50C-407E-A947-70E740481C1C}">
+                <a14:useLocalDpi xmlns:a14="http://schemas.microsoft.com/office/drawing/2010/main" val="0"/>
+              </a:ext>
+            </a:extLst>
+          </a:blip>
+          <a:stretch>
+            <a:fillRect/>
+          </a:stretch>
+        </p:blipFill>
+        <p:spPr>
+          <a:xfrm>
+            <a:off x="2583382" y="4728537"/>
+            <a:ext cx="7025236" cy="2048838"/>
+          </a:xfrm>
+          <a:prstGeom prst="rect">
+            <a:avLst/>
+          </a:prstGeom>
+        </p:spPr>
+      </p:pic>
+      <p:sp>
+        <p:nvSpPr>
+          <p:cNvPr id="6" name="Slide Number Placeholder 5">
+            <a:extLst>
+              <a:ext uri="{FF2B5EF4-FFF2-40B4-BE49-F238E27FC236}">
+                <a16:creationId xmlns:a16="http://schemas.microsoft.com/office/drawing/2014/main" id="{DD94577F-8E30-4D62-90BB-3912E8DCFF84}"/>
+              </a:ext>
+            </a:extLst>
+          </p:cNvPr>
+          <p:cNvSpPr>
+            <a:spLocks noGrp="1"/>
+          </p:cNvSpPr>
+          <p:nvPr>
+            <p:ph type="sldNum" sz="quarter" idx="12"/>
           </p:nvPr>
         </p:nvSpPr>
         <p:spPr/>
@@ -5591,6 +6261,10 @@
           <a:bodyPr/>
           <a:lstStyle/>
           <a:p>
+            <a:fld id="{44D9B3EF-9489-4381-ACF1-79879AB05C89}" type="slidenum">
+              <a:rPr lang="en-US" smtClean="0"/>
+              <a:t>18</a:t>
+            </a:fld>
             <a:endParaRPr lang="en-US"/>
           </a:p>
         </p:txBody>
@@ -5598,7 +6272,7 @@
     </p:spTree>
     <p:extLst>
       <p:ext uri="{BB962C8B-B14F-4D97-AF65-F5344CB8AC3E}">
-        <p14:creationId xmlns:p14="http://schemas.microsoft.com/office/powerpoint/2010/main" val="76293080"/>
+        <p14:creationId xmlns:p14="http://schemas.microsoft.com/office/powerpoint/2010/main" val="2323136924"/>
       </p:ext>
     </p:extLst>
   </p:cSld>
@@ -5630,7 +6304,7 @@
           <p:cNvPr id="2" name="Title 1">
             <a:extLst>
               <a:ext uri="{FF2B5EF4-FFF2-40B4-BE49-F238E27FC236}">
-                <a16:creationId xmlns:a16="http://schemas.microsoft.com/office/drawing/2014/main" id="{5A1AC61A-284E-4F29-952D-B8F54858EA1C}"/>
+                <a16:creationId xmlns:a16="http://schemas.microsoft.com/office/drawing/2014/main" id="{BF269366-ADB2-4691-9ED4-929FCB284EBB}"/>
               </a:ext>
             </a:extLst>
           </p:cNvPr>
@@ -5641,7 +6315,12 @@
             <p:ph type="title"/>
           </p:nvPr>
         </p:nvSpPr>
-        <p:spPr/>
+        <p:spPr>
+          <a:xfrm>
+            <a:off x="838200" y="149125"/>
+            <a:ext cx="10515600" cy="1325563"/>
+          </a:xfrm>
+        </p:spPr>
         <p:txBody>
           <a:bodyPr/>
           <a:lstStyle/>
@@ -5650,7 +6329,7 @@
               <a:rPr lang="en-US" dirty="0">
                 <a:latin typeface="Helvetica LT Std Black" panose="020B0904030502020204" pitchFamily="34" charset="0"/>
               </a:rPr>
-              <a:t>Security vs Privacy</a:t>
+              <a:t>Public key cryptography</a:t>
             </a:r>
             <a:endParaRPr lang="en-US" dirty="0"/>
           </a:p>
@@ -5661,7 +6340,7 @@
           <p:cNvPr id="3" name="Content Placeholder 2">
             <a:extLst>
               <a:ext uri="{FF2B5EF4-FFF2-40B4-BE49-F238E27FC236}">
-                <a16:creationId xmlns:a16="http://schemas.microsoft.com/office/drawing/2014/main" id="{2E55F2AA-A964-4B35-9A49-9B74961FF9F5}"/>
+                <a16:creationId xmlns:a16="http://schemas.microsoft.com/office/drawing/2014/main" id="{810C5B57-792E-4EB1-A312-E0790752EA25}"/>
               </a:ext>
             </a:extLst>
           </p:cNvPr>
@@ -5670,6 +6349,85 @@
           </p:cNvSpPr>
           <p:nvPr>
             <p:ph idx="1"/>
+          </p:nvPr>
+        </p:nvSpPr>
+        <p:spPr>
+          <a:xfrm>
+            <a:off x="838200" y="1474688"/>
+            <a:ext cx="10515600" cy="3253849"/>
+          </a:xfrm>
+        </p:spPr>
+        <p:txBody>
+          <a:bodyPr>
+            <a:normAutofit/>
+          </a:bodyPr>
+          <a:lstStyle/>
+          <a:p>
+            <a:pPr marL="0" indent="0">
+              <a:lnSpc>
+                <a:spcPct val="120000"/>
+              </a:lnSpc>
+              <a:buNone/>
+            </a:pPr>
+            <a:r>
+              <a:rPr lang="en-US" dirty="0">
+                <a:latin typeface="Helvetica LT Std" panose="020B0504020202020204" pitchFamily="34" charset="0"/>
+              </a:rPr>
+              <a:t>In practice, we want to use encryption, signing, and authentication simultaneously</a:t>
+            </a:r>
+          </a:p>
+        </p:txBody>
+      </p:sp>
+      <p:pic>
+        <p:nvPicPr>
+          <p:cNvPr id="6" name="Picture 5" descr="Diagram&#10;&#10;Description automatically generated">
+            <a:extLst>
+              <a:ext uri="{FF2B5EF4-FFF2-40B4-BE49-F238E27FC236}">
+                <a16:creationId xmlns:a16="http://schemas.microsoft.com/office/drawing/2014/main" id="{C0C3AE49-4DD7-4A21-AAF4-79E4ED414AFC}"/>
+              </a:ext>
+            </a:extLst>
+          </p:cNvPr>
+          <p:cNvPicPr>
+            <a:picLocks noChangeAspect="1"/>
+          </p:cNvPicPr>
+          <p:nvPr/>
+        </p:nvPicPr>
+        <p:blipFill>
+          <a:blip r:embed="rId2">
+            <a:extLst>
+              <a:ext uri="{28A0092B-C50C-407E-A947-70E740481C1C}">
+                <a14:useLocalDpi xmlns:a14="http://schemas.microsoft.com/office/drawing/2010/main" val="0"/>
+              </a:ext>
+            </a:extLst>
+          </a:blip>
+          <a:stretch>
+            <a:fillRect/>
+          </a:stretch>
+        </p:blipFill>
+        <p:spPr>
+          <a:xfrm>
+            <a:off x="285600" y="2877607"/>
+            <a:ext cx="11620800" cy="3234575"/>
+          </a:xfrm>
+          <a:prstGeom prst="rect">
+            <a:avLst/>
+          </a:prstGeom>
+        </p:spPr>
+      </p:pic>
+      <p:sp>
+        <p:nvSpPr>
+          <p:cNvPr id="5" name="Slide Number Placeholder 4">
+            <a:extLst>
+              <a:ext uri="{FF2B5EF4-FFF2-40B4-BE49-F238E27FC236}">
+                <a16:creationId xmlns:a16="http://schemas.microsoft.com/office/drawing/2014/main" id="{6BA91A06-8143-4732-969A-6FFE2775235E}"/>
+              </a:ext>
+            </a:extLst>
+          </p:cNvPr>
+          <p:cNvSpPr>
+            <a:spLocks noGrp="1"/>
+          </p:cNvSpPr>
+          <p:nvPr>
+            <p:ph type="sldNum" sz="quarter" idx="12"/>
           </p:nvPr>
         </p:nvSpPr>
         <p:spPr/>
@@ -5677,6 +6435,10 @@
           <a:bodyPr/>
           <a:lstStyle/>
           <a:p>
+            <a:fld id="{44D9B3EF-9489-4381-ACF1-79879AB05C89}" type="slidenum">
+              <a:rPr lang="en-US" smtClean="0"/>
+              <a:t>19</a:t>
+            </a:fld>
             <a:endParaRPr lang="en-US"/>
           </a:p>
         </p:txBody>
@@ -5684,7 +6446,7 @@
     </p:spTree>
     <p:extLst>
       <p:ext uri="{BB962C8B-B14F-4D97-AF65-F5344CB8AC3E}">
-        <p14:creationId xmlns:p14="http://schemas.microsoft.com/office/powerpoint/2010/main" val="3082418664"/>
+        <p14:creationId xmlns:p14="http://schemas.microsoft.com/office/powerpoint/2010/main" val="3372484945"/>
       </p:ext>
     </p:extLst>
   </p:cSld>
@@ -5776,82 +6538,7 @@
               <a:rPr lang="en-US" dirty="0">
                 <a:latin typeface="Helvetica LT Std" panose="020B0504020202020204" pitchFamily="34" charset="0"/>
               </a:rPr>
-              <a:t>Cryptography:</a:t>
-            </a:r>
-          </a:p>
-          <a:p>
-            <a:pPr lvl="1">
-              <a:spcAft>
-                <a:spcPts val="600"/>
-              </a:spcAft>
-              <a:buFont typeface="Wingdings" panose="05000000000000000000" pitchFamily="2" charset="2"/>
-              <a:buChar char="§"/>
-            </a:pPr>
-            <a:r>
-              <a:rPr lang="en-US" dirty="0">
-                <a:latin typeface="Helvetica LT Std" panose="020B0504020202020204" pitchFamily="34" charset="0"/>
-              </a:rPr>
-              <a:t>Overview</a:t>
-            </a:r>
-          </a:p>
-          <a:p>
-            <a:pPr lvl="1">
-              <a:spcAft>
-                <a:spcPts val="600"/>
-              </a:spcAft>
-              <a:buFont typeface="Wingdings" panose="05000000000000000000" pitchFamily="2" charset="2"/>
-              <a:buChar char="§"/>
-            </a:pPr>
-            <a:r>
-              <a:rPr lang="en-US" dirty="0">
-                <a:latin typeface="Helvetica LT Std" panose="020B0504020202020204" pitchFamily="34" charset="0"/>
-              </a:rPr>
-              <a:t>Symmetric key encryption</a:t>
-            </a:r>
-          </a:p>
-          <a:p>
-            <a:pPr lvl="1">
-              <a:spcAft>
-                <a:spcPts val="600"/>
-              </a:spcAft>
-              <a:buFont typeface="Wingdings" panose="05000000000000000000" pitchFamily="2" charset="2"/>
-              <a:buChar char="§"/>
-            </a:pPr>
-            <a:r>
-              <a:rPr lang="en-US" dirty="0">
-                <a:latin typeface="Helvetica LT Std" panose="020B0504020202020204" pitchFamily="34" charset="0"/>
-              </a:rPr>
-              <a:t>Asymmetric key encryption</a:t>
-            </a:r>
-          </a:p>
-          <a:p>
-            <a:pPr lvl="1">
-              <a:spcAft>
-                <a:spcPts val="600"/>
-              </a:spcAft>
-              <a:buFont typeface="Wingdings" panose="05000000000000000000" pitchFamily="2" charset="2"/>
-              <a:buChar char="§"/>
-            </a:pPr>
-            <a:r>
-              <a:rPr lang="en-US" dirty="0">
-                <a:latin typeface="Helvetica LT Std" panose="020B0504020202020204" pitchFamily="34" charset="0"/>
-              </a:rPr>
-              <a:t>Signing and Authentication</a:t>
-            </a:r>
-          </a:p>
-          <a:p>
-            <a:pPr lvl="1">
-              <a:spcAft>
-                <a:spcPts val="600"/>
-              </a:spcAft>
-              <a:buFont typeface="Wingdings" panose="05000000000000000000" pitchFamily="2" charset="2"/>
-              <a:buChar char="§"/>
-            </a:pPr>
-            <a:r>
-              <a:rPr lang="en-US" dirty="0">
-                <a:latin typeface="Helvetica LT Std" panose="020B0504020202020204" pitchFamily="34" charset="0"/>
-              </a:rPr>
-              <a:t>Hands on exercise</a:t>
+              <a:t>Security vs privacy</a:t>
             </a:r>
           </a:p>
           <a:p>
@@ -5866,7 +6553,7 @@
               <a:rPr lang="en-US" dirty="0">
                 <a:latin typeface="Helvetica LT Std" panose="020B0504020202020204" pitchFamily="34" charset="0"/>
               </a:rPr>
-              <a:t>In practice</a:t>
+              <a:t>Cryptography:</a:t>
             </a:r>
           </a:p>
           <a:p>
@@ -5881,7 +6568,67 @@
               <a:rPr lang="en-US" dirty="0">
                 <a:latin typeface="Helvetica LT Std" panose="020B0504020202020204" pitchFamily="34" charset="0"/>
               </a:rPr>
-              <a:t>Slack vs Signal</a:t>
+              <a:t>Overview</a:t>
+            </a:r>
+          </a:p>
+          <a:p>
+            <a:pPr lvl="1">
+              <a:spcAft>
+                <a:spcPts val="600"/>
+              </a:spcAft>
+              <a:buFont typeface="Wingdings" panose="05000000000000000000" pitchFamily="2" charset="2"/>
+              <a:buChar char="§"/>
+            </a:pPr>
+            <a:r>
+              <a:rPr lang="en-US" dirty="0">
+                <a:latin typeface="Helvetica LT Std" panose="020B0504020202020204" pitchFamily="34" charset="0"/>
+              </a:rPr>
+              <a:t>Symmetric key encryption</a:t>
+            </a:r>
+          </a:p>
+          <a:p>
+            <a:pPr lvl="1">
+              <a:spcAft>
+                <a:spcPts val="600"/>
+              </a:spcAft>
+              <a:buFont typeface="Wingdings" panose="05000000000000000000" pitchFamily="2" charset="2"/>
+              <a:buChar char="§"/>
+            </a:pPr>
+            <a:r>
+              <a:rPr lang="en-US" dirty="0">
+                <a:latin typeface="Helvetica LT Std" panose="020B0504020202020204" pitchFamily="34" charset="0"/>
+              </a:rPr>
+              <a:t>Asymmetric key encryption</a:t>
+            </a:r>
+          </a:p>
+          <a:p>
+            <a:pPr lvl="1">
+              <a:spcAft>
+                <a:spcPts val="600"/>
+              </a:spcAft>
+              <a:buFont typeface="Wingdings" panose="05000000000000000000" pitchFamily="2" charset="2"/>
+              <a:buChar char="§"/>
+            </a:pPr>
+            <a:r>
+              <a:rPr lang="en-US" dirty="0">
+                <a:latin typeface="Helvetica LT Std" panose="020B0504020202020204" pitchFamily="34" charset="0"/>
+              </a:rPr>
+              <a:t>Signing and authentication</a:t>
+            </a:r>
+          </a:p>
+          <a:p>
+            <a:pPr lvl="1">
+              <a:spcAft>
+                <a:spcPts val="600"/>
+              </a:spcAft>
+              <a:buFont typeface="Wingdings" panose="05000000000000000000" pitchFamily="2" charset="2"/>
+              <a:buChar char="§"/>
+            </a:pPr>
+            <a:r>
+              <a:rPr lang="en-US" dirty="0">
+                <a:latin typeface="Helvetica LT Std" panose="020B0504020202020204" pitchFamily="34" charset="0"/>
+              </a:rPr>
+              <a:t>Hands on tutorial</a:t>
             </a:r>
           </a:p>
           <a:p>
@@ -5896,14 +6643,52 @@
               <a:rPr lang="en-US" dirty="0">
                 <a:latin typeface="Helvetica LT Std" panose="020B0504020202020204" pitchFamily="34" charset="0"/>
               </a:rPr>
-              <a:t>Security vs privacy</a:t>
-            </a:r>
-          </a:p>
-          <a:p>
-            <a:pPr lvl="1"/>
-            <a:endParaRPr lang="en-US" dirty="0">
-              <a:latin typeface="Helvetica LT Std" panose="020B0504020202020204" pitchFamily="34" charset="0"/>
-            </a:endParaRPr>
+              <a:t>In practice</a:t>
+            </a:r>
+          </a:p>
+          <a:p>
+            <a:pPr lvl="1">
+              <a:spcAft>
+                <a:spcPts val="600"/>
+              </a:spcAft>
+              <a:buFont typeface="Wingdings" panose="05000000000000000000" pitchFamily="2" charset="2"/>
+              <a:buChar char="§"/>
+            </a:pPr>
+            <a:r>
+              <a:rPr lang="en-US" dirty="0">
+                <a:latin typeface="Helvetica LT Std" panose="020B0504020202020204" pitchFamily="34" charset="0"/>
+              </a:rPr>
+              <a:t>Slack (and others) vs Signal</a:t>
+            </a:r>
+          </a:p>
+        </p:txBody>
+      </p:sp>
+      <p:sp>
+        <p:nvSpPr>
+          <p:cNvPr id="5" name="Slide Number Placeholder 4">
+            <a:extLst>
+              <a:ext uri="{FF2B5EF4-FFF2-40B4-BE49-F238E27FC236}">
+                <a16:creationId xmlns:a16="http://schemas.microsoft.com/office/drawing/2014/main" id="{76919153-55B6-465C-96E0-AD0145C85424}"/>
+              </a:ext>
+            </a:extLst>
+          </p:cNvPr>
+          <p:cNvSpPr>
+            <a:spLocks noGrp="1"/>
+          </p:cNvSpPr>
+          <p:nvPr>
+            <p:ph type="sldNum" sz="quarter" idx="12"/>
+          </p:nvPr>
+        </p:nvSpPr>
+        <p:spPr/>
+        <p:txBody>
+          <a:bodyPr/>
+          <a:lstStyle/>
+          <a:p>
+            <a:fld id="{44D9B3EF-9489-4381-ACF1-79879AB05C89}" type="slidenum">
+              <a:rPr lang="en-US" smtClean="0"/>
+              <a:t>2</a:t>
+            </a:fld>
+            <a:endParaRPr lang="en-US" dirty="0"/>
           </a:p>
         </p:txBody>
       </p:sp>
@@ -5911,6 +6696,2635 @@
     <p:extLst>
       <p:ext uri="{BB962C8B-B14F-4D97-AF65-F5344CB8AC3E}">
         <p14:creationId xmlns:p14="http://schemas.microsoft.com/office/powerpoint/2010/main" val="3079115830"/>
+      </p:ext>
+    </p:extLst>
+  </p:cSld>
+  <p:clrMapOvr>
+    <a:masterClrMapping/>
+  </p:clrMapOvr>
+</p:sld>
+</file>
+
+<file path=ppt/slides/slide20.xml><?xml version="1.0" encoding="utf-8"?>
+<p:sld xmlns:a="http://schemas.openxmlformats.org/drawingml/2006/main" xmlns:r="http://schemas.openxmlformats.org/officeDocument/2006/relationships" xmlns:p="http://schemas.openxmlformats.org/presentationml/2006/main">
+  <p:cSld>
+    <p:spTree>
+      <p:nvGrpSpPr>
+        <p:cNvPr id="1" name=""/>
+        <p:cNvGrpSpPr/>
+        <p:nvPr/>
+      </p:nvGrpSpPr>
+      <p:grpSpPr>
+        <a:xfrm>
+          <a:off x="0" y="0"/>
+          <a:ext cx="0" cy="0"/>
+          <a:chOff x="0" y="0"/>
+          <a:chExt cx="0" cy="0"/>
+        </a:xfrm>
+      </p:grpSpPr>
+      <p:sp>
+        <p:nvSpPr>
+          <p:cNvPr id="2" name="Title 1">
+            <a:extLst>
+              <a:ext uri="{FF2B5EF4-FFF2-40B4-BE49-F238E27FC236}">
+                <a16:creationId xmlns:a16="http://schemas.microsoft.com/office/drawing/2014/main" id="{802EB22F-CA77-4FA9-B7F5-AFC1B52F2D4D}"/>
+              </a:ext>
+            </a:extLst>
+          </p:cNvPr>
+          <p:cNvSpPr>
+            <a:spLocks noGrp="1"/>
+          </p:cNvSpPr>
+          <p:nvPr>
+            <p:ph type="title"/>
+          </p:nvPr>
+        </p:nvSpPr>
+        <p:spPr/>
+        <p:txBody>
+          <a:bodyPr/>
+          <a:lstStyle/>
+          <a:p>
+            <a:r>
+              <a:rPr lang="en-US" dirty="0">
+                <a:latin typeface="Helvetica LT Std Black" panose="020B0904030502020204" pitchFamily="34" charset="0"/>
+              </a:rPr>
+              <a:t>Hands on exercise…</a:t>
+            </a:r>
+            <a:endParaRPr lang="en-US" dirty="0"/>
+          </a:p>
+        </p:txBody>
+      </p:sp>
+      <p:sp>
+        <p:nvSpPr>
+          <p:cNvPr id="3" name="Content Placeholder 2">
+            <a:extLst>
+              <a:ext uri="{FF2B5EF4-FFF2-40B4-BE49-F238E27FC236}">
+                <a16:creationId xmlns:a16="http://schemas.microsoft.com/office/drawing/2014/main" id="{2BB62D39-20E4-40A5-B657-98B88CD1DE34}"/>
+              </a:ext>
+            </a:extLst>
+          </p:cNvPr>
+          <p:cNvSpPr>
+            <a:spLocks noGrp="1"/>
+          </p:cNvSpPr>
+          <p:nvPr>
+            <p:ph idx="1"/>
+          </p:nvPr>
+        </p:nvSpPr>
+        <p:spPr>
+          <a:xfrm>
+            <a:off x="838200" y="1690688"/>
+            <a:ext cx="5800200" cy="4351338"/>
+          </a:xfrm>
+        </p:spPr>
+        <p:txBody>
+          <a:bodyPr>
+            <a:normAutofit fontScale="92500"/>
+          </a:bodyPr>
+          <a:lstStyle/>
+          <a:p>
+            <a:pPr>
+              <a:spcAft>
+                <a:spcPts val="600"/>
+              </a:spcAft>
+              <a:buFont typeface="Wingdings" panose="05000000000000000000" pitchFamily="2" charset="2"/>
+              <a:buChar char="§"/>
+            </a:pPr>
+            <a:r>
+              <a:rPr lang="en-US" dirty="0">
+                <a:latin typeface="Helvetica LT Std" panose="020B0504020202020204" pitchFamily="34" charset="0"/>
+              </a:rPr>
+              <a:t>Now that you’re experts, let’s get some hands on practice with these concepts.</a:t>
+            </a:r>
+          </a:p>
+          <a:p>
+            <a:pPr>
+              <a:spcAft>
+                <a:spcPts val="600"/>
+              </a:spcAft>
+              <a:buFont typeface="Wingdings" panose="05000000000000000000" pitchFamily="2" charset="2"/>
+              <a:buChar char="§"/>
+            </a:pPr>
+            <a:r>
+              <a:rPr lang="en-US" dirty="0">
+                <a:latin typeface="Helvetica LT Std" panose="020B0504020202020204" pitchFamily="34" charset="0"/>
+              </a:rPr>
+              <a:t>Go follow this link to get started:</a:t>
+            </a:r>
+          </a:p>
+          <a:p>
+            <a:pPr marL="0" indent="0">
+              <a:buNone/>
+            </a:pPr>
+            <a:r>
+              <a:rPr lang="en-US" dirty="0">
+                <a:latin typeface="Helvetica LT Std" panose="020B0504020202020204" pitchFamily="34" charset="0"/>
+                <a:hlinkClick r:id="rId2"/>
+              </a:rPr>
+              <a:t>https://mybinder.org/v2/gh/sarttiso/digital-security/1766ea208d0226cd4229a42530c024a35b7eeb3d</a:t>
+            </a:r>
+            <a:r>
+              <a:rPr lang="en-US" altLang="en-US" dirty="0">
+                <a:latin typeface="Arial Unicode MS"/>
+              </a:rPr>
+              <a:t>?urlpath=lab</a:t>
+            </a:r>
+            <a:r>
+              <a:rPr lang="en-US" altLang="en-US" sz="800" dirty="0"/>
+              <a:t> </a:t>
+            </a:r>
+            <a:r>
+              <a:rPr lang="en-US" dirty="0">
+                <a:latin typeface="Helvetica LT Std" panose="020B0504020202020204" pitchFamily="34" charset="0"/>
+              </a:rPr>
+              <a:t> </a:t>
+            </a:r>
+          </a:p>
+          <a:p>
+            <a:pPr>
+              <a:buFont typeface="Wingdings" panose="05000000000000000000" pitchFamily="2" charset="2"/>
+              <a:buChar char="§"/>
+            </a:pPr>
+            <a:r>
+              <a:rPr lang="en-US" dirty="0">
+                <a:latin typeface="Helvetica LT Std" panose="020B0504020202020204" pitchFamily="34" charset="0"/>
+              </a:rPr>
+              <a:t>Once it’s open, click on the </a:t>
+            </a:r>
+            <a:r>
+              <a:rPr lang="en-US" i="1" dirty="0">
+                <a:latin typeface="Helvetica LT Std" panose="020B0504020202020204" pitchFamily="34" charset="0"/>
+              </a:rPr>
+              <a:t>hands-</a:t>
+            </a:r>
+            <a:r>
+              <a:rPr lang="en-US" i="1" dirty="0" err="1">
+                <a:latin typeface="Helvetica LT Std" panose="020B0504020202020204" pitchFamily="34" charset="0"/>
+              </a:rPr>
+              <a:t>on.ipynb</a:t>
+            </a:r>
+            <a:r>
+              <a:rPr lang="en-US" i="1" dirty="0">
+                <a:latin typeface="Helvetica LT Std" panose="020B0504020202020204" pitchFamily="34" charset="0"/>
+              </a:rPr>
+              <a:t> </a:t>
+            </a:r>
+            <a:r>
+              <a:rPr lang="en-US" dirty="0">
+                <a:latin typeface="Helvetica LT Std" panose="020B0504020202020204" pitchFamily="34" charset="0"/>
+              </a:rPr>
+              <a:t>file</a:t>
+            </a:r>
+          </a:p>
+        </p:txBody>
+      </p:sp>
+      <p:pic>
+        <p:nvPicPr>
+          <p:cNvPr id="6" name="Picture 5">
+            <a:extLst>
+              <a:ext uri="{FF2B5EF4-FFF2-40B4-BE49-F238E27FC236}">
+                <a16:creationId xmlns:a16="http://schemas.microsoft.com/office/drawing/2014/main" id="{F8577717-5BA3-4AA3-9D19-32BB9DE1D5FC}"/>
+              </a:ext>
+            </a:extLst>
+          </p:cNvPr>
+          <p:cNvPicPr>
+            <a:picLocks noChangeAspect="1"/>
+          </p:cNvPicPr>
+          <p:nvPr/>
+        </p:nvPicPr>
+        <p:blipFill>
+          <a:blip r:embed="rId3"/>
+          <a:stretch>
+            <a:fillRect/>
+          </a:stretch>
+        </p:blipFill>
+        <p:spPr>
+          <a:xfrm>
+            <a:off x="6718761" y="2131201"/>
+            <a:ext cx="5362844" cy="3475362"/>
+          </a:xfrm>
+          <a:prstGeom prst="rect">
+            <a:avLst/>
+          </a:prstGeom>
+        </p:spPr>
+      </p:pic>
+      <p:sp>
+        <p:nvSpPr>
+          <p:cNvPr id="5" name="Slide Number Placeholder 4">
+            <a:extLst>
+              <a:ext uri="{FF2B5EF4-FFF2-40B4-BE49-F238E27FC236}">
+                <a16:creationId xmlns:a16="http://schemas.microsoft.com/office/drawing/2014/main" id="{59C8CA17-DCF3-4396-BCF3-505315F36EA0}"/>
+              </a:ext>
+            </a:extLst>
+          </p:cNvPr>
+          <p:cNvSpPr>
+            <a:spLocks noGrp="1"/>
+          </p:cNvSpPr>
+          <p:nvPr>
+            <p:ph type="sldNum" sz="quarter" idx="12"/>
+          </p:nvPr>
+        </p:nvSpPr>
+        <p:spPr/>
+        <p:txBody>
+          <a:bodyPr/>
+          <a:lstStyle/>
+          <a:p>
+            <a:fld id="{44D9B3EF-9489-4381-ACF1-79879AB05C89}" type="slidenum">
+              <a:rPr lang="en-US" smtClean="0"/>
+              <a:t>20</a:t>
+            </a:fld>
+            <a:endParaRPr lang="en-US"/>
+          </a:p>
+        </p:txBody>
+      </p:sp>
+    </p:spTree>
+    <p:extLst>
+      <p:ext uri="{BB962C8B-B14F-4D97-AF65-F5344CB8AC3E}">
+        <p14:creationId xmlns:p14="http://schemas.microsoft.com/office/powerpoint/2010/main" val="1558373387"/>
+      </p:ext>
+    </p:extLst>
+  </p:cSld>
+  <p:clrMapOvr>
+    <a:masterClrMapping/>
+  </p:clrMapOvr>
+</p:sld>
+</file>
+
+<file path=ppt/slides/slide21.xml><?xml version="1.0" encoding="utf-8"?>
+<p:sld xmlns:a="http://schemas.openxmlformats.org/drawingml/2006/main" xmlns:r="http://schemas.openxmlformats.org/officeDocument/2006/relationships" xmlns:p="http://schemas.openxmlformats.org/presentationml/2006/main">
+  <p:cSld>
+    <p:spTree>
+      <p:nvGrpSpPr>
+        <p:cNvPr id="1" name=""/>
+        <p:cNvGrpSpPr/>
+        <p:nvPr/>
+      </p:nvGrpSpPr>
+      <p:grpSpPr>
+        <a:xfrm>
+          <a:off x="0" y="0"/>
+          <a:ext cx="0" cy="0"/>
+          <a:chOff x="0" y="0"/>
+          <a:chExt cx="0" cy="0"/>
+        </a:xfrm>
+      </p:grpSpPr>
+      <p:sp>
+        <p:nvSpPr>
+          <p:cNvPr id="2" name="Title 1">
+            <a:extLst>
+              <a:ext uri="{FF2B5EF4-FFF2-40B4-BE49-F238E27FC236}">
+                <a16:creationId xmlns:a16="http://schemas.microsoft.com/office/drawing/2014/main" id="{F33B11E7-F0A7-4E1F-A580-2E8E739C98D5}"/>
+              </a:ext>
+            </a:extLst>
+          </p:cNvPr>
+          <p:cNvSpPr>
+            <a:spLocks noGrp="1"/>
+          </p:cNvSpPr>
+          <p:nvPr>
+            <p:ph type="title"/>
+          </p:nvPr>
+        </p:nvSpPr>
+        <p:spPr/>
+        <p:txBody>
+          <a:bodyPr/>
+          <a:lstStyle/>
+          <a:p>
+            <a:r>
+              <a:rPr lang="en-US" dirty="0">
+                <a:latin typeface="Helvetica LT Std Black" panose="020B0904030502020204" pitchFamily="34" charset="0"/>
+              </a:rPr>
+              <a:t>Modern Encryption</a:t>
+            </a:r>
+            <a:endParaRPr lang="en-US" dirty="0"/>
+          </a:p>
+        </p:txBody>
+      </p:sp>
+      <p:sp>
+        <p:nvSpPr>
+          <p:cNvPr id="3" name="Content Placeholder 2">
+            <a:extLst>
+              <a:ext uri="{FF2B5EF4-FFF2-40B4-BE49-F238E27FC236}">
+                <a16:creationId xmlns:a16="http://schemas.microsoft.com/office/drawing/2014/main" id="{26D83BD8-B61E-4911-BB28-86BD65EEAC0D}"/>
+              </a:ext>
+            </a:extLst>
+          </p:cNvPr>
+          <p:cNvSpPr>
+            <a:spLocks noGrp="1"/>
+          </p:cNvSpPr>
+          <p:nvPr>
+            <p:ph idx="1"/>
+          </p:nvPr>
+        </p:nvSpPr>
+        <p:spPr/>
+        <p:txBody>
+          <a:bodyPr/>
+          <a:lstStyle/>
+          <a:p>
+            <a:pPr>
+              <a:buFont typeface="Wingdings" panose="05000000000000000000" pitchFamily="2" charset="2"/>
+              <a:buChar char="§"/>
+            </a:pPr>
+            <a:r>
+              <a:rPr lang="en-US" dirty="0">
+                <a:latin typeface="Helvetica LT Std" panose="020B0504020202020204" pitchFamily="34" charset="0"/>
+              </a:rPr>
+              <a:t>Why do we have both symmetric and asymmetric key cryptography?</a:t>
+            </a:r>
+          </a:p>
+          <a:p>
+            <a:pPr marL="0" indent="0">
+              <a:buNone/>
+            </a:pPr>
+            <a:endParaRPr lang="en-US" dirty="0">
+              <a:latin typeface="Helvetica LT Std" panose="020B0504020202020204" pitchFamily="34" charset="0"/>
+            </a:endParaRPr>
+          </a:p>
+        </p:txBody>
+      </p:sp>
+      <p:graphicFrame>
+        <p:nvGraphicFramePr>
+          <p:cNvPr id="4" name="Table 4">
+            <a:extLst>
+              <a:ext uri="{FF2B5EF4-FFF2-40B4-BE49-F238E27FC236}">
+                <a16:creationId xmlns:a16="http://schemas.microsoft.com/office/drawing/2014/main" id="{27039E5B-9020-4B1B-9DAD-EEBC54ABFA4E}"/>
+              </a:ext>
+            </a:extLst>
+          </p:cNvPr>
+          <p:cNvGraphicFramePr>
+            <a:graphicFrameLocks noGrp="1"/>
+          </p:cNvGraphicFramePr>
+          <p:nvPr>
+            <p:extLst>
+              <p:ext uri="{D42A27DB-BD31-4B8C-83A1-F6EECF244321}">
+                <p14:modId xmlns:p14="http://schemas.microsoft.com/office/powerpoint/2010/main" val="898294432"/>
+              </p:ext>
+            </p:extLst>
+          </p:nvPr>
+        </p:nvGraphicFramePr>
+        <p:xfrm>
+          <a:off x="2377199" y="3138866"/>
+          <a:ext cx="7437602" cy="2595048"/>
+        </p:xfrm>
+        <a:graphic>
+          <a:graphicData uri="http://schemas.openxmlformats.org/drawingml/2006/table">
+            <a:tbl>
+              <a:tblPr firstRow="1" bandRow="1">
+                <a:tableStyleId>{F5AB1C69-6EDB-4FF4-983F-18BD219EF322}</a:tableStyleId>
+              </a:tblPr>
+              <a:tblGrid>
+                <a:gridCol w="1075686">
+                  <a:extLst>
+                    <a:ext uri="{9D8B030D-6E8A-4147-A177-3AD203B41FA5}">
+                      <a16:colId xmlns:a16="http://schemas.microsoft.com/office/drawing/2014/main" val="2939904951"/>
+                    </a:ext>
+                  </a:extLst>
+                </a:gridCol>
+                <a:gridCol w="3180958">
+                  <a:extLst>
+                    <a:ext uri="{9D8B030D-6E8A-4147-A177-3AD203B41FA5}">
+                      <a16:colId xmlns:a16="http://schemas.microsoft.com/office/drawing/2014/main" val="3969232939"/>
+                    </a:ext>
+                  </a:extLst>
+                </a:gridCol>
+                <a:gridCol w="3180958">
+                  <a:extLst>
+                    <a:ext uri="{9D8B030D-6E8A-4147-A177-3AD203B41FA5}">
+                      <a16:colId xmlns:a16="http://schemas.microsoft.com/office/drawing/2014/main" val="1375001451"/>
+                    </a:ext>
+                  </a:extLst>
+                </a:gridCol>
+              </a:tblGrid>
+              <a:tr h="520284">
+                <a:tc>
+                  <a:txBody>
+                    <a:bodyPr/>
+                    <a:lstStyle/>
+                    <a:p>
+                      <a:endParaRPr lang="en-US" dirty="0">
+                        <a:latin typeface="Helvetica LT Std" panose="020B0504020202020204" pitchFamily="34" charset="0"/>
+                      </a:endParaRPr>
+                    </a:p>
+                  </a:txBody>
+                  <a:tcPr/>
+                </a:tc>
+                <a:tc>
+                  <a:txBody>
+                    <a:bodyPr/>
+                    <a:lstStyle/>
+                    <a:p>
+                      <a:r>
+                        <a:rPr lang="en-US" dirty="0">
+                          <a:latin typeface="Helvetica LT Std" panose="020B0504020202020204" pitchFamily="34" charset="0"/>
+                        </a:rPr>
+                        <a:t>Symmetric</a:t>
+                      </a:r>
+                    </a:p>
+                  </a:txBody>
+                  <a:tcPr/>
+                </a:tc>
+                <a:tc>
+                  <a:txBody>
+                    <a:bodyPr/>
+                    <a:lstStyle/>
+                    <a:p>
+                      <a:r>
+                        <a:rPr lang="en-US" dirty="0">
+                          <a:latin typeface="Helvetica LT Std" panose="020B0504020202020204" pitchFamily="34" charset="0"/>
+                        </a:rPr>
+                        <a:t>Asymmetric</a:t>
+                      </a:r>
+                    </a:p>
+                  </a:txBody>
+                  <a:tcPr/>
+                </a:tc>
+                <a:extLst>
+                  <a:ext uri="{0D108BD9-81ED-4DB2-BD59-A6C34878D82A}">
+                    <a16:rowId xmlns:a16="http://schemas.microsoft.com/office/drawing/2014/main" val="3714944615"/>
+                  </a:ext>
+                </a:extLst>
+              </a:tr>
+              <a:tr h="520284">
+                <a:tc>
+                  <a:txBody>
+                    <a:bodyPr/>
+                    <a:lstStyle/>
+                    <a:p>
+                      <a:r>
+                        <a:rPr lang="en-US" dirty="0">
+                          <a:latin typeface="Helvetica LT Std" panose="020B0504020202020204" pitchFamily="34" charset="0"/>
+                        </a:rPr>
+                        <a:t>Pros</a:t>
+                      </a:r>
+                    </a:p>
+                  </a:txBody>
+                  <a:tcPr/>
+                </a:tc>
+                <a:tc>
+                  <a:txBody>
+                    <a:bodyPr/>
+                    <a:lstStyle/>
+                    <a:p>
+                      <a:r>
+                        <a:rPr lang="en-US" dirty="0">
+                          <a:latin typeface="Helvetica LT Std" panose="020B0504020202020204" pitchFamily="34" charset="0"/>
+                        </a:rPr>
+                        <a:t>Fast</a:t>
+                      </a:r>
+                    </a:p>
+                  </a:txBody>
+                  <a:tcPr/>
+                </a:tc>
+                <a:tc>
+                  <a:txBody>
+                    <a:bodyPr/>
+                    <a:lstStyle/>
+                    <a:p>
+                      <a:r>
+                        <a:rPr lang="en-US" dirty="0">
+                          <a:latin typeface="Helvetica LT Std" panose="020B0504020202020204" pitchFamily="34" charset="0"/>
+                        </a:rPr>
+                        <a:t>Slow</a:t>
+                      </a:r>
+                    </a:p>
+                  </a:txBody>
+                  <a:tcPr/>
+                </a:tc>
+                <a:extLst>
+                  <a:ext uri="{0D108BD9-81ED-4DB2-BD59-A6C34878D82A}">
+                    <a16:rowId xmlns:a16="http://schemas.microsoft.com/office/drawing/2014/main" val="1512768114"/>
+                  </a:ext>
+                </a:extLst>
+              </a:tr>
+              <a:tr h="520284">
+                <a:tc>
+                  <a:txBody>
+                    <a:bodyPr/>
+                    <a:lstStyle/>
+                    <a:p>
+                      <a:r>
+                        <a:rPr lang="en-US" dirty="0">
+                          <a:latin typeface="Helvetica LT Std" panose="020B0504020202020204" pitchFamily="34" charset="0"/>
+                        </a:rPr>
+                        <a:t>Cons</a:t>
+                      </a:r>
+                    </a:p>
+                  </a:txBody>
+                  <a:tcPr/>
+                </a:tc>
+                <a:tc>
+                  <a:txBody>
+                    <a:bodyPr/>
+                    <a:lstStyle/>
+                    <a:p>
+                      <a:r>
+                        <a:rPr lang="en-US" dirty="0">
+                          <a:latin typeface="Helvetica LT Std" panose="020B0504020202020204" pitchFamily="34" charset="0"/>
+                        </a:rPr>
+                        <a:t>Must exchange key securely</a:t>
+                      </a:r>
+                    </a:p>
+                  </a:txBody>
+                  <a:tcPr/>
+                </a:tc>
+                <a:tc>
+                  <a:txBody>
+                    <a:bodyPr/>
+                    <a:lstStyle/>
+                    <a:p>
+                      <a:r>
+                        <a:rPr lang="en-US" dirty="0">
+                          <a:latin typeface="Helvetica LT Std" panose="020B0504020202020204" pitchFamily="34" charset="0"/>
+                        </a:rPr>
+                        <a:t>Public key eliminates need to exchange private keys</a:t>
+                      </a:r>
+                    </a:p>
+                  </a:txBody>
+                  <a:tcPr/>
+                </a:tc>
+                <a:extLst>
+                  <a:ext uri="{0D108BD9-81ED-4DB2-BD59-A6C34878D82A}">
+                    <a16:rowId xmlns:a16="http://schemas.microsoft.com/office/drawing/2014/main" val="187272580"/>
+                  </a:ext>
+                </a:extLst>
+              </a:tr>
+              <a:tr h="520284">
+                <a:tc>
+                  <a:txBody>
+                    <a:bodyPr/>
+                    <a:lstStyle/>
+                    <a:p>
+                      <a:r>
+                        <a:rPr lang="en-US" dirty="0">
+                          <a:latin typeface="Helvetica LT Std" panose="020B0504020202020204" pitchFamily="34" charset="0"/>
+                        </a:rPr>
+                        <a:t>Uses</a:t>
+                      </a:r>
+                    </a:p>
+                  </a:txBody>
+                  <a:tcPr/>
+                </a:tc>
+                <a:tc>
+                  <a:txBody>
+                    <a:bodyPr/>
+                    <a:lstStyle/>
+                    <a:p>
+                      <a:r>
+                        <a:rPr lang="en-US" dirty="0">
+                          <a:latin typeface="Helvetica LT Std" panose="020B0504020202020204" pitchFamily="34" charset="0"/>
+                        </a:rPr>
+                        <a:t>Secure internet surfing</a:t>
+                      </a:r>
+                      <a:r>
+                        <a:rPr lang="en-US" baseline="30000" dirty="0">
+                          <a:latin typeface="Helvetica LT Std" panose="020B0504020202020204" pitchFamily="34" charset="0"/>
+                        </a:rPr>
+                        <a:t>1</a:t>
+                      </a:r>
+                      <a:r>
+                        <a:rPr lang="en-US" dirty="0">
+                          <a:latin typeface="Helvetica LT Std" panose="020B0504020202020204" pitchFamily="34" charset="0"/>
+                        </a:rPr>
+                        <a:t>, password managers, local drive encryption</a:t>
+                      </a:r>
+                    </a:p>
+                  </a:txBody>
+                  <a:tcPr/>
+                </a:tc>
+                <a:tc>
+                  <a:txBody>
+                    <a:bodyPr/>
+                    <a:lstStyle/>
+                    <a:p>
+                      <a:r>
+                        <a:rPr lang="en-US" dirty="0">
+                          <a:latin typeface="Helvetica LT Std" panose="020B0504020202020204" pitchFamily="34" charset="0"/>
+                        </a:rPr>
+                        <a:t>Messaging (Signal), symmetric key exchanging</a:t>
+                      </a:r>
+                    </a:p>
+                  </a:txBody>
+                  <a:tcPr/>
+                </a:tc>
+                <a:extLst>
+                  <a:ext uri="{0D108BD9-81ED-4DB2-BD59-A6C34878D82A}">
+                    <a16:rowId xmlns:a16="http://schemas.microsoft.com/office/drawing/2014/main" val="2524738919"/>
+                  </a:ext>
+                </a:extLst>
+              </a:tr>
+            </a:tbl>
+          </a:graphicData>
+        </a:graphic>
+      </p:graphicFrame>
+      <p:sp>
+        <p:nvSpPr>
+          <p:cNvPr id="5" name="Slide Number Placeholder 4">
+            <a:extLst>
+              <a:ext uri="{FF2B5EF4-FFF2-40B4-BE49-F238E27FC236}">
+                <a16:creationId xmlns:a16="http://schemas.microsoft.com/office/drawing/2014/main" id="{3CDFF432-EC9F-4ADF-A8B6-F91EAA89B5B9}"/>
+              </a:ext>
+            </a:extLst>
+          </p:cNvPr>
+          <p:cNvSpPr>
+            <a:spLocks noGrp="1"/>
+          </p:cNvSpPr>
+          <p:nvPr>
+            <p:ph type="sldNum" sz="quarter" idx="12"/>
+          </p:nvPr>
+        </p:nvSpPr>
+        <p:spPr/>
+        <p:txBody>
+          <a:bodyPr/>
+          <a:lstStyle/>
+          <a:p>
+            <a:fld id="{44D9B3EF-9489-4381-ACF1-79879AB05C89}" type="slidenum">
+              <a:rPr lang="en-US" smtClean="0"/>
+              <a:t>21</a:t>
+            </a:fld>
+            <a:endParaRPr lang="en-US"/>
+          </a:p>
+        </p:txBody>
+      </p:sp>
+    </p:spTree>
+    <p:extLst>
+      <p:ext uri="{BB962C8B-B14F-4D97-AF65-F5344CB8AC3E}">
+        <p14:creationId xmlns:p14="http://schemas.microsoft.com/office/powerpoint/2010/main" val="2593152372"/>
+      </p:ext>
+    </p:extLst>
+  </p:cSld>
+  <p:clrMapOvr>
+    <a:masterClrMapping/>
+  </p:clrMapOvr>
+</p:sld>
+</file>
+
+<file path=ppt/slides/slide22.xml><?xml version="1.0" encoding="utf-8"?>
+<p:sld xmlns:a="http://schemas.openxmlformats.org/drawingml/2006/main" xmlns:r="http://schemas.openxmlformats.org/officeDocument/2006/relationships" xmlns:p="http://schemas.openxmlformats.org/presentationml/2006/main">
+  <p:cSld>
+    <p:spTree>
+      <p:nvGrpSpPr>
+        <p:cNvPr id="1" name=""/>
+        <p:cNvGrpSpPr/>
+        <p:nvPr/>
+      </p:nvGrpSpPr>
+      <p:grpSpPr>
+        <a:xfrm>
+          <a:off x="0" y="0"/>
+          <a:ext cx="0" cy="0"/>
+          <a:chOff x="0" y="0"/>
+          <a:chExt cx="0" cy="0"/>
+        </a:xfrm>
+      </p:grpSpPr>
+      <p:sp>
+        <p:nvSpPr>
+          <p:cNvPr id="2" name="Title 1">
+            <a:extLst>
+              <a:ext uri="{FF2B5EF4-FFF2-40B4-BE49-F238E27FC236}">
+                <a16:creationId xmlns:a16="http://schemas.microsoft.com/office/drawing/2014/main" id="{33920766-6066-4170-8F61-D74459A5A508}"/>
+              </a:ext>
+            </a:extLst>
+          </p:cNvPr>
+          <p:cNvSpPr>
+            <a:spLocks noGrp="1"/>
+          </p:cNvSpPr>
+          <p:nvPr>
+            <p:ph type="title"/>
+          </p:nvPr>
+        </p:nvSpPr>
+        <p:spPr>
+          <a:xfrm>
+            <a:off x="838200" y="331201"/>
+            <a:ext cx="10515600" cy="1777088"/>
+          </a:xfrm>
+        </p:spPr>
+        <p:txBody>
+          <a:bodyPr>
+            <a:normAutofit/>
+          </a:bodyPr>
+          <a:lstStyle/>
+          <a:p>
+            <a:r>
+              <a:rPr lang="en-US" dirty="0">
+                <a:latin typeface="Helvetica LT Std Black" panose="020B0904030502020204" pitchFamily="34" charset="0"/>
+              </a:rPr>
+              <a:t>Comparing Slack, </a:t>
+            </a:r>
+            <a:r>
+              <a:rPr lang="en-US" dirty="0" err="1">
+                <a:latin typeface="Helvetica LT Std Black" panose="020B0904030502020204" pitchFamily="34" charset="0"/>
+              </a:rPr>
+              <a:t>Mattermost</a:t>
+            </a:r>
+            <a:r>
+              <a:rPr lang="en-US" dirty="0">
+                <a:latin typeface="Helvetica LT Std Black" panose="020B0904030502020204" pitchFamily="34" charset="0"/>
+              </a:rPr>
+              <a:t>, Discord, and Signal</a:t>
+            </a:r>
+            <a:endParaRPr lang="en-US" dirty="0"/>
+          </a:p>
+        </p:txBody>
+      </p:sp>
+      <p:sp>
+        <p:nvSpPr>
+          <p:cNvPr id="3" name="Content Placeholder 2">
+            <a:extLst>
+              <a:ext uri="{FF2B5EF4-FFF2-40B4-BE49-F238E27FC236}">
+                <a16:creationId xmlns:a16="http://schemas.microsoft.com/office/drawing/2014/main" id="{88EC98CB-3836-405B-97A1-2F3F3A00BFC1}"/>
+              </a:ext>
+            </a:extLst>
+          </p:cNvPr>
+          <p:cNvSpPr>
+            <a:spLocks noGrp="1"/>
+          </p:cNvSpPr>
+          <p:nvPr>
+            <p:ph idx="1"/>
+          </p:nvPr>
+        </p:nvSpPr>
+        <p:spPr>
+          <a:xfrm>
+            <a:off x="838200" y="2246400"/>
+            <a:ext cx="10515600" cy="3916799"/>
+          </a:xfrm>
+        </p:spPr>
+        <p:txBody>
+          <a:bodyPr>
+            <a:normAutofit/>
+          </a:bodyPr>
+          <a:lstStyle/>
+          <a:p>
+            <a:pPr>
+              <a:buFont typeface="Wingdings" panose="05000000000000000000" pitchFamily="2" charset="2"/>
+              <a:buChar char="§"/>
+            </a:pPr>
+            <a:r>
+              <a:rPr lang="en-US" sz="2400" dirty="0">
+                <a:latin typeface="Helvetica LT Std" panose="020B0504020202020204" pitchFamily="34" charset="0"/>
+              </a:rPr>
+              <a:t>Let’s use what we’ve learned to think about some platforms commonly used for organizing</a:t>
+            </a:r>
+          </a:p>
+          <a:p>
+            <a:pPr>
+              <a:buFont typeface="Wingdings" panose="05000000000000000000" pitchFamily="2" charset="2"/>
+              <a:buChar char="§"/>
+            </a:pPr>
+            <a:r>
+              <a:rPr lang="en-US" sz="2400" dirty="0">
+                <a:latin typeface="Helvetica LT Std" panose="020B0504020202020204" pitchFamily="34" charset="0"/>
+              </a:rPr>
+              <a:t>First, we have to understand the flow of data when we use these platforms:</a:t>
+            </a:r>
+          </a:p>
+        </p:txBody>
+      </p:sp>
+      <p:pic>
+        <p:nvPicPr>
+          <p:cNvPr id="6" name="Picture 5" descr="Diagram&#10;&#10;Description automatically generated">
+            <a:extLst>
+              <a:ext uri="{FF2B5EF4-FFF2-40B4-BE49-F238E27FC236}">
+                <a16:creationId xmlns:a16="http://schemas.microsoft.com/office/drawing/2014/main" id="{46230F26-C23E-4CAB-862C-255C69D237D0}"/>
+              </a:ext>
+            </a:extLst>
+          </p:cNvPr>
+          <p:cNvPicPr>
+            <a:picLocks noChangeAspect="1"/>
+          </p:cNvPicPr>
+          <p:nvPr/>
+        </p:nvPicPr>
+        <p:blipFill>
+          <a:blip r:embed="rId2">
+            <a:extLst>
+              <a:ext uri="{28A0092B-C50C-407E-A947-70E740481C1C}">
+                <a14:useLocalDpi xmlns:a14="http://schemas.microsoft.com/office/drawing/2010/main" val="0"/>
+              </a:ext>
+            </a:extLst>
+          </a:blip>
+          <a:stretch>
+            <a:fillRect/>
+          </a:stretch>
+        </p:blipFill>
+        <p:spPr>
+          <a:xfrm>
+            <a:off x="2449675" y="3777271"/>
+            <a:ext cx="7292649" cy="3030329"/>
+          </a:xfrm>
+          <a:prstGeom prst="rect">
+            <a:avLst/>
+          </a:prstGeom>
+        </p:spPr>
+      </p:pic>
+      <p:sp>
+        <p:nvSpPr>
+          <p:cNvPr id="7" name="Slide Number Placeholder 6">
+            <a:extLst>
+              <a:ext uri="{FF2B5EF4-FFF2-40B4-BE49-F238E27FC236}">
+                <a16:creationId xmlns:a16="http://schemas.microsoft.com/office/drawing/2014/main" id="{4D3EC882-20D3-44F1-8CF5-0C141199FFC2}"/>
+              </a:ext>
+            </a:extLst>
+          </p:cNvPr>
+          <p:cNvSpPr>
+            <a:spLocks noGrp="1"/>
+          </p:cNvSpPr>
+          <p:nvPr>
+            <p:ph type="sldNum" sz="quarter" idx="12"/>
+          </p:nvPr>
+        </p:nvSpPr>
+        <p:spPr/>
+        <p:txBody>
+          <a:bodyPr/>
+          <a:lstStyle/>
+          <a:p>
+            <a:fld id="{44D9B3EF-9489-4381-ACF1-79879AB05C89}" type="slidenum">
+              <a:rPr lang="en-US" smtClean="0"/>
+              <a:t>22</a:t>
+            </a:fld>
+            <a:endParaRPr lang="en-US"/>
+          </a:p>
+        </p:txBody>
+      </p:sp>
+    </p:spTree>
+    <p:extLst>
+      <p:ext uri="{BB962C8B-B14F-4D97-AF65-F5344CB8AC3E}">
+        <p14:creationId xmlns:p14="http://schemas.microsoft.com/office/powerpoint/2010/main" val="3226082740"/>
+      </p:ext>
+    </p:extLst>
+  </p:cSld>
+  <p:clrMapOvr>
+    <a:masterClrMapping/>
+  </p:clrMapOvr>
+</p:sld>
+</file>
+
+<file path=ppt/slides/slide23.xml><?xml version="1.0" encoding="utf-8"?>
+<p:sld xmlns:a="http://schemas.openxmlformats.org/drawingml/2006/main" xmlns:r="http://schemas.openxmlformats.org/officeDocument/2006/relationships" xmlns:p="http://schemas.openxmlformats.org/presentationml/2006/main">
+  <p:cSld>
+    <p:spTree>
+      <p:nvGrpSpPr>
+        <p:cNvPr id="1" name=""/>
+        <p:cNvGrpSpPr/>
+        <p:nvPr/>
+      </p:nvGrpSpPr>
+      <p:grpSpPr>
+        <a:xfrm>
+          <a:off x="0" y="0"/>
+          <a:ext cx="0" cy="0"/>
+          <a:chOff x="0" y="0"/>
+          <a:chExt cx="0" cy="0"/>
+        </a:xfrm>
+      </p:grpSpPr>
+      <p:sp>
+        <p:nvSpPr>
+          <p:cNvPr id="3" name="Content Placeholder 2">
+            <a:extLst>
+              <a:ext uri="{FF2B5EF4-FFF2-40B4-BE49-F238E27FC236}">
+                <a16:creationId xmlns:a16="http://schemas.microsoft.com/office/drawing/2014/main" id="{65F58C3F-7EC2-4CFA-A5F9-8AAF08F15A7F}"/>
+              </a:ext>
+            </a:extLst>
+          </p:cNvPr>
+          <p:cNvSpPr>
+            <a:spLocks noGrp="1"/>
+          </p:cNvSpPr>
+          <p:nvPr>
+            <p:ph idx="1"/>
+          </p:nvPr>
+        </p:nvSpPr>
+        <p:spPr>
+          <a:xfrm>
+            <a:off x="838200" y="1825624"/>
+            <a:ext cx="10515600" cy="4667251"/>
+          </a:xfrm>
+        </p:spPr>
+        <p:txBody>
+          <a:bodyPr>
+            <a:normAutofit/>
+          </a:bodyPr>
+          <a:lstStyle/>
+          <a:p>
+            <a:pPr>
+              <a:buFont typeface="Wingdings" panose="05000000000000000000" pitchFamily="2" charset="2"/>
+              <a:buChar char="§"/>
+            </a:pPr>
+            <a:r>
+              <a:rPr lang="en-US" dirty="0">
+                <a:latin typeface="Helvetica LT Std" panose="020B0504020202020204" pitchFamily="34" charset="0"/>
+              </a:rPr>
+              <a:t>Let’s consider Slack.</a:t>
+            </a:r>
+          </a:p>
+          <a:p>
+            <a:pPr>
+              <a:buFont typeface="Wingdings" panose="05000000000000000000" pitchFamily="2" charset="2"/>
+              <a:buChar char="§"/>
+            </a:pPr>
+            <a:endParaRPr lang="en-US" dirty="0">
+              <a:latin typeface="Helvetica LT Std" panose="020B0504020202020204" pitchFamily="34" charset="0"/>
+            </a:endParaRPr>
+          </a:p>
+          <a:p>
+            <a:pPr>
+              <a:buFont typeface="Wingdings" panose="05000000000000000000" pitchFamily="2" charset="2"/>
+              <a:buChar char="§"/>
+            </a:pPr>
+            <a:endParaRPr lang="en-US" dirty="0">
+              <a:latin typeface="Helvetica LT Std" panose="020B0504020202020204" pitchFamily="34" charset="0"/>
+            </a:endParaRPr>
+          </a:p>
+          <a:p>
+            <a:pPr>
+              <a:buFont typeface="Wingdings" panose="05000000000000000000" pitchFamily="2" charset="2"/>
+              <a:buChar char="§"/>
+            </a:pPr>
+            <a:endParaRPr lang="en-US" dirty="0">
+              <a:latin typeface="Helvetica LT Std" panose="020B0504020202020204" pitchFamily="34" charset="0"/>
+            </a:endParaRPr>
+          </a:p>
+          <a:p>
+            <a:pPr>
+              <a:buFont typeface="Wingdings" panose="05000000000000000000" pitchFamily="2" charset="2"/>
+              <a:buChar char="§"/>
+            </a:pPr>
+            <a:endParaRPr lang="en-US" dirty="0">
+              <a:latin typeface="Helvetica LT Std" panose="020B0504020202020204" pitchFamily="34" charset="0"/>
+            </a:endParaRPr>
+          </a:p>
+          <a:p>
+            <a:pPr>
+              <a:buFont typeface="Wingdings" panose="05000000000000000000" pitchFamily="2" charset="2"/>
+              <a:buChar char="§"/>
+            </a:pPr>
+            <a:endParaRPr lang="en-US" dirty="0">
+              <a:latin typeface="Helvetica LT Std" panose="020B0504020202020204" pitchFamily="34" charset="0"/>
+            </a:endParaRPr>
+          </a:p>
+          <a:p>
+            <a:pPr>
+              <a:buFont typeface="Wingdings" panose="05000000000000000000" pitchFamily="2" charset="2"/>
+              <a:buChar char="§"/>
+            </a:pPr>
+            <a:r>
+              <a:rPr lang="en-US" dirty="0">
+                <a:latin typeface="Helvetica LT Std" panose="020B0504020202020204" pitchFamily="34" charset="0"/>
+              </a:rPr>
+              <a:t>Messages are secure on the way to and from the Slack server</a:t>
+            </a:r>
+          </a:p>
+          <a:p>
+            <a:pPr>
+              <a:buFont typeface="Wingdings" panose="05000000000000000000" pitchFamily="2" charset="2"/>
+              <a:buChar char="§"/>
+            </a:pPr>
+            <a:r>
+              <a:rPr lang="en-US" dirty="0">
+                <a:latin typeface="Helvetica LT Std" panose="020B0504020202020204" pitchFamily="34" charset="0"/>
+              </a:rPr>
+              <a:t>On the server, however, Slack has access to and exclusive control over your communications.</a:t>
+            </a:r>
+          </a:p>
+        </p:txBody>
+      </p:sp>
+      <p:pic>
+        <p:nvPicPr>
+          <p:cNvPr id="9" name="Picture 8" descr="A picture containing clock&#10;&#10;Description automatically generated">
+            <a:extLst>
+              <a:ext uri="{FF2B5EF4-FFF2-40B4-BE49-F238E27FC236}">
+                <a16:creationId xmlns:a16="http://schemas.microsoft.com/office/drawing/2014/main" id="{81D5645D-9EA7-487D-8B4D-1AC556322317}"/>
+              </a:ext>
+            </a:extLst>
+          </p:cNvPr>
+          <p:cNvPicPr>
+            <a:picLocks noChangeAspect="1"/>
+          </p:cNvPicPr>
+          <p:nvPr/>
+        </p:nvPicPr>
+        <p:blipFill>
+          <a:blip r:embed="rId2">
+            <a:extLst>
+              <a:ext uri="{28A0092B-C50C-407E-A947-70E740481C1C}">
+                <a14:useLocalDpi xmlns:a14="http://schemas.microsoft.com/office/drawing/2010/main" val="0"/>
+              </a:ext>
+            </a:extLst>
+          </a:blip>
+          <a:stretch>
+            <a:fillRect/>
+          </a:stretch>
+        </p:blipFill>
+        <p:spPr>
+          <a:xfrm>
+            <a:off x="387394" y="32731"/>
+            <a:ext cx="4254319" cy="1741745"/>
+          </a:xfrm>
+          <a:prstGeom prst="rect">
+            <a:avLst/>
+          </a:prstGeom>
+        </p:spPr>
+      </p:pic>
+      <p:pic>
+        <p:nvPicPr>
+          <p:cNvPr id="13" name="Picture 12" descr="Graphical user interface, text, application&#10;&#10;Description automatically generated">
+            <a:extLst>
+              <a:ext uri="{FF2B5EF4-FFF2-40B4-BE49-F238E27FC236}">
+                <a16:creationId xmlns:a16="http://schemas.microsoft.com/office/drawing/2014/main" id="{50A89E49-B0B1-4446-9A77-C0693F4401DA}"/>
+              </a:ext>
+            </a:extLst>
+          </p:cNvPr>
+          <p:cNvPicPr>
+            <a:picLocks noChangeAspect="1"/>
+          </p:cNvPicPr>
+          <p:nvPr/>
+        </p:nvPicPr>
+        <p:blipFill>
+          <a:blip r:embed="rId3">
+            <a:extLst>
+              <a:ext uri="{28A0092B-C50C-407E-A947-70E740481C1C}">
+                <a14:useLocalDpi xmlns:a14="http://schemas.microsoft.com/office/drawing/2010/main" val="0"/>
+              </a:ext>
+            </a:extLst>
+          </a:blip>
+          <a:stretch>
+            <a:fillRect/>
+          </a:stretch>
+        </p:blipFill>
+        <p:spPr>
+          <a:xfrm>
+            <a:off x="657602" y="2503930"/>
+            <a:ext cx="10876796" cy="2028696"/>
+          </a:xfrm>
+          <a:prstGeom prst="rect">
+            <a:avLst/>
+          </a:prstGeom>
+        </p:spPr>
+      </p:pic>
+      <p:sp>
+        <p:nvSpPr>
+          <p:cNvPr id="14" name="Slide Number Placeholder 13">
+            <a:extLst>
+              <a:ext uri="{FF2B5EF4-FFF2-40B4-BE49-F238E27FC236}">
+                <a16:creationId xmlns:a16="http://schemas.microsoft.com/office/drawing/2014/main" id="{B1B88412-A9ED-45C8-88EF-EEC860F4470A}"/>
+              </a:ext>
+            </a:extLst>
+          </p:cNvPr>
+          <p:cNvSpPr>
+            <a:spLocks noGrp="1"/>
+          </p:cNvSpPr>
+          <p:nvPr>
+            <p:ph type="sldNum" sz="quarter" idx="12"/>
+          </p:nvPr>
+        </p:nvSpPr>
+        <p:spPr/>
+        <p:txBody>
+          <a:bodyPr/>
+          <a:lstStyle/>
+          <a:p>
+            <a:fld id="{44D9B3EF-9489-4381-ACF1-79879AB05C89}" type="slidenum">
+              <a:rPr lang="en-US" smtClean="0"/>
+              <a:t>23</a:t>
+            </a:fld>
+            <a:endParaRPr lang="en-US"/>
+          </a:p>
+        </p:txBody>
+      </p:sp>
+    </p:spTree>
+    <p:extLst>
+      <p:ext uri="{BB962C8B-B14F-4D97-AF65-F5344CB8AC3E}">
+        <p14:creationId xmlns:p14="http://schemas.microsoft.com/office/powerpoint/2010/main" val="3797738384"/>
+      </p:ext>
+    </p:extLst>
+  </p:cSld>
+  <p:clrMapOvr>
+    <a:masterClrMapping/>
+  </p:clrMapOvr>
+</p:sld>
+</file>
+
+<file path=ppt/slides/slide24.xml><?xml version="1.0" encoding="utf-8"?>
+<p:sld xmlns:a="http://schemas.openxmlformats.org/drawingml/2006/main" xmlns:r="http://schemas.openxmlformats.org/officeDocument/2006/relationships" xmlns:p="http://schemas.openxmlformats.org/presentationml/2006/main">
+  <p:cSld>
+    <p:spTree>
+      <p:nvGrpSpPr>
+        <p:cNvPr id="1" name=""/>
+        <p:cNvGrpSpPr/>
+        <p:nvPr/>
+      </p:nvGrpSpPr>
+      <p:grpSpPr>
+        <a:xfrm>
+          <a:off x="0" y="0"/>
+          <a:ext cx="0" cy="0"/>
+          <a:chOff x="0" y="0"/>
+          <a:chExt cx="0" cy="0"/>
+        </a:xfrm>
+      </p:grpSpPr>
+      <p:sp>
+        <p:nvSpPr>
+          <p:cNvPr id="3" name="Content Placeholder 2">
+            <a:extLst>
+              <a:ext uri="{FF2B5EF4-FFF2-40B4-BE49-F238E27FC236}">
+                <a16:creationId xmlns:a16="http://schemas.microsoft.com/office/drawing/2014/main" id="{88EC98CB-3836-405B-97A1-2F3F3A00BFC1}"/>
+              </a:ext>
+            </a:extLst>
+          </p:cNvPr>
+          <p:cNvSpPr>
+            <a:spLocks noGrp="1"/>
+          </p:cNvSpPr>
+          <p:nvPr>
+            <p:ph idx="1"/>
+          </p:nvPr>
+        </p:nvSpPr>
+        <p:spPr>
+          <a:xfrm>
+            <a:off x="838200" y="3297601"/>
+            <a:ext cx="10515600" cy="2656800"/>
+          </a:xfrm>
+        </p:spPr>
+        <p:txBody>
+          <a:bodyPr>
+            <a:normAutofit/>
+          </a:bodyPr>
+          <a:lstStyle/>
+          <a:p>
+            <a:pPr>
+              <a:buFont typeface="Wingdings" panose="05000000000000000000" pitchFamily="2" charset="2"/>
+              <a:buChar char="§"/>
+            </a:pPr>
+            <a:r>
+              <a:rPr lang="en-US" dirty="0">
+                <a:latin typeface="Helvetica LT Std" panose="020B0504020202020204" pitchFamily="34" charset="0"/>
+              </a:rPr>
+              <a:t>UC not generally subject to FOIA, but it is subject to CPRA: California Public Records Act</a:t>
+            </a:r>
+          </a:p>
+          <a:p>
+            <a:pPr>
+              <a:buFont typeface="Wingdings" panose="05000000000000000000" pitchFamily="2" charset="2"/>
+              <a:buChar char="§"/>
+            </a:pPr>
+            <a:r>
+              <a:rPr lang="en-US" dirty="0">
+                <a:latin typeface="Helvetica LT Std" panose="020B0504020202020204" pitchFamily="34" charset="0"/>
+              </a:rPr>
+              <a:t>If using Slack with your UC email, your messages could be subject to CPRA requests</a:t>
+            </a:r>
+          </a:p>
+          <a:p>
+            <a:pPr>
+              <a:buFont typeface="Wingdings" panose="05000000000000000000" pitchFamily="2" charset="2"/>
+              <a:buChar char="§"/>
+            </a:pPr>
+            <a:r>
+              <a:rPr lang="en-US" dirty="0">
+                <a:latin typeface="Helvetica LT Std" panose="020B0504020202020204" pitchFamily="34" charset="0"/>
+              </a:rPr>
+              <a:t>Law enforcement also requests Slack messages</a:t>
+            </a:r>
+          </a:p>
+          <a:p>
+            <a:pPr>
+              <a:buFont typeface="Wingdings" panose="05000000000000000000" pitchFamily="2" charset="2"/>
+              <a:buChar char="§"/>
+            </a:pPr>
+            <a:endParaRPr lang="en-US" dirty="0">
+              <a:latin typeface="Helvetica LT Std" panose="020B0504020202020204" pitchFamily="34" charset="0"/>
+            </a:endParaRPr>
+          </a:p>
+        </p:txBody>
+      </p:sp>
+      <p:pic>
+        <p:nvPicPr>
+          <p:cNvPr id="6" name="Picture 5">
+            <a:extLst>
+              <a:ext uri="{FF2B5EF4-FFF2-40B4-BE49-F238E27FC236}">
+                <a16:creationId xmlns:a16="http://schemas.microsoft.com/office/drawing/2014/main" id="{CD5A6AF4-E8C4-4AC4-BEB4-88B128B46A59}"/>
+              </a:ext>
+            </a:extLst>
+          </p:cNvPr>
+          <p:cNvPicPr>
+            <a:picLocks noChangeAspect="1"/>
+          </p:cNvPicPr>
+          <p:nvPr/>
+        </p:nvPicPr>
+        <p:blipFill>
+          <a:blip r:embed="rId2"/>
+          <a:stretch>
+            <a:fillRect/>
+          </a:stretch>
+        </p:blipFill>
+        <p:spPr>
+          <a:xfrm>
+            <a:off x="1823523" y="1525088"/>
+            <a:ext cx="8544954" cy="1656887"/>
+          </a:xfrm>
+          <a:prstGeom prst="rect">
+            <a:avLst/>
+          </a:prstGeom>
+        </p:spPr>
+      </p:pic>
+      <p:pic>
+        <p:nvPicPr>
+          <p:cNvPr id="9" name="Picture 8" descr="A picture containing clock&#10;&#10;Description automatically generated">
+            <a:extLst>
+              <a:ext uri="{FF2B5EF4-FFF2-40B4-BE49-F238E27FC236}">
+                <a16:creationId xmlns:a16="http://schemas.microsoft.com/office/drawing/2014/main" id="{FD701E94-2EE1-448C-BF12-1AFA5CA5693C}"/>
+              </a:ext>
+            </a:extLst>
+          </p:cNvPr>
+          <p:cNvPicPr>
+            <a:picLocks noChangeAspect="1"/>
+          </p:cNvPicPr>
+          <p:nvPr/>
+        </p:nvPicPr>
+        <p:blipFill>
+          <a:blip r:embed="rId3">
+            <a:extLst>
+              <a:ext uri="{28A0092B-C50C-407E-A947-70E740481C1C}">
+                <a14:useLocalDpi xmlns:a14="http://schemas.microsoft.com/office/drawing/2010/main" val="0"/>
+              </a:ext>
+            </a:extLst>
+          </a:blip>
+          <a:stretch>
+            <a:fillRect/>
+          </a:stretch>
+        </p:blipFill>
+        <p:spPr>
+          <a:xfrm>
+            <a:off x="389000" y="32726"/>
+            <a:ext cx="4254319" cy="1741745"/>
+          </a:xfrm>
+          <a:prstGeom prst="rect">
+            <a:avLst/>
+          </a:prstGeom>
+        </p:spPr>
+      </p:pic>
+      <p:sp>
+        <p:nvSpPr>
+          <p:cNvPr id="10" name="Slide Number Placeholder 9">
+            <a:extLst>
+              <a:ext uri="{FF2B5EF4-FFF2-40B4-BE49-F238E27FC236}">
+                <a16:creationId xmlns:a16="http://schemas.microsoft.com/office/drawing/2014/main" id="{7DBB18F1-D0A4-4081-B2CE-0A9C398F2A7C}"/>
+              </a:ext>
+            </a:extLst>
+          </p:cNvPr>
+          <p:cNvSpPr>
+            <a:spLocks noGrp="1"/>
+          </p:cNvSpPr>
+          <p:nvPr>
+            <p:ph type="sldNum" sz="quarter" idx="12"/>
+          </p:nvPr>
+        </p:nvSpPr>
+        <p:spPr/>
+        <p:txBody>
+          <a:bodyPr/>
+          <a:lstStyle/>
+          <a:p>
+            <a:fld id="{44D9B3EF-9489-4381-ACF1-79879AB05C89}" type="slidenum">
+              <a:rPr lang="en-US" smtClean="0"/>
+              <a:t>24</a:t>
+            </a:fld>
+            <a:endParaRPr lang="en-US"/>
+          </a:p>
+        </p:txBody>
+      </p:sp>
+      <p:sp>
+        <p:nvSpPr>
+          <p:cNvPr id="11" name="Footer Placeholder 10">
+            <a:extLst>
+              <a:ext uri="{FF2B5EF4-FFF2-40B4-BE49-F238E27FC236}">
+                <a16:creationId xmlns:a16="http://schemas.microsoft.com/office/drawing/2014/main" id="{9EE21B4F-F3C0-45AB-ADD4-EED7207B5040}"/>
+              </a:ext>
+            </a:extLst>
+          </p:cNvPr>
+          <p:cNvSpPr>
+            <a:spLocks noGrp="1"/>
+          </p:cNvSpPr>
+          <p:nvPr>
+            <p:ph type="ftr" sz="quarter" idx="11"/>
+          </p:nvPr>
+        </p:nvSpPr>
+        <p:spPr>
+          <a:xfrm>
+            <a:off x="2339938" y="6361050"/>
+            <a:ext cx="7512123" cy="365125"/>
+          </a:xfrm>
+        </p:spPr>
+        <p:txBody>
+          <a:bodyPr/>
+          <a:lstStyle/>
+          <a:p>
+            <a:pPr algn="l"/>
+            <a:r>
+              <a:rPr lang="en-US" dirty="0">
+                <a:latin typeface="Helvetica LT Std" panose="020B0504020202020204" pitchFamily="34" charset="0"/>
+                <a:hlinkClick r:id="rId4"/>
+              </a:rPr>
+              <a:t>https://www.theatlantic.com/technology/archive/2016/01/are-slack-messages-subject-to-foia-requests/429243/</a:t>
+            </a:r>
+            <a:endParaRPr lang="en-US" dirty="0">
+              <a:latin typeface="Helvetica LT Std" panose="020B0504020202020204" pitchFamily="34" charset="0"/>
+            </a:endParaRPr>
+          </a:p>
+          <a:p>
+            <a:pPr algn="l"/>
+            <a:r>
+              <a:rPr lang="en-US" dirty="0">
+                <a:latin typeface="Helvetica LT Std" panose="020B0504020202020204" pitchFamily="34" charset="0"/>
+                <a:hlinkClick r:id="rId5"/>
+              </a:rPr>
+              <a:t>https://slack.com/trust/data-request/transparency-report</a:t>
+            </a:r>
+            <a:r>
+              <a:rPr lang="en-US" dirty="0">
+                <a:latin typeface="Helvetica LT Std" panose="020B0504020202020204" pitchFamily="34" charset="0"/>
+              </a:rPr>
+              <a:t> </a:t>
+            </a:r>
+          </a:p>
+        </p:txBody>
+      </p:sp>
+    </p:spTree>
+    <p:extLst>
+      <p:ext uri="{BB962C8B-B14F-4D97-AF65-F5344CB8AC3E}">
+        <p14:creationId xmlns:p14="http://schemas.microsoft.com/office/powerpoint/2010/main" val="76293080"/>
+      </p:ext>
+    </p:extLst>
+  </p:cSld>
+  <p:clrMapOvr>
+    <a:masterClrMapping/>
+  </p:clrMapOvr>
+</p:sld>
+</file>
+
+<file path=ppt/slides/slide25.xml><?xml version="1.0" encoding="utf-8"?>
+<p:sld xmlns:a="http://schemas.openxmlformats.org/drawingml/2006/main" xmlns:r="http://schemas.openxmlformats.org/officeDocument/2006/relationships" xmlns:p="http://schemas.openxmlformats.org/presentationml/2006/main">
+  <p:cSld>
+    <p:spTree>
+      <p:nvGrpSpPr>
+        <p:cNvPr id="1" name=""/>
+        <p:cNvGrpSpPr/>
+        <p:nvPr/>
+      </p:nvGrpSpPr>
+      <p:grpSpPr>
+        <a:xfrm>
+          <a:off x="0" y="0"/>
+          <a:ext cx="0" cy="0"/>
+          <a:chOff x="0" y="0"/>
+          <a:chExt cx="0" cy="0"/>
+        </a:xfrm>
+      </p:grpSpPr>
+      <p:sp>
+        <p:nvSpPr>
+          <p:cNvPr id="3" name="Content Placeholder 2">
+            <a:extLst>
+              <a:ext uri="{FF2B5EF4-FFF2-40B4-BE49-F238E27FC236}">
+                <a16:creationId xmlns:a16="http://schemas.microsoft.com/office/drawing/2014/main" id="{88EC98CB-3836-405B-97A1-2F3F3A00BFC1}"/>
+              </a:ext>
+            </a:extLst>
+          </p:cNvPr>
+          <p:cNvSpPr>
+            <a:spLocks noGrp="1"/>
+          </p:cNvSpPr>
+          <p:nvPr>
+            <p:ph idx="1"/>
+          </p:nvPr>
+        </p:nvSpPr>
+        <p:spPr>
+          <a:xfrm>
+            <a:off x="838200" y="2296800"/>
+            <a:ext cx="10515600" cy="3657601"/>
+          </a:xfrm>
+        </p:spPr>
+        <p:txBody>
+          <a:bodyPr>
+            <a:normAutofit/>
+          </a:bodyPr>
+          <a:lstStyle/>
+          <a:p>
+            <a:pPr>
+              <a:lnSpc>
+                <a:spcPct val="100000"/>
+              </a:lnSpc>
+              <a:spcAft>
+                <a:spcPts val="600"/>
+              </a:spcAft>
+              <a:buFont typeface="Wingdings" panose="05000000000000000000" pitchFamily="2" charset="2"/>
+              <a:buChar char="§"/>
+            </a:pPr>
+            <a:r>
+              <a:rPr lang="en-US" dirty="0">
+                <a:latin typeface="Helvetica LT Std" panose="020B0504020202020204" pitchFamily="34" charset="0"/>
+              </a:rPr>
+              <a:t>Most popular communication platforms are like Slack</a:t>
+            </a:r>
+          </a:p>
+          <a:p>
+            <a:pPr>
+              <a:lnSpc>
+                <a:spcPct val="100000"/>
+              </a:lnSpc>
+              <a:spcAft>
+                <a:spcPts val="600"/>
+              </a:spcAft>
+              <a:buFont typeface="Wingdings" panose="05000000000000000000" pitchFamily="2" charset="2"/>
+              <a:buChar char="§"/>
+            </a:pPr>
+            <a:r>
+              <a:rPr lang="en-US" dirty="0">
+                <a:latin typeface="Helvetica LT Std" panose="020B0504020202020204" pitchFamily="34" charset="0"/>
+              </a:rPr>
+              <a:t>Messages are decrypted on their servers, meaning they (and potentially hackers) have access to all your communication</a:t>
+            </a:r>
+          </a:p>
+          <a:p>
+            <a:pPr>
+              <a:lnSpc>
+                <a:spcPct val="100000"/>
+              </a:lnSpc>
+              <a:spcAft>
+                <a:spcPts val="600"/>
+              </a:spcAft>
+              <a:buFont typeface="Wingdings" panose="05000000000000000000" pitchFamily="2" charset="2"/>
+              <a:buChar char="§"/>
+            </a:pPr>
+            <a:r>
+              <a:rPr lang="en-US" b="1" dirty="0">
+                <a:latin typeface="Helvetica LT Std" panose="020B0504020202020204" pitchFamily="34" charset="0"/>
+              </a:rPr>
+              <a:t>Not “end-to-end” encrypted</a:t>
+            </a:r>
+          </a:p>
+        </p:txBody>
+      </p:sp>
+      <p:pic>
+        <p:nvPicPr>
+          <p:cNvPr id="10" name="Picture 9" descr="Logo, company name&#10;&#10;Description automatically generated">
+            <a:extLst>
+              <a:ext uri="{FF2B5EF4-FFF2-40B4-BE49-F238E27FC236}">
+                <a16:creationId xmlns:a16="http://schemas.microsoft.com/office/drawing/2014/main" id="{DA0E06DD-F6B9-49C9-91F6-15B632F7800A}"/>
+              </a:ext>
+            </a:extLst>
+          </p:cNvPr>
+          <p:cNvPicPr>
+            <a:picLocks noChangeAspect="1"/>
+          </p:cNvPicPr>
+          <p:nvPr/>
+        </p:nvPicPr>
+        <p:blipFill>
+          <a:blip r:embed="rId2">
+            <a:extLst>
+              <a:ext uri="{28A0092B-C50C-407E-A947-70E740481C1C}">
+                <a14:useLocalDpi xmlns:a14="http://schemas.microsoft.com/office/drawing/2010/main" val="0"/>
+              </a:ext>
+            </a:extLst>
+          </a:blip>
+          <a:stretch>
+            <a:fillRect/>
+          </a:stretch>
+        </p:blipFill>
+        <p:spPr>
+          <a:xfrm>
+            <a:off x="5150276" y="294740"/>
+            <a:ext cx="3871007" cy="1316142"/>
+          </a:xfrm>
+          <a:prstGeom prst="rect">
+            <a:avLst/>
+          </a:prstGeom>
+        </p:spPr>
+      </p:pic>
+      <p:pic>
+        <p:nvPicPr>
+          <p:cNvPr id="13" name="Picture 12" descr="A picture containing clock&#10;&#10;Description automatically generated">
+            <a:extLst>
+              <a:ext uri="{FF2B5EF4-FFF2-40B4-BE49-F238E27FC236}">
+                <a16:creationId xmlns:a16="http://schemas.microsoft.com/office/drawing/2014/main" id="{94249118-DC44-4261-8683-87943A7BECB1}"/>
+              </a:ext>
+            </a:extLst>
+          </p:cNvPr>
+          <p:cNvPicPr>
+            <a:picLocks noChangeAspect="1"/>
+          </p:cNvPicPr>
+          <p:nvPr/>
+        </p:nvPicPr>
+        <p:blipFill>
+          <a:blip r:embed="rId3">
+            <a:extLst>
+              <a:ext uri="{28A0092B-C50C-407E-A947-70E740481C1C}">
+                <a14:useLocalDpi xmlns:a14="http://schemas.microsoft.com/office/drawing/2010/main" val="0"/>
+              </a:ext>
+            </a:extLst>
+          </a:blip>
+          <a:stretch>
+            <a:fillRect/>
+          </a:stretch>
+        </p:blipFill>
+        <p:spPr>
+          <a:xfrm>
+            <a:off x="389000" y="32726"/>
+            <a:ext cx="4254319" cy="1741745"/>
+          </a:xfrm>
+          <a:prstGeom prst="rect">
+            <a:avLst/>
+          </a:prstGeom>
+        </p:spPr>
+      </p:pic>
+      <p:pic>
+        <p:nvPicPr>
+          <p:cNvPr id="18" name="Picture 17">
+            <a:extLst>
+              <a:ext uri="{FF2B5EF4-FFF2-40B4-BE49-F238E27FC236}">
+                <a16:creationId xmlns:a16="http://schemas.microsoft.com/office/drawing/2014/main" id="{E06C87A8-B618-4DC1-8B0A-440252337F8F}"/>
+              </a:ext>
+            </a:extLst>
+          </p:cNvPr>
+          <p:cNvPicPr>
+            <a:picLocks noChangeAspect="1"/>
+          </p:cNvPicPr>
+          <p:nvPr/>
+        </p:nvPicPr>
+        <p:blipFill>
+          <a:blip r:embed="rId4">
+            <a:extLst>
+              <a:ext uri="{28A0092B-C50C-407E-A947-70E740481C1C}">
+                <a14:useLocalDpi xmlns:a14="http://schemas.microsoft.com/office/drawing/2010/main" val="0"/>
+              </a:ext>
+            </a:extLst>
+          </a:blip>
+          <a:stretch>
+            <a:fillRect/>
+          </a:stretch>
+        </p:blipFill>
+        <p:spPr>
+          <a:xfrm>
+            <a:off x="9845040" y="196314"/>
+            <a:ext cx="1414568" cy="1414568"/>
+          </a:xfrm>
+          <a:prstGeom prst="rect">
+            <a:avLst/>
+          </a:prstGeom>
+        </p:spPr>
+      </p:pic>
+      <p:sp>
+        <p:nvSpPr>
+          <p:cNvPr id="19" name="Slide Number Placeholder 18">
+            <a:extLst>
+              <a:ext uri="{FF2B5EF4-FFF2-40B4-BE49-F238E27FC236}">
+                <a16:creationId xmlns:a16="http://schemas.microsoft.com/office/drawing/2014/main" id="{C67A461C-720F-4882-81E5-881753E905EE}"/>
+              </a:ext>
+            </a:extLst>
+          </p:cNvPr>
+          <p:cNvSpPr>
+            <a:spLocks noGrp="1"/>
+          </p:cNvSpPr>
+          <p:nvPr>
+            <p:ph type="sldNum" sz="quarter" idx="12"/>
+          </p:nvPr>
+        </p:nvSpPr>
+        <p:spPr/>
+        <p:txBody>
+          <a:bodyPr/>
+          <a:lstStyle/>
+          <a:p>
+            <a:fld id="{44D9B3EF-9489-4381-ACF1-79879AB05C89}" type="slidenum">
+              <a:rPr lang="en-US" smtClean="0"/>
+              <a:t>25</a:t>
+            </a:fld>
+            <a:endParaRPr lang="en-US"/>
+          </a:p>
+        </p:txBody>
+      </p:sp>
+    </p:spTree>
+    <p:extLst>
+      <p:ext uri="{BB962C8B-B14F-4D97-AF65-F5344CB8AC3E}">
+        <p14:creationId xmlns:p14="http://schemas.microsoft.com/office/powerpoint/2010/main" val="1963223395"/>
+      </p:ext>
+    </p:extLst>
+  </p:cSld>
+  <p:clrMapOvr>
+    <a:masterClrMapping/>
+  </p:clrMapOvr>
+</p:sld>
+</file>
+
+<file path=ppt/slides/slide26.xml><?xml version="1.0" encoding="utf-8"?>
+<p:sld xmlns:a="http://schemas.openxmlformats.org/drawingml/2006/main" xmlns:r="http://schemas.openxmlformats.org/officeDocument/2006/relationships" xmlns:p="http://schemas.openxmlformats.org/presentationml/2006/main">
+  <p:cSld>
+    <p:spTree>
+      <p:nvGrpSpPr>
+        <p:cNvPr id="1" name=""/>
+        <p:cNvGrpSpPr/>
+        <p:nvPr/>
+      </p:nvGrpSpPr>
+      <p:grpSpPr>
+        <a:xfrm>
+          <a:off x="0" y="0"/>
+          <a:ext cx="0" cy="0"/>
+          <a:chOff x="0" y="0"/>
+          <a:chExt cx="0" cy="0"/>
+        </a:xfrm>
+      </p:grpSpPr>
+      <p:sp>
+        <p:nvSpPr>
+          <p:cNvPr id="3" name="Content Placeholder 2">
+            <a:extLst>
+              <a:ext uri="{FF2B5EF4-FFF2-40B4-BE49-F238E27FC236}">
+                <a16:creationId xmlns:a16="http://schemas.microsoft.com/office/drawing/2014/main" id="{CD53083B-5D35-41A2-B04A-E979F3B185CB}"/>
+              </a:ext>
+            </a:extLst>
+          </p:cNvPr>
+          <p:cNvSpPr>
+            <a:spLocks noGrp="1"/>
+          </p:cNvSpPr>
+          <p:nvPr>
+            <p:ph idx="1"/>
+          </p:nvPr>
+        </p:nvSpPr>
+        <p:spPr>
+          <a:xfrm>
+            <a:off x="838200" y="1825624"/>
+            <a:ext cx="10515600" cy="4727575"/>
+          </a:xfrm>
+        </p:spPr>
+        <p:txBody>
+          <a:bodyPr>
+            <a:normAutofit fontScale="77500" lnSpcReduction="20000"/>
+          </a:bodyPr>
+          <a:lstStyle/>
+          <a:p>
+            <a:pPr>
+              <a:lnSpc>
+                <a:spcPct val="110000"/>
+              </a:lnSpc>
+              <a:buFont typeface="Wingdings" panose="05000000000000000000" pitchFamily="2" charset="2"/>
+              <a:buChar char="§"/>
+            </a:pPr>
+            <a:r>
+              <a:rPr lang="en-US" dirty="0" err="1">
+                <a:latin typeface="Helvetica LT Std" panose="020B0504020202020204" pitchFamily="34" charset="0"/>
+              </a:rPr>
+              <a:t>Mattermost</a:t>
+            </a:r>
+            <a:r>
+              <a:rPr lang="en-US" dirty="0">
+                <a:latin typeface="Helvetica LT Std" panose="020B0504020202020204" pitchFamily="34" charset="0"/>
+              </a:rPr>
+              <a:t> is a self-hosted alternative to Slack</a:t>
+            </a:r>
+          </a:p>
+          <a:p>
+            <a:pPr>
+              <a:lnSpc>
+                <a:spcPct val="110000"/>
+              </a:lnSpc>
+              <a:buFont typeface="Wingdings" panose="05000000000000000000" pitchFamily="2" charset="2"/>
+              <a:buChar char="§"/>
+            </a:pPr>
+            <a:r>
+              <a:rPr lang="en-US" dirty="0">
+                <a:latin typeface="Helvetica LT Std" panose="020B0504020202020204" pitchFamily="34" charset="0"/>
+              </a:rPr>
+              <a:t>Self-hosted means that you control the computer in the middle by running the </a:t>
+            </a:r>
+            <a:r>
+              <a:rPr lang="en-US" dirty="0" err="1">
+                <a:latin typeface="Helvetica LT Std" panose="020B0504020202020204" pitchFamily="34" charset="0"/>
+              </a:rPr>
+              <a:t>Mattermost</a:t>
+            </a:r>
+            <a:r>
+              <a:rPr lang="en-US" dirty="0">
+                <a:latin typeface="Helvetica LT Std" panose="020B0504020202020204" pitchFamily="34" charset="0"/>
+              </a:rPr>
+              <a:t> server yourself</a:t>
+            </a:r>
+          </a:p>
+          <a:p>
+            <a:pPr>
+              <a:lnSpc>
+                <a:spcPct val="110000"/>
+              </a:lnSpc>
+              <a:buFont typeface="Wingdings" panose="05000000000000000000" pitchFamily="2" charset="2"/>
+              <a:buChar char="§"/>
+            </a:pPr>
+            <a:endParaRPr lang="en-US" dirty="0">
+              <a:latin typeface="Helvetica LT Std" panose="020B0504020202020204" pitchFamily="34" charset="0"/>
+            </a:endParaRPr>
+          </a:p>
+          <a:p>
+            <a:pPr>
+              <a:lnSpc>
+                <a:spcPct val="110000"/>
+              </a:lnSpc>
+              <a:buFont typeface="Wingdings" panose="05000000000000000000" pitchFamily="2" charset="2"/>
+              <a:buChar char="§"/>
+            </a:pPr>
+            <a:endParaRPr lang="en-US" dirty="0">
+              <a:latin typeface="Helvetica LT Std" panose="020B0504020202020204" pitchFamily="34" charset="0"/>
+            </a:endParaRPr>
+          </a:p>
+          <a:p>
+            <a:pPr>
+              <a:lnSpc>
+                <a:spcPct val="110000"/>
+              </a:lnSpc>
+              <a:buFont typeface="Wingdings" panose="05000000000000000000" pitchFamily="2" charset="2"/>
+              <a:buChar char="§"/>
+            </a:pPr>
+            <a:endParaRPr lang="en-US" dirty="0">
+              <a:latin typeface="Helvetica LT Std" panose="020B0504020202020204" pitchFamily="34" charset="0"/>
+            </a:endParaRPr>
+          </a:p>
+          <a:p>
+            <a:pPr>
+              <a:lnSpc>
+                <a:spcPct val="110000"/>
+              </a:lnSpc>
+              <a:buFont typeface="Wingdings" panose="05000000000000000000" pitchFamily="2" charset="2"/>
+              <a:buChar char="§"/>
+            </a:pPr>
+            <a:endParaRPr lang="en-US" dirty="0">
+              <a:latin typeface="Helvetica LT Std" panose="020B0504020202020204" pitchFamily="34" charset="0"/>
+            </a:endParaRPr>
+          </a:p>
+          <a:p>
+            <a:pPr>
+              <a:lnSpc>
+                <a:spcPct val="110000"/>
+              </a:lnSpc>
+              <a:buFont typeface="Wingdings" panose="05000000000000000000" pitchFamily="2" charset="2"/>
+              <a:buChar char="§"/>
+            </a:pPr>
+            <a:endParaRPr lang="en-US" dirty="0">
+              <a:latin typeface="Helvetica LT Std" panose="020B0504020202020204" pitchFamily="34" charset="0"/>
+            </a:endParaRPr>
+          </a:p>
+          <a:p>
+            <a:pPr>
+              <a:lnSpc>
+                <a:spcPct val="110000"/>
+              </a:lnSpc>
+              <a:buFont typeface="Wingdings" panose="05000000000000000000" pitchFamily="2" charset="2"/>
+              <a:buChar char="§"/>
+            </a:pPr>
+            <a:r>
+              <a:rPr lang="en-US" dirty="0">
+                <a:latin typeface="Helvetica LT Std" panose="020B0504020202020204" pitchFamily="34" charset="0"/>
+              </a:rPr>
+              <a:t>More secure than Slack if you trust yourself (or someone else) to securely operate the </a:t>
+            </a:r>
+            <a:r>
+              <a:rPr lang="en-US" dirty="0" err="1">
+                <a:latin typeface="Helvetica LT Std" panose="020B0504020202020204" pitchFamily="34" charset="0"/>
+              </a:rPr>
+              <a:t>Mattermost</a:t>
+            </a:r>
+            <a:r>
+              <a:rPr lang="en-US" dirty="0">
+                <a:latin typeface="Helvetica LT Std" panose="020B0504020202020204" pitchFamily="34" charset="0"/>
+              </a:rPr>
+              <a:t> server</a:t>
+            </a:r>
+          </a:p>
+          <a:p>
+            <a:pPr>
+              <a:lnSpc>
+                <a:spcPct val="110000"/>
+              </a:lnSpc>
+              <a:buFont typeface="Wingdings" panose="05000000000000000000" pitchFamily="2" charset="2"/>
+              <a:buChar char="§"/>
+            </a:pPr>
+            <a:r>
+              <a:rPr lang="en-US" dirty="0">
+                <a:latin typeface="Helvetica LT Std" panose="020B0504020202020204" pitchFamily="34" charset="0"/>
+              </a:rPr>
+              <a:t>But still not end-to-end encrypted…</a:t>
+            </a:r>
+          </a:p>
+        </p:txBody>
+      </p:sp>
+      <p:pic>
+        <p:nvPicPr>
+          <p:cNvPr id="9" name="Picture 8" descr="A picture containing logo&#10;&#10;Description automatically generated">
+            <a:extLst>
+              <a:ext uri="{FF2B5EF4-FFF2-40B4-BE49-F238E27FC236}">
+                <a16:creationId xmlns:a16="http://schemas.microsoft.com/office/drawing/2014/main" id="{11DC5A9F-0615-48EF-B5A2-13189C1C5156}"/>
+              </a:ext>
+            </a:extLst>
+          </p:cNvPr>
+          <p:cNvPicPr>
+            <a:picLocks noChangeAspect="1"/>
+          </p:cNvPicPr>
+          <p:nvPr/>
+        </p:nvPicPr>
+        <p:blipFill>
+          <a:blip r:embed="rId2">
+            <a:extLst>
+              <a:ext uri="{28A0092B-C50C-407E-A947-70E740481C1C}">
+                <a14:useLocalDpi xmlns:a14="http://schemas.microsoft.com/office/drawing/2010/main" val="0"/>
+              </a:ext>
+            </a:extLst>
+          </a:blip>
+          <a:stretch>
+            <a:fillRect/>
+          </a:stretch>
+        </p:blipFill>
+        <p:spPr>
+          <a:xfrm>
+            <a:off x="630464" y="304801"/>
+            <a:ext cx="6564370" cy="1082039"/>
+          </a:xfrm>
+          <a:prstGeom prst="rect">
+            <a:avLst/>
+          </a:prstGeom>
+        </p:spPr>
+      </p:pic>
+      <p:pic>
+        <p:nvPicPr>
+          <p:cNvPr id="11" name="Picture 10" descr="Text, table&#10;&#10;Description automatically generated">
+            <a:extLst>
+              <a:ext uri="{FF2B5EF4-FFF2-40B4-BE49-F238E27FC236}">
+                <a16:creationId xmlns:a16="http://schemas.microsoft.com/office/drawing/2014/main" id="{6288F937-3D39-4C88-B02A-0916118DB50A}"/>
+              </a:ext>
+            </a:extLst>
+          </p:cNvPr>
+          <p:cNvPicPr>
+            <a:picLocks noChangeAspect="1"/>
+          </p:cNvPicPr>
+          <p:nvPr/>
+        </p:nvPicPr>
+        <p:blipFill>
+          <a:blip r:embed="rId3">
+            <a:extLst>
+              <a:ext uri="{28A0092B-C50C-407E-A947-70E740481C1C}">
+                <a14:useLocalDpi xmlns:a14="http://schemas.microsoft.com/office/drawing/2010/main" val="0"/>
+              </a:ext>
+            </a:extLst>
+          </a:blip>
+          <a:stretch>
+            <a:fillRect/>
+          </a:stretch>
+        </p:blipFill>
+        <p:spPr>
+          <a:xfrm>
+            <a:off x="439959" y="3071170"/>
+            <a:ext cx="11312082" cy="1900430"/>
+          </a:xfrm>
+          <a:prstGeom prst="rect">
+            <a:avLst/>
+          </a:prstGeom>
+        </p:spPr>
+      </p:pic>
+      <p:sp>
+        <p:nvSpPr>
+          <p:cNvPr id="12" name="Slide Number Placeholder 11">
+            <a:extLst>
+              <a:ext uri="{FF2B5EF4-FFF2-40B4-BE49-F238E27FC236}">
+                <a16:creationId xmlns:a16="http://schemas.microsoft.com/office/drawing/2014/main" id="{362BB906-4962-4332-AD34-B2A3CA8336C1}"/>
+              </a:ext>
+            </a:extLst>
+          </p:cNvPr>
+          <p:cNvSpPr>
+            <a:spLocks noGrp="1"/>
+          </p:cNvSpPr>
+          <p:nvPr>
+            <p:ph type="sldNum" sz="quarter" idx="12"/>
+          </p:nvPr>
+        </p:nvSpPr>
+        <p:spPr/>
+        <p:txBody>
+          <a:bodyPr/>
+          <a:lstStyle/>
+          <a:p>
+            <a:fld id="{44D9B3EF-9489-4381-ACF1-79879AB05C89}" type="slidenum">
+              <a:rPr lang="en-US" smtClean="0"/>
+              <a:t>26</a:t>
+            </a:fld>
+            <a:endParaRPr lang="en-US"/>
+          </a:p>
+        </p:txBody>
+      </p:sp>
+    </p:spTree>
+    <p:extLst>
+      <p:ext uri="{BB962C8B-B14F-4D97-AF65-F5344CB8AC3E}">
+        <p14:creationId xmlns:p14="http://schemas.microsoft.com/office/powerpoint/2010/main" val="801514787"/>
+      </p:ext>
+    </p:extLst>
+  </p:cSld>
+  <p:clrMapOvr>
+    <a:masterClrMapping/>
+  </p:clrMapOvr>
+</p:sld>
+</file>
+
+<file path=ppt/slides/slide27.xml><?xml version="1.0" encoding="utf-8"?>
+<p:sld xmlns:a="http://schemas.openxmlformats.org/drawingml/2006/main" xmlns:r="http://schemas.openxmlformats.org/officeDocument/2006/relationships" xmlns:p="http://schemas.openxmlformats.org/presentationml/2006/main">
+  <p:cSld>
+    <p:spTree>
+      <p:nvGrpSpPr>
+        <p:cNvPr id="1" name=""/>
+        <p:cNvGrpSpPr/>
+        <p:nvPr/>
+      </p:nvGrpSpPr>
+      <p:grpSpPr>
+        <a:xfrm>
+          <a:off x="0" y="0"/>
+          <a:ext cx="0" cy="0"/>
+          <a:chOff x="0" y="0"/>
+          <a:chExt cx="0" cy="0"/>
+        </a:xfrm>
+      </p:grpSpPr>
+      <p:sp>
+        <p:nvSpPr>
+          <p:cNvPr id="3" name="Content Placeholder 2">
+            <a:extLst>
+              <a:ext uri="{FF2B5EF4-FFF2-40B4-BE49-F238E27FC236}">
+                <a16:creationId xmlns:a16="http://schemas.microsoft.com/office/drawing/2014/main" id="{FB929373-C03A-4034-BA66-90CF62B6B8EF}"/>
+              </a:ext>
+            </a:extLst>
+          </p:cNvPr>
+          <p:cNvSpPr>
+            <a:spLocks noGrp="1"/>
+          </p:cNvSpPr>
+          <p:nvPr>
+            <p:ph idx="1"/>
+          </p:nvPr>
+        </p:nvSpPr>
+        <p:spPr/>
+        <p:txBody>
+          <a:bodyPr/>
+          <a:lstStyle/>
+          <a:p>
+            <a:pPr>
+              <a:buFont typeface="Wingdings" panose="05000000000000000000" pitchFamily="2" charset="2"/>
+              <a:buChar char="§"/>
+            </a:pPr>
+            <a:r>
+              <a:rPr lang="en-US" dirty="0">
+                <a:latin typeface="Helvetica LT Std" panose="020B0504020202020204" pitchFamily="34" charset="0"/>
+              </a:rPr>
+              <a:t>Signal, unlike the other platforms describe so far, is actually end-to-end encrypted</a:t>
+            </a:r>
+          </a:p>
+          <a:p>
+            <a:pPr>
+              <a:buFont typeface="Wingdings" panose="05000000000000000000" pitchFamily="2" charset="2"/>
+              <a:buChar char="§"/>
+            </a:pPr>
+            <a:endParaRPr lang="en-US" dirty="0">
+              <a:latin typeface="Helvetica LT Std" panose="020B0504020202020204" pitchFamily="34" charset="0"/>
+            </a:endParaRPr>
+          </a:p>
+          <a:p>
+            <a:pPr>
+              <a:buFont typeface="Wingdings" panose="05000000000000000000" pitchFamily="2" charset="2"/>
+              <a:buChar char="§"/>
+            </a:pPr>
+            <a:endParaRPr lang="en-US" dirty="0">
+              <a:latin typeface="Helvetica LT Std" panose="020B0504020202020204" pitchFamily="34" charset="0"/>
+            </a:endParaRPr>
+          </a:p>
+          <a:p>
+            <a:pPr>
+              <a:buFont typeface="Wingdings" panose="05000000000000000000" pitchFamily="2" charset="2"/>
+              <a:buChar char="§"/>
+            </a:pPr>
+            <a:endParaRPr lang="en-US" dirty="0">
+              <a:latin typeface="Helvetica LT Std" panose="020B0504020202020204" pitchFamily="34" charset="0"/>
+            </a:endParaRPr>
+          </a:p>
+          <a:p>
+            <a:pPr>
+              <a:buFont typeface="Wingdings" panose="05000000000000000000" pitchFamily="2" charset="2"/>
+              <a:buChar char="§"/>
+            </a:pPr>
+            <a:endParaRPr lang="en-US" dirty="0">
+              <a:latin typeface="Helvetica LT Std" panose="020B0504020202020204" pitchFamily="34" charset="0"/>
+            </a:endParaRPr>
+          </a:p>
+          <a:p>
+            <a:pPr>
+              <a:buFont typeface="Wingdings" panose="05000000000000000000" pitchFamily="2" charset="2"/>
+              <a:buChar char="§"/>
+            </a:pPr>
+            <a:endParaRPr lang="en-US" dirty="0">
+              <a:latin typeface="Helvetica LT Std" panose="020B0504020202020204" pitchFamily="34" charset="0"/>
+            </a:endParaRPr>
+          </a:p>
+          <a:p>
+            <a:pPr>
+              <a:buFont typeface="Wingdings" panose="05000000000000000000" pitchFamily="2" charset="2"/>
+              <a:buChar char="§"/>
+            </a:pPr>
+            <a:r>
+              <a:rPr lang="en-US" dirty="0">
+                <a:latin typeface="Helvetica LT Std" panose="020B0504020202020204" pitchFamily="34" charset="0"/>
+              </a:rPr>
+              <a:t>Messages sent to a user can only be read by that user because Signal uses asymmetric key encryption</a:t>
+            </a:r>
+          </a:p>
+        </p:txBody>
+      </p:sp>
+      <p:pic>
+        <p:nvPicPr>
+          <p:cNvPr id="5" name="Picture 4" descr="Logo&#10;&#10;Description automatically generated">
+            <a:extLst>
+              <a:ext uri="{FF2B5EF4-FFF2-40B4-BE49-F238E27FC236}">
+                <a16:creationId xmlns:a16="http://schemas.microsoft.com/office/drawing/2014/main" id="{2C11ECBC-BE9D-46AF-8BF6-A39129C86349}"/>
+              </a:ext>
+            </a:extLst>
+          </p:cNvPr>
+          <p:cNvPicPr>
+            <a:picLocks noChangeAspect="1"/>
+          </p:cNvPicPr>
+          <p:nvPr/>
+        </p:nvPicPr>
+        <p:blipFill>
+          <a:blip r:embed="rId2">
+            <a:extLst>
+              <a:ext uri="{28A0092B-C50C-407E-A947-70E740481C1C}">
+                <a14:useLocalDpi xmlns:a14="http://schemas.microsoft.com/office/drawing/2010/main" val="0"/>
+              </a:ext>
+            </a:extLst>
+          </a:blip>
+          <a:stretch>
+            <a:fillRect/>
+          </a:stretch>
+        </p:blipFill>
+        <p:spPr>
+          <a:xfrm>
+            <a:off x="838200" y="314008"/>
+            <a:ext cx="3756654" cy="1252218"/>
+          </a:xfrm>
+          <a:prstGeom prst="rect">
+            <a:avLst/>
+          </a:prstGeom>
+        </p:spPr>
+      </p:pic>
+      <p:pic>
+        <p:nvPicPr>
+          <p:cNvPr id="9" name="Picture 8" descr="Text&#10;&#10;Description automatically generated">
+            <a:extLst>
+              <a:ext uri="{FF2B5EF4-FFF2-40B4-BE49-F238E27FC236}">
+                <a16:creationId xmlns:a16="http://schemas.microsoft.com/office/drawing/2014/main" id="{FFAC27E6-5EDD-4BA7-9E13-BE3DAC387EAD}"/>
+              </a:ext>
+            </a:extLst>
+          </p:cNvPr>
+          <p:cNvPicPr>
+            <a:picLocks noChangeAspect="1"/>
+          </p:cNvPicPr>
+          <p:nvPr/>
+        </p:nvPicPr>
+        <p:blipFill>
+          <a:blip r:embed="rId3">
+            <a:extLst>
+              <a:ext uri="{28A0092B-C50C-407E-A947-70E740481C1C}">
+                <a14:useLocalDpi xmlns:a14="http://schemas.microsoft.com/office/drawing/2010/main" val="0"/>
+              </a:ext>
+            </a:extLst>
+          </a:blip>
+          <a:stretch>
+            <a:fillRect/>
+          </a:stretch>
+        </p:blipFill>
+        <p:spPr>
+          <a:xfrm>
+            <a:off x="342169" y="2848354"/>
+            <a:ext cx="11507662" cy="2104646"/>
+          </a:xfrm>
+          <a:prstGeom prst="rect">
+            <a:avLst/>
+          </a:prstGeom>
+        </p:spPr>
+      </p:pic>
+      <p:sp>
+        <p:nvSpPr>
+          <p:cNvPr id="10" name="Slide Number Placeholder 9">
+            <a:extLst>
+              <a:ext uri="{FF2B5EF4-FFF2-40B4-BE49-F238E27FC236}">
+                <a16:creationId xmlns:a16="http://schemas.microsoft.com/office/drawing/2014/main" id="{ED9AC221-DB49-4102-BD97-4D8C44EA790F}"/>
+              </a:ext>
+            </a:extLst>
+          </p:cNvPr>
+          <p:cNvSpPr>
+            <a:spLocks noGrp="1"/>
+          </p:cNvSpPr>
+          <p:nvPr>
+            <p:ph type="sldNum" sz="quarter" idx="12"/>
+          </p:nvPr>
+        </p:nvSpPr>
+        <p:spPr/>
+        <p:txBody>
+          <a:bodyPr/>
+          <a:lstStyle/>
+          <a:p>
+            <a:fld id="{44D9B3EF-9489-4381-ACF1-79879AB05C89}" type="slidenum">
+              <a:rPr lang="en-US" smtClean="0"/>
+              <a:t>27</a:t>
+            </a:fld>
+            <a:endParaRPr lang="en-US"/>
+          </a:p>
+        </p:txBody>
+      </p:sp>
+    </p:spTree>
+    <p:extLst>
+      <p:ext uri="{BB962C8B-B14F-4D97-AF65-F5344CB8AC3E}">
+        <p14:creationId xmlns:p14="http://schemas.microsoft.com/office/powerpoint/2010/main" val="773590031"/>
+      </p:ext>
+    </p:extLst>
+  </p:cSld>
+  <p:clrMapOvr>
+    <a:masterClrMapping/>
+  </p:clrMapOvr>
+</p:sld>
+</file>
+
+<file path=ppt/slides/slide28.xml><?xml version="1.0" encoding="utf-8"?>
+<p:sld xmlns:a="http://schemas.openxmlformats.org/drawingml/2006/main" xmlns:r="http://schemas.openxmlformats.org/officeDocument/2006/relationships" xmlns:p="http://schemas.openxmlformats.org/presentationml/2006/main">
+  <p:cSld>
+    <p:spTree>
+      <p:nvGrpSpPr>
+        <p:cNvPr id="1" name=""/>
+        <p:cNvGrpSpPr/>
+        <p:nvPr/>
+      </p:nvGrpSpPr>
+      <p:grpSpPr>
+        <a:xfrm>
+          <a:off x="0" y="0"/>
+          <a:ext cx="0" cy="0"/>
+          <a:chOff x="0" y="0"/>
+          <a:chExt cx="0" cy="0"/>
+        </a:xfrm>
+      </p:grpSpPr>
+      <p:sp>
+        <p:nvSpPr>
+          <p:cNvPr id="3" name="Content Placeholder 2">
+            <a:extLst>
+              <a:ext uri="{FF2B5EF4-FFF2-40B4-BE49-F238E27FC236}">
+                <a16:creationId xmlns:a16="http://schemas.microsoft.com/office/drawing/2014/main" id="{FB929373-C03A-4034-BA66-90CF62B6B8EF}"/>
+              </a:ext>
+            </a:extLst>
+          </p:cNvPr>
+          <p:cNvSpPr>
+            <a:spLocks noGrp="1"/>
+          </p:cNvSpPr>
+          <p:nvPr>
+            <p:ph idx="1"/>
+          </p:nvPr>
+        </p:nvSpPr>
+        <p:spPr/>
+        <p:txBody>
+          <a:bodyPr/>
+          <a:lstStyle/>
+          <a:p>
+            <a:pPr marL="0" indent="0">
+              <a:lnSpc>
+                <a:spcPct val="100000"/>
+              </a:lnSpc>
+              <a:spcAft>
+                <a:spcPts val="600"/>
+              </a:spcAft>
+              <a:buNone/>
+            </a:pPr>
+            <a:r>
+              <a:rPr lang="en-US" dirty="0">
+                <a:latin typeface="Helvetica LT Std" panose="020B0504020202020204" pitchFamily="34" charset="0"/>
+              </a:rPr>
+              <a:t>But why should we trust them? Couldn’t they just be pretending to implement end-to-end encryption?</a:t>
+            </a:r>
+          </a:p>
+          <a:p>
+            <a:pPr>
+              <a:lnSpc>
+                <a:spcPct val="100000"/>
+              </a:lnSpc>
+              <a:spcAft>
+                <a:spcPts val="600"/>
+              </a:spcAft>
+              <a:buFont typeface="Wingdings" panose="05000000000000000000" pitchFamily="2" charset="2"/>
+              <a:buChar char="§"/>
+            </a:pPr>
+            <a:r>
+              <a:rPr lang="en-US" dirty="0">
+                <a:latin typeface="Helvetica LT Std" panose="020B0504020202020204" pitchFamily="34" charset="0"/>
+              </a:rPr>
+              <a:t>All code is open source</a:t>
+            </a:r>
+            <a:r>
+              <a:rPr lang="en-US" baseline="30000" dirty="0">
+                <a:latin typeface="Helvetica LT Std" panose="020B0504020202020204" pitchFamily="34" charset="0"/>
+              </a:rPr>
+              <a:t>1</a:t>
+            </a:r>
+            <a:endParaRPr lang="en-US" dirty="0">
+              <a:latin typeface="Helvetica LT Std" panose="020B0504020202020204" pitchFamily="34" charset="0"/>
+            </a:endParaRPr>
+          </a:p>
+          <a:p>
+            <a:pPr>
+              <a:lnSpc>
+                <a:spcPct val="100000"/>
+              </a:lnSpc>
+              <a:spcAft>
+                <a:spcPts val="600"/>
+              </a:spcAft>
+              <a:buFont typeface="Wingdings" panose="05000000000000000000" pitchFamily="2" charset="2"/>
+              <a:buChar char="§"/>
+            </a:pPr>
+            <a:r>
+              <a:rPr lang="en-US" dirty="0">
+                <a:latin typeface="Helvetica LT Std" panose="020B0504020202020204" pitchFamily="34" charset="0"/>
+              </a:rPr>
+              <a:t>All security algorithms are documented and public</a:t>
+            </a:r>
+            <a:r>
+              <a:rPr lang="en-US" baseline="30000" dirty="0">
+                <a:latin typeface="Helvetica LT Std" panose="020B0504020202020204" pitchFamily="34" charset="0"/>
+              </a:rPr>
+              <a:t>2</a:t>
+            </a:r>
+          </a:p>
+          <a:p>
+            <a:pPr>
+              <a:lnSpc>
+                <a:spcPct val="100000"/>
+              </a:lnSpc>
+              <a:spcAft>
+                <a:spcPts val="600"/>
+              </a:spcAft>
+              <a:buFont typeface="Wingdings" panose="05000000000000000000" pitchFamily="2" charset="2"/>
+              <a:buChar char="§"/>
+            </a:pPr>
+            <a:r>
+              <a:rPr lang="en-US" dirty="0">
+                <a:latin typeface="Helvetica LT Std" panose="020B0504020202020204" pitchFamily="34" charset="0"/>
+              </a:rPr>
+              <a:t>The code is constantly audited by information security experts</a:t>
+            </a:r>
+            <a:r>
+              <a:rPr lang="en-US" baseline="30000" dirty="0">
+                <a:latin typeface="Helvetica LT Std" panose="020B0504020202020204" pitchFamily="34" charset="0"/>
+              </a:rPr>
+              <a:t>3</a:t>
+            </a:r>
+            <a:endParaRPr lang="en-US" dirty="0">
+              <a:latin typeface="Helvetica LT Std" panose="020B0504020202020204" pitchFamily="34" charset="0"/>
+            </a:endParaRPr>
+          </a:p>
+        </p:txBody>
+      </p:sp>
+      <p:pic>
+        <p:nvPicPr>
+          <p:cNvPr id="5" name="Picture 4" descr="Logo&#10;&#10;Description automatically generated">
+            <a:extLst>
+              <a:ext uri="{FF2B5EF4-FFF2-40B4-BE49-F238E27FC236}">
+                <a16:creationId xmlns:a16="http://schemas.microsoft.com/office/drawing/2014/main" id="{2C11ECBC-BE9D-46AF-8BF6-A39129C86349}"/>
+              </a:ext>
+            </a:extLst>
+          </p:cNvPr>
+          <p:cNvPicPr>
+            <a:picLocks noChangeAspect="1"/>
+          </p:cNvPicPr>
+          <p:nvPr/>
+        </p:nvPicPr>
+        <p:blipFill>
+          <a:blip r:embed="rId2">
+            <a:extLst>
+              <a:ext uri="{28A0092B-C50C-407E-A947-70E740481C1C}">
+                <a14:useLocalDpi xmlns:a14="http://schemas.microsoft.com/office/drawing/2010/main" val="0"/>
+              </a:ext>
+            </a:extLst>
+          </a:blip>
+          <a:stretch>
+            <a:fillRect/>
+          </a:stretch>
+        </p:blipFill>
+        <p:spPr>
+          <a:xfrm>
+            <a:off x="838200" y="314008"/>
+            <a:ext cx="3756654" cy="1252218"/>
+          </a:xfrm>
+          <a:prstGeom prst="rect">
+            <a:avLst/>
+          </a:prstGeom>
+        </p:spPr>
+      </p:pic>
+      <p:sp>
+        <p:nvSpPr>
+          <p:cNvPr id="4" name="Slide Number Placeholder 3">
+            <a:extLst>
+              <a:ext uri="{FF2B5EF4-FFF2-40B4-BE49-F238E27FC236}">
+                <a16:creationId xmlns:a16="http://schemas.microsoft.com/office/drawing/2014/main" id="{F5A8A008-BEEA-4B4D-B5BD-56D5A5534909}"/>
+              </a:ext>
+            </a:extLst>
+          </p:cNvPr>
+          <p:cNvSpPr>
+            <a:spLocks noGrp="1"/>
+          </p:cNvSpPr>
+          <p:nvPr>
+            <p:ph type="sldNum" sz="quarter" idx="12"/>
+          </p:nvPr>
+        </p:nvSpPr>
+        <p:spPr/>
+        <p:txBody>
+          <a:bodyPr/>
+          <a:lstStyle/>
+          <a:p>
+            <a:fld id="{44D9B3EF-9489-4381-ACF1-79879AB05C89}" type="slidenum">
+              <a:rPr lang="en-US" smtClean="0"/>
+              <a:t>28</a:t>
+            </a:fld>
+            <a:endParaRPr lang="en-US"/>
+          </a:p>
+        </p:txBody>
+      </p:sp>
+      <p:sp>
+        <p:nvSpPr>
+          <p:cNvPr id="6" name="Footer Placeholder 5">
+            <a:extLst>
+              <a:ext uri="{FF2B5EF4-FFF2-40B4-BE49-F238E27FC236}">
+                <a16:creationId xmlns:a16="http://schemas.microsoft.com/office/drawing/2014/main" id="{36A57968-CB89-4621-9BB6-5DDF0A80BFF6}"/>
+              </a:ext>
+            </a:extLst>
+          </p:cNvPr>
+          <p:cNvSpPr>
+            <a:spLocks noGrp="1"/>
+          </p:cNvSpPr>
+          <p:nvPr>
+            <p:ph type="ftr" sz="quarter" idx="11"/>
+          </p:nvPr>
+        </p:nvSpPr>
+        <p:spPr>
+          <a:xfrm>
+            <a:off x="3165300" y="6164106"/>
+            <a:ext cx="5861400" cy="544512"/>
+          </a:xfrm>
+        </p:spPr>
+        <p:txBody>
+          <a:bodyPr/>
+          <a:lstStyle/>
+          <a:p>
+            <a:pPr algn="l"/>
+            <a:r>
+              <a:rPr lang="en-US" baseline="30000" dirty="0"/>
+              <a:t>1 </a:t>
+            </a:r>
+            <a:r>
+              <a:rPr lang="en-US" dirty="0">
+                <a:hlinkClick r:id="rId3"/>
+              </a:rPr>
+              <a:t>https://github.com/signalapp</a:t>
+            </a:r>
+            <a:r>
+              <a:rPr lang="en-US" dirty="0"/>
+              <a:t> </a:t>
+            </a:r>
+          </a:p>
+          <a:p>
+            <a:pPr algn="l"/>
+            <a:r>
+              <a:rPr lang="en-US" baseline="30000" dirty="0"/>
+              <a:t>2 </a:t>
+            </a:r>
+            <a:r>
+              <a:rPr lang="en-US" dirty="0">
+                <a:hlinkClick r:id="rId4"/>
+              </a:rPr>
+              <a:t>https://signal.org/docs/</a:t>
+            </a:r>
+            <a:r>
+              <a:rPr lang="en-US" dirty="0"/>
+              <a:t> </a:t>
+            </a:r>
+          </a:p>
+          <a:p>
+            <a:pPr algn="l"/>
+            <a:r>
+              <a:rPr lang="en-US" baseline="30000" dirty="0"/>
+              <a:t>3 </a:t>
+            </a:r>
+            <a:r>
+              <a:rPr lang="en-US" dirty="0">
+                <a:hlinkClick r:id="rId5"/>
+              </a:rPr>
+              <a:t>https://community.signalusers.org/t/wiki-overview-of-third-party-security-audits/13243</a:t>
+            </a:r>
+            <a:r>
+              <a:rPr lang="en-US" dirty="0"/>
+              <a:t> </a:t>
+            </a:r>
+          </a:p>
+        </p:txBody>
+      </p:sp>
+    </p:spTree>
+    <p:extLst>
+      <p:ext uri="{BB962C8B-B14F-4D97-AF65-F5344CB8AC3E}">
+        <p14:creationId xmlns:p14="http://schemas.microsoft.com/office/powerpoint/2010/main" val="614221480"/>
+      </p:ext>
+    </p:extLst>
+  </p:cSld>
+  <p:clrMapOvr>
+    <a:masterClrMapping/>
+  </p:clrMapOvr>
+</p:sld>
+</file>
+
+<file path=ppt/slides/slide29.xml><?xml version="1.0" encoding="utf-8"?>
+<p:sld xmlns:a="http://schemas.openxmlformats.org/drawingml/2006/main" xmlns:r="http://schemas.openxmlformats.org/officeDocument/2006/relationships" xmlns:p="http://schemas.openxmlformats.org/presentationml/2006/main">
+  <p:cSld>
+    <p:spTree>
+      <p:nvGrpSpPr>
+        <p:cNvPr id="1" name=""/>
+        <p:cNvGrpSpPr/>
+        <p:nvPr/>
+      </p:nvGrpSpPr>
+      <p:grpSpPr>
+        <a:xfrm>
+          <a:off x="0" y="0"/>
+          <a:ext cx="0" cy="0"/>
+          <a:chOff x="0" y="0"/>
+          <a:chExt cx="0" cy="0"/>
+        </a:xfrm>
+      </p:grpSpPr>
+      <p:sp>
+        <p:nvSpPr>
+          <p:cNvPr id="2" name="Title 1">
+            <a:extLst>
+              <a:ext uri="{FF2B5EF4-FFF2-40B4-BE49-F238E27FC236}">
+                <a16:creationId xmlns:a16="http://schemas.microsoft.com/office/drawing/2014/main" id="{0E5F3FE9-0F92-45CA-AE18-112326904053}"/>
+              </a:ext>
+            </a:extLst>
+          </p:cNvPr>
+          <p:cNvSpPr>
+            <a:spLocks noGrp="1"/>
+          </p:cNvSpPr>
+          <p:nvPr>
+            <p:ph type="title"/>
+          </p:nvPr>
+        </p:nvSpPr>
+        <p:spPr/>
+        <p:txBody>
+          <a:bodyPr/>
+          <a:lstStyle/>
+          <a:p>
+            <a:r>
+              <a:rPr lang="en-US" dirty="0">
+                <a:latin typeface="Helvetica LT Std Black" panose="020B0904030502020204" pitchFamily="34" charset="0"/>
+              </a:rPr>
+              <a:t>Conclusion</a:t>
+            </a:r>
+            <a:endParaRPr lang="en-US" dirty="0"/>
+          </a:p>
+        </p:txBody>
+      </p:sp>
+      <p:sp>
+        <p:nvSpPr>
+          <p:cNvPr id="3" name="Content Placeholder 2">
+            <a:extLst>
+              <a:ext uri="{FF2B5EF4-FFF2-40B4-BE49-F238E27FC236}">
+                <a16:creationId xmlns:a16="http://schemas.microsoft.com/office/drawing/2014/main" id="{1CEEB47F-5620-4071-A366-27DF132D5B5E}"/>
+              </a:ext>
+            </a:extLst>
+          </p:cNvPr>
+          <p:cNvSpPr>
+            <a:spLocks noGrp="1"/>
+          </p:cNvSpPr>
+          <p:nvPr>
+            <p:ph idx="1"/>
+          </p:nvPr>
+        </p:nvSpPr>
+        <p:spPr/>
+        <p:txBody>
+          <a:bodyPr/>
+          <a:lstStyle/>
+          <a:p>
+            <a:pPr>
+              <a:lnSpc>
+                <a:spcPct val="100000"/>
+              </a:lnSpc>
+              <a:spcAft>
+                <a:spcPts val="600"/>
+              </a:spcAft>
+              <a:buFont typeface="Wingdings" panose="05000000000000000000" pitchFamily="2" charset="2"/>
+              <a:buChar char="§"/>
+            </a:pPr>
+            <a:r>
+              <a:rPr lang="en-US" dirty="0">
+                <a:latin typeface="Helvetica LT Std" panose="020B0504020202020204" pitchFamily="34" charset="0"/>
+              </a:rPr>
+              <a:t>Thanks for your time!</a:t>
+            </a:r>
+          </a:p>
+          <a:p>
+            <a:pPr>
+              <a:lnSpc>
+                <a:spcPct val="100000"/>
+              </a:lnSpc>
+              <a:spcAft>
+                <a:spcPts val="600"/>
+              </a:spcAft>
+              <a:buFont typeface="Wingdings" panose="05000000000000000000" pitchFamily="2" charset="2"/>
+              <a:buChar char="§"/>
+            </a:pPr>
+            <a:r>
+              <a:rPr lang="en-US" dirty="0">
+                <a:latin typeface="Helvetica LT Std" panose="020B0504020202020204" pitchFamily="34" charset="0"/>
+              </a:rPr>
+              <a:t>All materials publicly available at </a:t>
+            </a:r>
+          </a:p>
+          <a:p>
+            <a:pPr marL="0" indent="0">
+              <a:lnSpc>
+                <a:spcPct val="100000"/>
+              </a:lnSpc>
+              <a:spcAft>
+                <a:spcPts val="600"/>
+              </a:spcAft>
+              <a:buNone/>
+            </a:pPr>
+            <a:r>
+              <a:rPr lang="en-US" dirty="0">
+                <a:latin typeface="Helvetica LT Std" panose="020B0504020202020204" pitchFamily="34" charset="0"/>
+              </a:rPr>
+              <a:t>	</a:t>
+            </a:r>
+            <a:r>
+              <a:rPr lang="en-US" dirty="0">
+                <a:latin typeface="Helvetica LT Std" panose="020B0504020202020204" pitchFamily="34" charset="0"/>
+                <a:hlinkClick r:id="rId2"/>
+              </a:rPr>
+              <a:t>https://github.com/sarttiso/digital-security</a:t>
+            </a:r>
+            <a:r>
+              <a:rPr lang="en-US" dirty="0">
+                <a:latin typeface="Helvetica LT Std" panose="020B0504020202020204" pitchFamily="34" charset="0"/>
+              </a:rPr>
+              <a:t> </a:t>
+            </a:r>
+          </a:p>
+          <a:p>
+            <a:pPr>
+              <a:lnSpc>
+                <a:spcPct val="100000"/>
+              </a:lnSpc>
+              <a:spcAft>
+                <a:spcPts val="600"/>
+              </a:spcAft>
+              <a:buFont typeface="Wingdings" panose="05000000000000000000" pitchFamily="2" charset="2"/>
+              <a:buChar char="§"/>
+            </a:pPr>
+            <a:r>
+              <a:rPr lang="en-US" dirty="0">
+                <a:latin typeface="Helvetica LT Std" panose="020B0504020202020204" pitchFamily="34" charset="0"/>
+              </a:rPr>
+              <a:t>Stay tuned for the final installment in the Strike U series, which will cover tools and best practices for maintaining security and privacy with digital organizing</a:t>
+            </a:r>
+          </a:p>
+          <a:p>
+            <a:pPr lvl="1">
+              <a:lnSpc>
+                <a:spcPct val="100000"/>
+              </a:lnSpc>
+              <a:spcAft>
+                <a:spcPts val="600"/>
+              </a:spcAft>
+              <a:buFont typeface="Wingdings" panose="05000000000000000000" pitchFamily="2" charset="2"/>
+              <a:buChar char="§"/>
+            </a:pPr>
+            <a:r>
+              <a:rPr lang="en-US" dirty="0">
+                <a:latin typeface="Helvetica LT Std" panose="020B0504020202020204" pitchFamily="34" charset="0"/>
+              </a:rPr>
+              <a:t>Mid-November</a:t>
+            </a:r>
+          </a:p>
+        </p:txBody>
+      </p:sp>
+      <p:sp>
+        <p:nvSpPr>
+          <p:cNvPr id="4" name="Slide Number Placeholder 3">
+            <a:extLst>
+              <a:ext uri="{FF2B5EF4-FFF2-40B4-BE49-F238E27FC236}">
+                <a16:creationId xmlns:a16="http://schemas.microsoft.com/office/drawing/2014/main" id="{7CCAAB59-9D65-4D2A-BC9A-34A772AB987A}"/>
+              </a:ext>
+            </a:extLst>
+          </p:cNvPr>
+          <p:cNvSpPr>
+            <a:spLocks noGrp="1"/>
+          </p:cNvSpPr>
+          <p:nvPr>
+            <p:ph type="sldNum" sz="quarter" idx="12"/>
+          </p:nvPr>
+        </p:nvSpPr>
+        <p:spPr/>
+        <p:txBody>
+          <a:bodyPr/>
+          <a:lstStyle/>
+          <a:p>
+            <a:fld id="{44D9B3EF-9489-4381-ACF1-79879AB05C89}" type="slidenum">
+              <a:rPr lang="en-US" smtClean="0"/>
+              <a:t>29</a:t>
+            </a:fld>
+            <a:endParaRPr lang="en-US"/>
+          </a:p>
+        </p:txBody>
+      </p:sp>
+    </p:spTree>
+    <p:extLst>
+      <p:ext uri="{BB962C8B-B14F-4D97-AF65-F5344CB8AC3E}">
+        <p14:creationId xmlns:p14="http://schemas.microsoft.com/office/powerpoint/2010/main" val="1084358549"/>
       </p:ext>
     </p:extLst>
   </p:cSld>
@@ -5942,6 +9356,258 @@
           <p:cNvPr id="2" name="Title 1">
             <a:extLst>
               <a:ext uri="{FF2B5EF4-FFF2-40B4-BE49-F238E27FC236}">
+                <a16:creationId xmlns:a16="http://schemas.microsoft.com/office/drawing/2014/main" id="{5A1AC61A-284E-4F29-952D-B8F54858EA1C}"/>
+              </a:ext>
+            </a:extLst>
+          </p:cNvPr>
+          <p:cNvSpPr>
+            <a:spLocks noGrp="1"/>
+          </p:cNvSpPr>
+          <p:nvPr>
+            <p:ph type="title"/>
+          </p:nvPr>
+        </p:nvSpPr>
+        <p:spPr/>
+        <p:txBody>
+          <a:bodyPr/>
+          <a:lstStyle/>
+          <a:p>
+            <a:r>
+              <a:rPr lang="en-US" dirty="0">
+                <a:latin typeface="Helvetica LT Std Black" panose="020B0904030502020204" pitchFamily="34" charset="0"/>
+              </a:rPr>
+              <a:t>Security vs Privacy</a:t>
+            </a:r>
+            <a:endParaRPr lang="en-US" dirty="0"/>
+          </a:p>
+        </p:txBody>
+      </p:sp>
+      <p:sp>
+        <p:nvSpPr>
+          <p:cNvPr id="3" name="Content Placeholder 2">
+            <a:extLst>
+              <a:ext uri="{FF2B5EF4-FFF2-40B4-BE49-F238E27FC236}">
+                <a16:creationId xmlns:a16="http://schemas.microsoft.com/office/drawing/2014/main" id="{2E55F2AA-A964-4B35-9A49-9B74961FF9F5}"/>
+              </a:ext>
+            </a:extLst>
+          </p:cNvPr>
+          <p:cNvSpPr>
+            <a:spLocks noGrp="1"/>
+          </p:cNvSpPr>
+          <p:nvPr>
+            <p:ph idx="1"/>
+          </p:nvPr>
+        </p:nvSpPr>
+        <p:spPr/>
+        <p:txBody>
+          <a:bodyPr>
+            <a:normAutofit fontScale="85000" lnSpcReduction="20000"/>
+          </a:bodyPr>
+          <a:lstStyle/>
+          <a:p>
+            <a:pPr>
+              <a:lnSpc>
+                <a:spcPct val="120000"/>
+              </a:lnSpc>
+              <a:spcAft>
+                <a:spcPts val="600"/>
+              </a:spcAft>
+              <a:buFont typeface="Wingdings" panose="05000000000000000000" pitchFamily="2" charset="2"/>
+              <a:buChar char="§"/>
+            </a:pPr>
+            <a:r>
+              <a:rPr lang="en-US" dirty="0">
+                <a:latin typeface="Helvetica LT Std" panose="020B0504020202020204" pitchFamily="34" charset="0"/>
+              </a:rPr>
+              <a:t>This teach-in is about security (specifically in communication), which can contribute to but is different from privacy</a:t>
+            </a:r>
+          </a:p>
+          <a:p>
+            <a:pPr>
+              <a:lnSpc>
+                <a:spcPct val="120000"/>
+              </a:lnSpc>
+              <a:spcAft>
+                <a:spcPts val="600"/>
+              </a:spcAft>
+              <a:buFont typeface="Wingdings" panose="05000000000000000000" pitchFamily="2" charset="2"/>
+              <a:buChar char="§"/>
+            </a:pPr>
+            <a:r>
+              <a:rPr lang="en-US" dirty="0">
+                <a:latin typeface="Helvetica LT Std" panose="020B0504020202020204" pitchFamily="34" charset="0"/>
+              </a:rPr>
+              <a:t>Security is about protocols, mechanisms, algorithms, technology, etc. that control the flow of information between parties as well as its storage</a:t>
+            </a:r>
+          </a:p>
+          <a:p>
+            <a:pPr>
+              <a:lnSpc>
+                <a:spcPct val="120000"/>
+              </a:lnSpc>
+              <a:spcAft>
+                <a:spcPts val="600"/>
+              </a:spcAft>
+              <a:buFont typeface="Wingdings" panose="05000000000000000000" pitchFamily="2" charset="2"/>
+              <a:buChar char="§"/>
+            </a:pPr>
+            <a:r>
+              <a:rPr lang="en-US" dirty="0">
+                <a:latin typeface="Helvetica LT Std" panose="020B0504020202020204" pitchFamily="34" charset="0"/>
+              </a:rPr>
+              <a:t>Privacy is about maintaining the anonymity of those parties and controlling the flow of individually identifying information </a:t>
+            </a:r>
+          </a:p>
+          <a:p>
+            <a:pPr>
+              <a:lnSpc>
+                <a:spcPct val="120000"/>
+              </a:lnSpc>
+              <a:spcAft>
+                <a:spcPts val="600"/>
+              </a:spcAft>
+              <a:buFont typeface="Wingdings" panose="05000000000000000000" pitchFamily="2" charset="2"/>
+              <a:buChar char="§"/>
+            </a:pPr>
+            <a:r>
+              <a:rPr lang="en-US" dirty="0">
+                <a:latin typeface="Helvetica LT Std" panose="020B0504020202020204" pitchFamily="34" charset="0"/>
+              </a:rPr>
+              <a:t>In a nutshell:</a:t>
+            </a:r>
+          </a:p>
+          <a:p>
+            <a:pPr lvl="1">
+              <a:lnSpc>
+                <a:spcPct val="120000"/>
+              </a:lnSpc>
+              <a:spcAft>
+                <a:spcPts val="600"/>
+              </a:spcAft>
+              <a:buFont typeface="Wingdings" panose="05000000000000000000" pitchFamily="2" charset="2"/>
+              <a:buChar char="§"/>
+            </a:pPr>
+            <a:r>
+              <a:rPr lang="en-US" dirty="0">
+                <a:latin typeface="Helvetica LT Std" panose="020B0504020202020204" pitchFamily="34" charset="0"/>
+              </a:rPr>
+              <a:t>Security protects information</a:t>
+            </a:r>
+          </a:p>
+          <a:p>
+            <a:pPr lvl="1">
+              <a:lnSpc>
+                <a:spcPct val="120000"/>
+              </a:lnSpc>
+              <a:spcAft>
+                <a:spcPts val="600"/>
+              </a:spcAft>
+              <a:buFont typeface="Wingdings" panose="05000000000000000000" pitchFamily="2" charset="2"/>
+              <a:buChar char="§"/>
+            </a:pPr>
+            <a:r>
+              <a:rPr lang="en-US" dirty="0">
+                <a:latin typeface="Helvetica LT Std" panose="020B0504020202020204" pitchFamily="34" charset="0"/>
+              </a:rPr>
+              <a:t>Privacy protects identity</a:t>
+            </a:r>
+          </a:p>
+          <a:p>
+            <a:pPr>
+              <a:lnSpc>
+                <a:spcPct val="120000"/>
+              </a:lnSpc>
+              <a:spcAft>
+                <a:spcPts val="600"/>
+              </a:spcAft>
+              <a:buFont typeface="Wingdings" panose="05000000000000000000" pitchFamily="2" charset="2"/>
+              <a:buChar char="§"/>
+            </a:pPr>
+            <a:endParaRPr lang="en-US" dirty="0">
+              <a:latin typeface="Helvetica LT Std" panose="020B0504020202020204" pitchFamily="34" charset="0"/>
+            </a:endParaRPr>
+          </a:p>
+          <a:p>
+            <a:pPr>
+              <a:lnSpc>
+                <a:spcPct val="120000"/>
+              </a:lnSpc>
+              <a:spcAft>
+                <a:spcPts val="600"/>
+              </a:spcAft>
+              <a:buFont typeface="Wingdings" panose="05000000000000000000" pitchFamily="2" charset="2"/>
+              <a:buChar char="§"/>
+            </a:pPr>
+            <a:endParaRPr lang="en-US" dirty="0">
+              <a:latin typeface="Helvetica LT Std" panose="020B0504020202020204" pitchFamily="34" charset="0"/>
+            </a:endParaRPr>
+          </a:p>
+        </p:txBody>
+      </p:sp>
+      <p:sp>
+        <p:nvSpPr>
+          <p:cNvPr id="5" name="Slide Number Placeholder 4">
+            <a:extLst>
+              <a:ext uri="{FF2B5EF4-FFF2-40B4-BE49-F238E27FC236}">
+                <a16:creationId xmlns:a16="http://schemas.microsoft.com/office/drawing/2014/main" id="{5D281DD5-8366-4BCC-8EBE-55C0EAB30946}"/>
+              </a:ext>
+            </a:extLst>
+          </p:cNvPr>
+          <p:cNvSpPr>
+            <a:spLocks noGrp="1"/>
+          </p:cNvSpPr>
+          <p:nvPr>
+            <p:ph type="sldNum" sz="quarter" idx="12"/>
+          </p:nvPr>
+        </p:nvSpPr>
+        <p:spPr/>
+        <p:txBody>
+          <a:bodyPr/>
+          <a:lstStyle/>
+          <a:p>
+            <a:fld id="{44D9B3EF-9489-4381-ACF1-79879AB05C89}" type="slidenum">
+              <a:rPr lang="en-US" smtClean="0"/>
+              <a:t>3</a:t>
+            </a:fld>
+            <a:endParaRPr lang="en-US"/>
+          </a:p>
+        </p:txBody>
+      </p:sp>
+    </p:spTree>
+    <p:extLst>
+      <p:ext uri="{BB962C8B-B14F-4D97-AF65-F5344CB8AC3E}">
+        <p14:creationId xmlns:p14="http://schemas.microsoft.com/office/powerpoint/2010/main" val="3082418664"/>
+      </p:ext>
+    </p:extLst>
+  </p:cSld>
+  <p:clrMapOvr>
+    <a:masterClrMapping/>
+  </p:clrMapOvr>
+</p:sld>
+</file>
+
+<file path=ppt/slides/slide4.xml><?xml version="1.0" encoding="utf-8"?>
+<p:sld xmlns:a="http://schemas.openxmlformats.org/drawingml/2006/main" xmlns:r="http://schemas.openxmlformats.org/officeDocument/2006/relationships" xmlns:p="http://schemas.openxmlformats.org/presentationml/2006/main">
+  <p:cSld>
+    <p:spTree>
+      <p:nvGrpSpPr>
+        <p:cNvPr id="1" name=""/>
+        <p:cNvGrpSpPr/>
+        <p:nvPr/>
+      </p:nvGrpSpPr>
+      <p:grpSpPr>
+        <a:xfrm>
+          <a:off x="0" y="0"/>
+          <a:ext cx="0" cy="0"/>
+          <a:chOff x="0" y="0"/>
+          <a:chExt cx="0" cy="0"/>
+        </a:xfrm>
+      </p:grpSpPr>
+      <p:sp>
+        <p:nvSpPr>
+          <p:cNvPr id="2" name="Title 1">
+            <a:extLst>
+              <a:ext uri="{FF2B5EF4-FFF2-40B4-BE49-F238E27FC236}">
                 <a16:creationId xmlns:a16="http://schemas.microsoft.com/office/drawing/2014/main" id="{367DB823-288B-4C51-A158-D58E687536F6}"/>
               </a:ext>
             </a:extLst>
@@ -6150,7 +9816,7 @@
         </p:blipFill>
         <p:spPr bwMode="auto">
           <a:xfrm>
-            <a:off x="2066925" y="5755260"/>
+            <a:off x="1301003" y="5725330"/>
             <a:ext cx="662828" cy="677757"/>
           </a:xfrm>
           <a:prstGeom prst="rect">
@@ -6204,7 +9870,7 @@
         </p:blipFill>
         <p:spPr>
           <a:xfrm>
-            <a:off x="2949447" y="5725330"/>
+            <a:off x="2426634" y="5698830"/>
             <a:ext cx="763767" cy="737615"/>
           </a:xfrm>
           <a:prstGeom prst="rect">
@@ -6247,205 +9913,116 @@
           </a:ln>
         </p:spPr>
       </p:pic>
+      <p:sp>
+        <p:nvSpPr>
+          <p:cNvPr id="8" name="Slide Number Placeholder 7">
+            <a:extLst>
+              <a:ext uri="{FF2B5EF4-FFF2-40B4-BE49-F238E27FC236}">
+                <a16:creationId xmlns:a16="http://schemas.microsoft.com/office/drawing/2014/main" id="{9340168F-8621-4943-91FA-C04641DF1C9A}"/>
+              </a:ext>
+            </a:extLst>
+          </p:cNvPr>
+          <p:cNvSpPr>
+            <a:spLocks noGrp="1"/>
+          </p:cNvSpPr>
+          <p:nvPr>
+            <p:ph type="sldNum" sz="quarter" idx="12"/>
+          </p:nvPr>
+        </p:nvSpPr>
+        <p:spPr/>
+        <p:txBody>
+          <a:bodyPr/>
+          <a:lstStyle/>
+          <a:p>
+            <a:fld id="{44D9B3EF-9489-4381-ACF1-79879AB05C89}" type="slidenum">
+              <a:rPr lang="en-US" smtClean="0"/>
+              <a:t>4</a:t>
+            </a:fld>
+            <a:endParaRPr lang="en-US"/>
+          </a:p>
+        </p:txBody>
+      </p:sp>
+      <p:sp>
+        <p:nvSpPr>
+          <p:cNvPr id="9" name="Footer Placeholder 8">
+            <a:extLst>
+              <a:ext uri="{FF2B5EF4-FFF2-40B4-BE49-F238E27FC236}">
+                <a16:creationId xmlns:a16="http://schemas.microsoft.com/office/drawing/2014/main" id="{85DF7470-190F-42F5-B28D-59288007BD38}"/>
+              </a:ext>
+            </a:extLst>
+          </p:cNvPr>
+          <p:cNvSpPr>
+            <a:spLocks noGrp="1"/>
+          </p:cNvSpPr>
+          <p:nvPr>
+            <p:ph type="ftr" sz="quarter" idx="11"/>
+          </p:nvPr>
+        </p:nvSpPr>
+        <p:spPr>
+          <a:xfrm>
+            <a:off x="3529601" y="5983860"/>
+            <a:ext cx="7484998" cy="737615"/>
+          </a:xfrm>
+        </p:spPr>
+        <p:txBody>
+          <a:bodyPr/>
+          <a:lstStyle/>
+          <a:p>
+            <a:pPr algn="l"/>
+            <a:r>
+              <a:rPr lang="en-US" dirty="0">
+                <a:latin typeface="Helvetica LT Std" panose="020B0504020202020204" pitchFamily="34" charset="0"/>
+              </a:rPr>
+              <a:t>Email shown above on page 4 of this pdf:</a:t>
+            </a:r>
+          </a:p>
+          <a:p>
+            <a:pPr algn="l"/>
+            <a:r>
+              <a:rPr lang="en-US" dirty="0">
+                <a:latin typeface="Helvetica LT Std" panose="020B0504020202020204" pitchFamily="34" charset="0"/>
+                <a:hlinkClick r:id="rId7"/>
+              </a:rPr>
+              <a:t>https://drive.google.com/file/d/1p5kjCa13UPes11FX2YrUzRZQgZVRTDH5/view?usp=sharing</a:t>
+            </a:r>
+            <a:r>
+              <a:rPr lang="en-US" dirty="0">
+                <a:latin typeface="Helvetica LT Std" panose="020B0504020202020204" pitchFamily="34" charset="0"/>
+              </a:rPr>
+              <a:t> </a:t>
+            </a:r>
+          </a:p>
+          <a:p>
+            <a:pPr algn="l"/>
+            <a:r>
+              <a:rPr lang="en-US" dirty="0">
+                <a:latin typeface="Helvetica LT Std" panose="020B0504020202020204" pitchFamily="34" charset="0"/>
+              </a:rPr>
+              <a:t> requested by Vice journalists preparing this article:</a:t>
+            </a:r>
+          </a:p>
+          <a:p>
+            <a:pPr algn="l"/>
+            <a:r>
+              <a:rPr lang="en-US" dirty="0">
+                <a:latin typeface="Helvetica LT Std" panose="020B0504020202020204" pitchFamily="34" charset="0"/>
+                <a:hlinkClick r:id="rId8"/>
+              </a:rPr>
+              <a:t>https://www.vice.com/en/article/7kppna/california-police-used-military-surveillance-tech-at-grad-student-strike</a:t>
+            </a:r>
+            <a:r>
+              <a:rPr lang="en-US" dirty="0">
+                <a:latin typeface="Helvetica LT Std" panose="020B0504020202020204" pitchFamily="34" charset="0"/>
+              </a:rPr>
+              <a:t> </a:t>
+            </a:r>
+          </a:p>
+        </p:txBody>
+      </p:sp>
     </p:spTree>
     <p:extLst>
       <p:ext uri="{BB962C8B-B14F-4D97-AF65-F5344CB8AC3E}">
         <p14:creationId xmlns:p14="http://schemas.microsoft.com/office/powerpoint/2010/main" val="1675882691"/>
-      </p:ext>
-    </p:extLst>
-  </p:cSld>
-  <p:clrMapOvr>
-    <a:masterClrMapping/>
-  </p:clrMapOvr>
-</p:sld>
-</file>
-
-<file path=ppt/slides/slide4.xml><?xml version="1.0" encoding="utf-8"?>
-<p:sld xmlns:a="http://schemas.openxmlformats.org/drawingml/2006/main" xmlns:r="http://schemas.openxmlformats.org/officeDocument/2006/relationships" xmlns:p="http://schemas.openxmlformats.org/presentationml/2006/main">
-  <p:cSld>
-    <p:spTree>
-      <p:nvGrpSpPr>
-        <p:cNvPr id="1" name=""/>
-        <p:cNvGrpSpPr/>
-        <p:nvPr/>
-      </p:nvGrpSpPr>
-      <p:grpSpPr>
-        <a:xfrm>
-          <a:off x="0" y="0"/>
-          <a:ext cx="0" cy="0"/>
-          <a:chOff x="0" y="0"/>
-          <a:chExt cx="0" cy="0"/>
-        </a:xfrm>
-      </p:grpSpPr>
-      <p:sp>
-        <p:nvSpPr>
-          <p:cNvPr id="2" name="Title 1">
-            <a:extLst>
-              <a:ext uri="{FF2B5EF4-FFF2-40B4-BE49-F238E27FC236}">
-                <a16:creationId xmlns:a16="http://schemas.microsoft.com/office/drawing/2014/main" id="{F85E5748-7FE9-4211-8E14-6B8E070E3ABE}"/>
-              </a:ext>
-            </a:extLst>
-          </p:cNvPr>
-          <p:cNvSpPr>
-            <a:spLocks noGrp="1"/>
-          </p:cNvSpPr>
-          <p:nvPr>
-            <p:ph type="title"/>
-          </p:nvPr>
-        </p:nvSpPr>
-        <p:spPr/>
-        <p:txBody>
-          <a:bodyPr/>
-          <a:lstStyle/>
-          <a:p>
-            <a:r>
-              <a:rPr lang="en-US" dirty="0">
-                <a:latin typeface="Helvetica LT Std Black" panose="020B0904030502020204" pitchFamily="34" charset="0"/>
-              </a:rPr>
-              <a:t>Aspects of Cryptography</a:t>
-            </a:r>
-            <a:endParaRPr lang="en-US" dirty="0"/>
-          </a:p>
-        </p:txBody>
-      </p:sp>
-      <p:sp>
-        <p:nvSpPr>
-          <p:cNvPr id="3" name="Content Placeholder 2">
-            <a:extLst>
-              <a:ext uri="{FF2B5EF4-FFF2-40B4-BE49-F238E27FC236}">
-                <a16:creationId xmlns:a16="http://schemas.microsoft.com/office/drawing/2014/main" id="{70801734-2B73-48E9-8F51-42ED8B759137}"/>
-              </a:ext>
-            </a:extLst>
-          </p:cNvPr>
-          <p:cNvSpPr>
-            <a:spLocks noGrp="1"/>
-          </p:cNvSpPr>
-          <p:nvPr>
-            <p:ph idx="1"/>
-          </p:nvPr>
-        </p:nvSpPr>
-        <p:spPr/>
-        <p:txBody>
-          <a:bodyPr>
-            <a:normAutofit/>
-          </a:bodyPr>
-          <a:lstStyle/>
-          <a:p>
-            <a:pPr marL="0" indent="0">
-              <a:spcAft>
-                <a:spcPts val="1200"/>
-              </a:spcAft>
-              <a:buNone/>
-            </a:pPr>
-            <a:r>
-              <a:rPr lang="en-US" dirty="0">
-                <a:latin typeface="Helvetica LT Std" panose="020B0504020202020204" pitchFamily="34" charset="0"/>
-              </a:rPr>
-              <a:t>Secure communication entails a several aspects:</a:t>
-            </a:r>
-          </a:p>
-          <a:p>
-            <a:pPr>
-              <a:spcAft>
-                <a:spcPts val="600"/>
-              </a:spcAft>
-              <a:buFont typeface="Wingdings" panose="05000000000000000000" pitchFamily="2" charset="2"/>
-              <a:buChar char="§"/>
-            </a:pPr>
-            <a:r>
-              <a:rPr lang="en-US" b="1" dirty="0">
-                <a:latin typeface="Helvetica LT Std" panose="020B0504020202020204" pitchFamily="34" charset="0"/>
-              </a:rPr>
-              <a:t>Encryption</a:t>
-            </a:r>
-            <a:r>
-              <a:rPr lang="en-US" dirty="0">
-                <a:latin typeface="Helvetica LT Std" panose="020B0504020202020204" pitchFamily="34" charset="0"/>
-              </a:rPr>
-              <a:t>:</a:t>
-            </a:r>
-          </a:p>
-          <a:p>
-            <a:pPr lvl="1">
-              <a:spcAft>
-                <a:spcPts val="600"/>
-              </a:spcAft>
-              <a:buFont typeface="Wingdings" panose="05000000000000000000" pitchFamily="2" charset="2"/>
-              <a:buChar char="§"/>
-            </a:pPr>
-            <a:r>
-              <a:rPr lang="en-US" dirty="0">
-                <a:latin typeface="Helvetica LT Std" panose="020B0504020202020204" pitchFamily="34" charset="0"/>
-              </a:rPr>
-              <a:t>Is your communication confidential?</a:t>
-            </a:r>
-          </a:p>
-          <a:p>
-            <a:pPr>
-              <a:spcAft>
-                <a:spcPts val="600"/>
-              </a:spcAft>
-              <a:buFont typeface="Wingdings" panose="05000000000000000000" pitchFamily="2" charset="2"/>
-              <a:buChar char="§"/>
-            </a:pPr>
-            <a:r>
-              <a:rPr lang="en-US" b="1" dirty="0">
-                <a:latin typeface="Helvetica LT Std" panose="020B0504020202020204" pitchFamily="34" charset="0"/>
-              </a:rPr>
-              <a:t>Authentication:</a:t>
-            </a:r>
-          </a:p>
-          <a:p>
-            <a:pPr lvl="1">
-              <a:spcAft>
-                <a:spcPts val="600"/>
-              </a:spcAft>
-              <a:buFont typeface="Wingdings" panose="05000000000000000000" pitchFamily="2" charset="2"/>
-              <a:buChar char="§"/>
-            </a:pPr>
-            <a:r>
-              <a:rPr lang="en-US" dirty="0">
-                <a:latin typeface="Helvetica LT Std" panose="020B0504020202020204" pitchFamily="34" charset="0"/>
-              </a:rPr>
-              <a:t>Can you verify who sent you a message?</a:t>
-            </a:r>
-          </a:p>
-          <a:p>
-            <a:pPr>
-              <a:spcAft>
-                <a:spcPts val="600"/>
-              </a:spcAft>
-              <a:buFont typeface="Wingdings" panose="05000000000000000000" pitchFamily="2" charset="2"/>
-              <a:buChar char="§"/>
-            </a:pPr>
-            <a:r>
-              <a:rPr lang="en-US" b="1" dirty="0">
-                <a:latin typeface="Helvetica LT Std" panose="020B0504020202020204" pitchFamily="34" charset="0"/>
-              </a:rPr>
-              <a:t>Signing:</a:t>
-            </a:r>
-          </a:p>
-          <a:p>
-            <a:pPr lvl="1">
-              <a:spcAft>
-                <a:spcPts val="600"/>
-              </a:spcAft>
-              <a:buFont typeface="Wingdings" panose="05000000000000000000" pitchFamily="2" charset="2"/>
-              <a:buChar char="§"/>
-            </a:pPr>
-            <a:r>
-              <a:rPr lang="en-US" dirty="0">
-                <a:latin typeface="Helvetica LT Std" panose="020B0504020202020204" pitchFamily="34" charset="0"/>
-              </a:rPr>
-              <a:t>Can you demonstrate to others that you sent a message?</a:t>
-            </a:r>
-          </a:p>
-        </p:txBody>
-      </p:sp>
-    </p:spTree>
-    <p:extLst>
-      <p:ext uri="{BB962C8B-B14F-4D97-AF65-F5344CB8AC3E}">
-        <p14:creationId xmlns:p14="http://schemas.microsoft.com/office/powerpoint/2010/main" val="4164572856"/>
       </p:ext>
     </p:extLst>
   </p:cSld>
@@ -6477,7 +10054,7 @@
           <p:cNvPr id="2" name="Title 1">
             <a:extLst>
               <a:ext uri="{FF2B5EF4-FFF2-40B4-BE49-F238E27FC236}">
-                <a16:creationId xmlns:a16="http://schemas.microsoft.com/office/drawing/2014/main" id="{E31D19B6-F530-4C8E-B12C-8CD6A8D4936E}"/>
+                <a16:creationId xmlns:a16="http://schemas.microsoft.com/office/drawing/2014/main" id="{F85E5748-7FE9-4211-8E14-6B8E070E3ABE}"/>
               </a:ext>
             </a:extLst>
           </p:cNvPr>
@@ -6497,7 +10074,7 @@
               <a:rPr lang="en-US" dirty="0">
                 <a:latin typeface="Helvetica LT Std Black" panose="020B0904030502020204" pitchFamily="34" charset="0"/>
               </a:rPr>
-              <a:t>Brief Description of Encryption</a:t>
+              <a:t>Aspects of Cryptography</a:t>
             </a:r>
             <a:endParaRPr lang="en-US" dirty="0"/>
           </a:p>
@@ -6508,7 +10085,7 @@
           <p:cNvPr id="3" name="Content Placeholder 2">
             <a:extLst>
               <a:ext uri="{FF2B5EF4-FFF2-40B4-BE49-F238E27FC236}">
-                <a16:creationId xmlns:a16="http://schemas.microsoft.com/office/drawing/2014/main" id="{3458FE5D-8CA3-43AB-BEDD-C0F2D4E24046}"/>
+                <a16:creationId xmlns:a16="http://schemas.microsoft.com/office/drawing/2014/main" id="{70801734-2B73-48E9-8F51-42ED8B759137}"/>
               </a:ext>
             </a:extLst>
           </p:cNvPr>
@@ -6522,9 +10099,23 @@
         <p:spPr/>
         <p:txBody>
           <a:bodyPr>
-            <a:normAutofit lnSpcReduction="10000"/>
+            <a:normAutofit/>
           </a:bodyPr>
           <a:lstStyle/>
+          <a:p>
+            <a:pPr marL="0" indent="0">
+              <a:spcAft>
+                <a:spcPts val="1200"/>
+              </a:spcAft>
+              <a:buNone/>
+            </a:pPr>
+            <a:r>
+              <a:rPr lang="en-US" dirty="0">
+                <a:latin typeface="Helvetica LT Std" panose="020B0504020202020204" pitchFamily="34" charset="0"/>
+              </a:rPr>
+              <a:t>Secure communication entails a several aspects:</a:t>
+            </a:r>
+          </a:p>
           <a:p>
             <a:pPr>
               <a:spcAft>
@@ -6534,16 +10125,31 @@
               <a:buChar char="§"/>
             </a:pPr>
             <a:r>
-              <a:rPr lang="en-US" dirty="0">
-                <a:latin typeface="Helvetica LT Std" panose="020B0504020202020204" pitchFamily="34" charset="0"/>
-              </a:rPr>
-              <a:t>Encryption is based on </a:t>
-            </a:r>
-            <a:r>
               <a:rPr lang="en-US" b="1" dirty="0">
                 <a:latin typeface="Helvetica LT Std" panose="020B0504020202020204" pitchFamily="34" charset="0"/>
               </a:rPr>
-              <a:t>keys</a:t>
+              <a:t>Encryption</a:t>
+            </a:r>
+            <a:r>
+              <a:rPr lang="en-US" dirty="0">
+                <a:latin typeface="Helvetica LT Std" panose="020B0504020202020204" pitchFamily="34" charset="0"/>
+              </a:rPr>
+              <a:t>:</a:t>
+            </a:r>
+          </a:p>
+          <a:p>
+            <a:pPr lvl="1">
+              <a:spcAft>
+                <a:spcPts val="600"/>
+              </a:spcAft>
+              <a:buFont typeface="Wingdings" panose="05000000000000000000" pitchFamily="2" charset="2"/>
+              <a:buChar char="§"/>
+            </a:pPr>
+            <a:r>
+              <a:rPr lang="en-US" dirty="0">
+                <a:latin typeface="Helvetica LT Std" panose="020B0504020202020204" pitchFamily="34" charset="0"/>
+              </a:rPr>
+              <a:t>Is your communication confidential?</a:t>
             </a:r>
           </a:p>
           <a:p>
@@ -6555,10 +10161,25 @@
               <a:buChar char="§"/>
             </a:pPr>
             <a:r>
-              <a:rPr lang="en-US" dirty="0">
-                <a:latin typeface="Helvetica LT Std" panose="020B0504020202020204" pitchFamily="34" charset="0"/>
-              </a:rPr>
-              <a:t>If you know the key, you can read the message. But those without the key, shouldn’t be able to.</a:t>
+              <a:rPr lang="en-US" b="1" dirty="0">
+                <a:latin typeface="Helvetica LT Std" panose="020B0504020202020204" pitchFamily="34" charset="0"/>
+              </a:rPr>
+              <a:t>Authentication:</a:t>
+            </a:r>
+          </a:p>
+          <a:p>
+            <a:pPr lvl="1">
+              <a:spcAft>
+                <a:spcPts val="600"/>
+              </a:spcAft>
+              <a:buFont typeface="Wingdings" panose="05000000000000000000" pitchFamily="2" charset="2"/>
+              <a:buChar char="§"/>
+            </a:pPr>
+            <a:r>
+              <a:rPr lang="en-US" dirty="0">
+                <a:latin typeface="Helvetica LT Std" panose="020B0504020202020204" pitchFamily="34" charset="0"/>
+              </a:rPr>
+              <a:t>Can you verify who sent you a message?</a:t>
             </a:r>
           </a:p>
           <a:p>
@@ -6570,10 +10191,10 @@
               <a:buChar char="§"/>
             </a:pPr>
             <a:r>
-              <a:rPr lang="en-US" dirty="0">
-                <a:latin typeface="Helvetica LT Std" panose="020B0504020202020204" pitchFamily="34" charset="0"/>
-              </a:rPr>
-              <a:t>Examples:</a:t>
+              <a:rPr lang="en-US" b="1" dirty="0">
+                <a:latin typeface="Helvetica LT Std" panose="020B0504020202020204" pitchFamily="34" charset="0"/>
+              </a:rPr>
+              <a:t>Signing:</a:t>
             </a:r>
           </a:p>
           <a:p>
@@ -6588,11 +10209,128 @@
               <a:rPr lang="en-US" dirty="0">
                 <a:latin typeface="Helvetica LT Std" panose="020B0504020202020204" pitchFamily="34" charset="0"/>
               </a:rPr>
-              <a:t>Character shift</a:t>
-            </a:r>
-          </a:p>
-          <a:p>
-            <a:pPr lvl="2">
+              <a:t>Can you demonstrate to others that you sent a message?</a:t>
+            </a:r>
+          </a:p>
+        </p:txBody>
+      </p:sp>
+      <p:sp>
+        <p:nvSpPr>
+          <p:cNvPr id="5" name="Slide Number Placeholder 4">
+            <a:extLst>
+              <a:ext uri="{FF2B5EF4-FFF2-40B4-BE49-F238E27FC236}">
+                <a16:creationId xmlns:a16="http://schemas.microsoft.com/office/drawing/2014/main" id="{3317CD16-1D37-4D49-ABFE-663367166ACF}"/>
+              </a:ext>
+            </a:extLst>
+          </p:cNvPr>
+          <p:cNvSpPr>
+            <a:spLocks noGrp="1"/>
+          </p:cNvSpPr>
+          <p:nvPr>
+            <p:ph type="sldNum" sz="quarter" idx="12"/>
+          </p:nvPr>
+        </p:nvSpPr>
+        <p:spPr/>
+        <p:txBody>
+          <a:bodyPr/>
+          <a:lstStyle/>
+          <a:p>
+            <a:fld id="{44D9B3EF-9489-4381-ACF1-79879AB05C89}" type="slidenum">
+              <a:rPr lang="en-US" smtClean="0"/>
+              <a:t>5</a:t>
+            </a:fld>
+            <a:endParaRPr lang="en-US"/>
+          </a:p>
+        </p:txBody>
+      </p:sp>
+    </p:spTree>
+    <p:extLst>
+      <p:ext uri="{BB962C8B-B14F-4D97-AF65-F5344CB8AC3E}">
+        <p14:creationId xmlns:p14="http://schemas.microsoft.com/office/powerpoint/2010/main" val="4164572856"/>
+      </p:ext>
+    </p:extLst>
+  </p:cSld>
+  <p:clrMapOvr>
+    <a:masterClrMapping/>
+  </p:clrMapOvr>
+</p:sld>
+</file>
+
+<file path=ppt/slides/slide6.xml><?xml version="1.0" encoding="utf-8"?>
+<p:sld xmlns:a="http://schemas.openxmlformats.org/drawingml/2006/main" xmlns:r="http://schemas.openxmlformats.org/officeDocument/2006/relationships" xmlns:p="http://schemas.openxmlformats.org/presentationml/2006/main">
+  <p:cSld>
+    <p:spTree>
+      <p:nvGrpSpPr>
+        <p:cNvPr id="1" name=""/>
+        <p:cNvGrpSpPr/>
+        <p:nvPr/>
+      </p:nvGrpSpPr>
+      <p:grpSpPr>
+        <a:xfrm>
+          <a:off x="0" y="0"/>
+          <a:ext cx="0" cy="0"/>
+          <a:chOff x="0" y="0"/>
+          <a:chExt cx="0" cy="0"/>
+        </a:xfrm>
+      </p:grpSpPr>
+      <p:sp>
+        <p:nvSpPr>
+          <p:cNvPr id="2" name="Title 1">
+            <a:extLst>
+              <a:ext uri="{FF2B5EF4-FFF2-40B4-BE49-F238E27FC236}">
+                <a16:creationId xmlns:a16="http://schemas.microsoft.com/office/drawing/2014/main" id="{E31D19B6-F530-4C8E-B12C-8CD6A8D4936E}"/>
+              </a:ext>
+            </a:extLst>
+          </p:cNvPr>
+          <p:cNvSpPr>
+            <a:spLocks noGrp="1"/>
+          </p:cNvSpPr>
+          <p:nvPr>
+            <p:ph type="title"/>
+          </p:nvPr>
+        </p:nvSpPr>
+        <p:spPr/>
+        <p:txBody>
+          <a:bodyPr/>
+          <a:lstStyle/>
+          <a:p>
+            <a:r>
+              <a:rPr lang="en-US" dirty="0">
+                <a:latin typeface="Helvetica LT Std Black" panose="020B0904030502020204" pitchFamily="34" charset="0"/>
+              </a:rPr>
+              <a:t>Brief Description of Encryption</a:t>
+            </a:r>
+            <a:endParaRPr lang="en-US" dirty="0"/>
+          </a:p>
+        </p:txBody>
+      </p:sp>
+      <p:sp>
+        <p:nvSpPr>
+          <p:cNvPr id="3" name="Content Placeholder 2">
+            <a:extLst>
+              <a:ext uri="{FF2B5EF4-FFF2-40B4-BE49-F238E27FC236}">
+                <a16:creationId xmlns:a16="http://schemas.microsoft.com/office/drawing/2014/main" id="{3458FE5D-8CA3-43AB-BEDD-C0F2D4E24046}"/>
+              </a:ext>
+            </a:extLst>
+          </p:cNvPr>
+          <p:cNvSpPr>
+            <a:spLocks noGrp="1"/>
+          </p:cNvSpPr>
+          <p:nvPr>
+            <p:ph idx="1"/>
+          </p:nvPr>
+        </p:nvSpPr>
+        <p:spPr/>
+        <p:txBody>
+          <a:bodyPr>
+            <a:normAutofit fontScale="85000" lnSpcReduction="20000"/>
+          </a:bodyPr>
+          <a:lstStyle/>
+          <a:p>
+            <a:pPr>
+              <a:lnSpc>
+                <a:spcPct val="110000"/>
+              </a:lnSpc>
               <a:spcAft>
                 <a:spcPts val="600"/>
               </a:spcAft>
@@ -6603,28 +10341,20 @@
               <a:rPr lang="en-US" dirty="0">
                 <a:latin typeface="Helvetica LT Std" panose="020B0504020202020204" pitchFamily="34" charset="0"/>
               </a:rPr>
-              <a:t>I love encryption </a:t>
-            </a:r>
-            <a:r>
-              <a:rPr lang="en-US" dirty="0"/>
-              <a:t>→ J </a:t>
-            </a:r>
-            <a:r>
-              <a:rPr lang="en-US" dirty="0" err="1"/>
-              <a:t>mpwf</a:t>
-            </a:r>
-            <a:r>
-              <a:rPr lang="en-US" dirty="0"/>
-              <a:t> </a:t>
-            </a:r>
-            <a:r>
-              <a:rPr lang="en-US" dirty="0" err="1"/>
-              <a:t>fodsxqujpo</a:t>
-            </a:r>
-            <a:endParaRPr lang="en-US" dirty="0"/>
-          </a:p>
-          <a:p>
-            <a:pPr lvl="2">
+              <a:t>Encryption is based on </a:t>
+            </a:r>
+            <a:r>
+              <a:rPr lang="en-US" b="1" dirty="0">
+                <a:latin typeface="Helvetica LT Std" panose="020B0504020202020204" pitchFamily="34" charset="0"/>
+              </a:rPr>
+              <a:t>keys</a:t>
+            </a:r>
+          </a:p>
+          <a:p>
+            <a:pPr>
+              <a:lnSpc>
+                <a:spcPct val="110000"/>
+              </a:lnSpc>
               <a:spcAft>
                 <a:spcPts val="600"/>
               </a:spcAft>
@@ -6635,11 +10365,14 @@
               <a:rPr lang="en-US" dirty="0">
                 <a:latin typeface="Helvetica LT Std" panose="020B0504020202020204" pitchFamily="34" charset="0"/>
               </a:rPr>
-              <a:t>Key is just the character shift, in this case, 1</a:t>
-            </a:r>
-          </a:p>
-          <a:p>
-            <a:pPr lvl="1">
+              <a:t>If you know the key, you can read the message. Anybody without the key shouldn’t be able to.</a:t>
+            </a:r>
+          </a:p>
+          <a:p>
+            <a:pPr>
+              <a:lnSpc>
+                <a:spcPct val="110000"/>
+              </a:lnSpc>
               <a:spcAft>
                 <a:spcPts val="600"/>
               </a:spcAft>
@@ -6650,11 +10383,14 @@
               <a:rPr lang="en-US" dirty="0">
                 <a:latin typeface="Helvetica LT Std" panose="020B0504020202020204" pitchFamily="34" charset="0"/>
               </a:rPr>
-              <a:t>Character permutation</a:t>
-            </a:r>
-          </a:p>
-          <a:p>
-            <a:pPr lvl="2">
+              <a:t>Examples:</a:t>
+            </a:r>
+          </a:p>
+          <a:p>
+            <a:pPr lvl="1">
+              <a:lnSpc>
+                <a:spcPct val="110000"/>
+              </a:lnSpc>
               <a:spcAft>
                 <a:spcPts val="600"/>
               </a:spcAft>
@@ -6665,6 +10401,95 @@
               <a:rPr lang="en-US" dirty="0">
                 <a:latin typeface="Helvetica LT Std" panose="020B0504020202020204" pitchFamily="34" charset="0"/>
               </a:rPr>
+              <a:t>Character shift</a:t>
+            </a:r>
+          </a:p>
+          <a:p>
+            <a:pPr lvl="2">
+              <a:lnSpc>
+                <a:spcPct val="110000"/>
+              </a:lnSpc>
+              <a:spcAft>
+                <a:spcPts val="600"/>
+              </a:spcAft>
+              <a:buFont typeface="Wingdings" panose="05000000000000000000" pitchFamily="2" charset="2"/>
+              <a:buChar char="§"/>
+            </a:pPr>
+            <a:r>
+              <a:rPr lang="en-US" dirty="0">
+                <a:latin typeface="Helvetica LT Std" panose="020B0504020202020204" pitchFamily="34" charset="0"/>
+              </a:rPr>
+              <a:t>I love encryption </a:t>
+            </a:r>
+            <a:r>
+              <a:rPr lang="en-US" dirty="0"/>
+              <a:t>→ J </a:t>
+            </a:r>
+            <a:r>
+              <a:rPr lang="en-US" dirty="0" err="1"/>
+              <a:t>mpwf</a:t>
+            </a:r>
+            <a:r>
+              <a:rPr lang="en-US" dirty="0"/>
+              <a:t> </a:t>
+            </a:r>
+            <a:r>
+              <a:rPr lang="en-US" dirty="0" err="1"/>
+              <a:t>fodsxqujpo</a:t>
+            </a:r>
+            <a:endParaRPr lang="en-US" dirty="0"/>
+          </a:p>
+          <a:p>
+            <a:pPr lvl="2">
+              <a:lnSpc>
+                <a:spcPct val="110000"/>
+              </a:lnSpc>
+              <a:spcAft>
+                <a:spcPts val="600"/>
+              </a:spcAft>
+              <a:buFont typeface="Wingdings" panose="05000000000000000000" pitchFamily="2" charset="2"/>
+              <a:buChar char="§"/>
+            </a:pPr>
+            <a:r>
+              <a:rPr lang="en-US" dirty="0">
+                <a:latin typeface="Helvetica LT Std" panose="020B0504020202020204" pitchFamily="34" charset="0"/>
+              </a:rPr>
+              <a:t>Key is just the character shift, in this case, 1</a:t>
+            </a:r>
+          </a:p>
+          <a:p>
+            <a:pPr lvl="1">
+              <a:lnSpc>
+                <a:spcPct val="110000"/>
+              </a:lnSpc>
+              <a:spcAft>
+                <a:spcPts val="600"/>
+              </a:spcAft>
+              <a:buFont typeface="Wingdings" panose="05000000000000000000" pitchFamily="2" charset="2"/>
+              <a:buChar char="§"/>
+            </a:pPr>
+            <a:r>
+              <a:rPr lang="en-US" dirty="0">
+                <a:latin typeface="Helvetica LT Std" panose="020B0504020202020204" pitchFamily="34" charset="0"/>
+              </a:rPr>
+              <a:t>Character permutation</a:t>
+            </a:r>
+          </a:p>
+          <a:p>
+            <a:pPr lvl="2">
+              <a:lnSpc>
+                <a:spcPct val="110000"/>
+              </a:lnSpc>
+              <a:spcAft>
+                <a:spcPts val="600"/>
+              </a:spcAft>
+              <a:buFont typeface="Wingdings" panose="05000000000000000000" pitchFamily="2" charset="2"/>
+              <a:buChar char="§"/>
+            </a:pPr>
+            <a:r>
+              <a:rPr lang="en-US" dirty="0">
+                <a:latin typeface="Helvetica LT Std" panose="020B0504020202020204" pitchFamily="34" charset="0"/>
+              </a:rPr>
               <a:t>I love encryption </a:t>
             </a:r>
             <a:r>
@@ -6687,6 +10512,9 @@
           </a:p>
           <a:p>
             <a:pPr lvl="2">
+              <a:lnSpc>
+                <a:spcPct val="110000"/>
+              </a:lnSpc>
               <a:spcAft>
                 <a:spcPts val="600"/>
               </a:spcAft>
@@ -6738,6 +10566,35 @@
           </a:prstGeom>
         </p:spPr>
       </p:pic>
+      <p:sp>
+        <p:nvSpPr>
+          <p:cNvPr id="5" name="Slide Number Placeholder 4">
+            <a:extLst>
+              <a:ext uri="{FF2B5EF4-FFF2-40B4-BE49-F238E27FC236}">
+                <a16:creationId xmlns:a16="http://schemas.microsoft.com/office/drawing/2014/main" id="{8AEB560A-79EB-4D89-AB3A-3ECEE20FB0A9}"/>
+              </a:ext>
+            </a:extLst>
+          </p:cNvPr>
+          <p:cNvSpPr>
+            <a:spLocks noGrp="1"/>
+          </p:cNvSpPr>
+          <p:nvPr>
+            <p:ph type="sldNum" sz="quarter" idx="12"/>
+          </p:nvPr>
+        </p:nvSpPr>
+        <p:spPr/>
+        <p:txBody>
+          <a:bodyPr/>
+          <a:lstStyle/>
+          <a:p>
+            <a:fld id="{44D9B3EF-9489-4381-ACF1-79879AB05C89}" type="slidenum">
+              <a:rPr lang="en-US" smtClean="0"/>
+              <a:t>6</a:t>
+            </a:fld>
+            <a:endParaRPr lang="en-US"/>
+          </a:p>
+        </p:txBody>
+      </p:sp>
     </p:spTree>
     <p:extLst>
       <p:ext uri="{BB962C8B-B14F-4D97-AF65-F5344CB8AC3E}">
@@ -6751,7 +10608,7 @@
 </p:sld>
 </file>
 
-<file path=ppt/slides/slide6.xml><?xml version="1.0" encoding="utf-8"?>
+<file path=ppt/slides/slide7.xml><?xml version="1.0" encoding="utf-8"?>
 <p:sld xmlns:a="http://schemas.openxmlformats.org/drawingml/2006/main" xmlns:r="http://schemas.openxmlformats.org/officeDocument/2006/relationships" xmlns:p="http://schemas.openxmlformats.org/presentationml/2006/main">
   <p:cSld>
     <p:spTree>
@@ -8423,6 +12280,35 @@
           </a:graphicData>
         </a:graphic>
       </p:graphicFrame>
+      <p:sp>
+        <p:nvSpPr>
+          <p:cNvPr id="6" name="Slide Number Placeholder 5">
+            <a:extLst>
+              <a:ext uri="{FF2B5EF4-FFF2-40B4-BE49-F238E27FC236}">
+                <a16:creationId xmlns:a16="http://schemas.microsoft.com/office/drawing/2014/main" id="{5DE28A03-EB2B-44BF-8333-1A43B8FCECCE}"/>
+              </a:ext>
+            </a:extLst>
+          </p:cNvPr>
+          <p:cNvSpPr>
+            <a:spLocks noGrp="1"/>
+          </p:cNvSpPr>
+          <p:nvPr>
+            <p:ph type="sldNum" sz="quarter" idx="12"/>
+          </p:nvPr>
+        </p:nvSpPr>
+        <p:spPr/>
+        <p:txBody>
+          <a:bodyPr/>
+          <a:lstStyle/>
+          <a:p>
+            <a:fld id="{44D9B3EF-9489-4381-ACF1-79879AB05C89}" type="slidenum">
+              <a:rPr lang="en-US" smtClean="0"/>
+              <a:t>7</a:t>
+            </a:fld>
+            <a:endParaRPr lang="en-US"/>
+          </a:p>
+        </p:txBody>
+      </p:sp>
     </p:spTree>
     <p:extLst>
       <p:ext uri="{BB962C8B-B14F-4D97-AF65-F5344CB8AC3E}">
@@ -8436,7 +12322,7 @@
 </p:sld>
 </file>
 
-<file path=ppt/slides/slide7.xml><?xml version="1.0" encoding="utf-8"?>
+<file path=ppt/slides/slide8.xml><?xml version="1.0" encoding="utf-8"?>
 <p:sld xmlns:a="http://schemas.openxmlformats.org/drawingml/2006/main" xmlns:r="http://schemas.openxmlformats.org/officeDocument/2006/relationships" xmlns:p="http://schemas.openxmlformats.org/presentationml/2006/main">
   <p:cSld>
     <p:spTree>
@@ -8513,8 +12399,11 @@
           <a:lstStyle/>
           <a:p>
             <a:pPr marL="0" indent="0">
+              <a:lnSpc>
+                <a:spcPct val="100000"/>
+              </a:lnSpc>
               <a:spcAft>
-                <a:spcPts val="600"/>
+                <a:spcPts val="300"/>
               </a:spcAft>
               <a:buNone/>
             </a:pPr>
@@ -8527,8 +12416,11 @@
           </a:p>
           <a:p>
             <a:pPr>
+              <a:lnSpc>
+                <a:spcPct val="100000"/>
+              </a:lnSpc>
               <a:spcAft>
-                <a:spcPts val="600"/>
+                <a:spcPts val="300"/>
               </a:spcAft>
               <a:buFont typeface="Wingdings" panose="05000000000000000000" pitchFamily="2" charset="2"/>
               <a:buChar char="§"/>
@@ -8542,8 +12434,11 @@
           </a:p>
           <a:p>
             <a:pPr>
+              <a:lnSpc>
+                <a:spcPct val="100000"/>
+              </a:lnSpc>
               <a:spcAft>
-                <a:spcPts val="600"/>
+                <a:spcPts val="300"/>
               </a:spcAft>
               <a:buFont typeface="Wingdings" panose="05000000000000000000" pitchFamily="2" charset="2"/>
               <a:buChar char="§"/>
@@ -8557,8 +12452,11 @@
           </a:p>
           <a:p>
             <a:pPr>
+              <a:lnSpc>
+                <a:spcPct val="100000"/>
+              </a:lnSpc>
               <a:spcAft>
-                <a:spcPts val="600"/>
+                <a:spcPts val="300"/>
               </a:spcAft>
               <a:buFont typeface="Wingdings" panose="05000000000000000000" pitchFamily="2" charset="2"/>
               <a:buChar char="§"/>
@@ -8572,8 +12470,11 @@
           </a:p>
           <a:p>
             <a:pPr>
+              <a:lnSpc>
+                <a:spcPct val="100000"/>
+              </a:lnSpc>
               <a:spcAft>
-                <a:spcPts val="600"/>
+                <a:spcPts val="300"/>
               </a:spcAft>
               <a:buFont typeface="Wingdings" panose="05000000000000000000" pitchFamily="2" charset="2"/>
               <a:buChar char="§"/>
@@ -8587,8 +12488,11 @@
           </a:p>
           <a:p>
             <a:pPr lvl="1">
+              <a:lnSpc>
+                <a:spcPct val="100000"/>
+              </a:lnSpc>
               <a:spcAft>
-                <a:spcPts val="600"/>
+                <a:spcPts val="300"/>
               </a:spcAft>
               <a:buFont typeface="Wingdings" panose="05000000000000000000" pitchFamily="2" charset="2"/>
               <a:buChar char="§"/>
@@ -8602,8 +12506,11 @@
           </a:p>
           <a:p>
             <a:pPr>
+              <a:lnSpc>
+                <a:spcPct val="100000"/>
+              </a:lnSpc>
               <a:spcAft>
-                <a:spcPts val="600"/>
+                <a:spcPts val="300"/>
               </a:spcAft>
               <a:buFont typeface="Wingdings" panose="05000000000000000000" pitchFamily="2" charset="2"/>
               <a:buChar char="§"/>
@@ -8617,8 +12524,11 @@
           </a:p>
           <a:p>
             <a:pPr lvl="1">
+              <a:lnSpc>
+                <a:spcPct val="100000"/>
+              </a:lnSpc>
               <a:spcAft>
-                <a:spcPts val="600"/>
+                <a:spcPts val="300"/>
               </a:spcAft>
               <a:buFont typeface="Wingdings" panose="05000000000000000000" pitchFamily="2" charset="2"/>
               <a:buChar char="§"/>
@@ -8632,8 +12542,11 @@
           </a:p>
           <a:p>
             <a:pPr lvl="1">
+              <a:lnSpc>
+                <a:spcPct val="100000"/>
+              </a:lnSpc>
               <a:spcAft>
-                <a:spcPts val="600"/>
+                <a:spcPts val="300"/>
               </a:spcAft>
               <a:buFont typeface="Wingdings" panose="05000000000000000000" pitchFamily="2" charset="2"/>
               <a:buChar char="§"/>
@@ -8647,8 +12560,11 @@
           </a:p>
           <a:p>
             <a:pPr>
+              <a:lnSpc>
+                <a:spcPct val="100000"/>
+              </a:lnSpc>
               <a:spcAft>
-                <a:spcPts val="600"/>
+                <a:spcPts val="300"/>
               </a:spcAft>
               <a:buFont typeface="Wingdings" panose="05000000000000000000" pitchFamily="2" charset="2"/>
               <a:buChar char="Ø"/>
@@ -8657,35 +12573,8 @@
               <a:rPr lang="en-US" dirty="0">
                 <a:latin typeface="Helvetica LT Std" panose="020B0504020202020204" pitchFamily="34" charset="0"/>
               </a:rPr>
-              <a:t> clearly not useful for things like Zoom or Netflix</a:t>
-            </a:r>
-          </a:p>
-          <a:p>
-            <a:pPr>
-              <a:buFont typeface="Wingdings" panose="05000000000000000000" pitchFamily="2" charset="2"/>
-              <a:buChar char="§"/>
-            </a:pPr>
-            <a:endParaRPr lang="en-US" dirty="0">
-              <a:latin typeface="Helvetica LT Std" panose="020B0504020202020204" pitchFamily="34" charset="0"/>
-            </a:endParaRPr>
-          </a:p>
-          <a:p>
-            <a:pPr lvl="1">
-              <a:buFont typeface="Wingdings" panose="05000000000000000000" pitchFamily="2" charset="2"/>
-              <a:buChar char="§"/>
-            </a:pPr>
-            <a:endParaRPr lang="en-US" dirty="0">
-              <a:latin typeface="Helvetica LT Std" panose="020B0504020202020204" pitchFamily="34" charset="0"/>
-            </a:endParaRPr>
-          </a:p>
-          <a:p>
-            <a:pPr lvl="1">
-              <a:buFont typeface="Wingdings" panose="05000000000000000000" pitchFamily="2" charset="2"/>
-              <a:buChar char="§"/>
-            </a:pPr>
-            <a:endParaRPr lang="en-US" dirty="0">
-              <a:latin typeface="Helvetica LT Std" panose="020B0504020202020204" pitchFamily="34" charset="0"/>
-            </a:endParaRPr>
+              <a:t>not useful for things like Zoom or Netflix</a:t>
+            </a:r>
           </a:p>
         </p:txBody>
       </p:sp>
@@ -8725,6 +12614,35 @@
           </a:prstGeom>
         </p:spPr>
       </p:pic>
+      <p:sp>
+        <p:nvSpPr>
+          <p:cNvPr id="5" name="Slide Number Placeholder 4">
+            <a:extLst>
+              <a:ext uri="{FF2B5EF4-FFF2-40B4-BE49-F238E27FC236}">
+                <a16:creationId xmlns:a16="http://schemas.microsoft.com/office/drawing/2014/main" id="{A7633A05-8813-450B-9BB1-738CF5C85EF3}"/>
+              </a:ext>
+            </a:extLst>
+          </p:cNvPr>
+          <p:cNvSpPr>
+            <a:spLocks noGrp="1"/>
+          </p:cNvSpPr>
+          <p:nvPr>
+            <p:ph type="sldNum" sz="quarter" idx="12"/>
+          </p:nvPr>
+        </p:nvSpPr>
+        <p:spPr/>
+        <p:txBody>
+          <a:bodyPr/>
+          <a:lstStyle/>
+          <a:p>
+            <a:fld id="{44D9B3EF-9489-4381-ACF1-79879AB05C89}" type="slidenum">
+              <a:rPr lang="en-US" smtClean="0"/>
+              <a:t>8</a:t>
+            </a:fld>
+            <a:endParaRPr lang="en-US"/>
+          </a:p>
+        </p:txBody>
+      </p:sp>
     </p:spTree>
     <p:extLst>
       <p:ext uri="{BB962C8B-B14F-4D97-AF65-F5344CB8AC3E}">
@@ -8972,7 +12890,7 @@
 </p:sld>
 </file>
 
-<file path=ppt/slides/slide8.xml><?xml version="1.0" encoding="utf-8"?>
+<file path=ppt/slides/slide9.xml><?xml version="1.0" encoding="utf-8"?>
 <p:sld xmlns:a="http://schemas.openxmlformats.org/drawingml/2006/main" xmlns:r="http://schemas.openxmlformats.org/officeDocument/2006/relationships" xmlns:p="http://schemas.openxmlformats.org/presentationml/2006/main">
   <p:cSld>
     <p:spTree>
@@ -9354,7 +13272,7 @@
               <a:rPr lang="en-US" dirty="0">
                 <a:latin typeface="Helvetica LT Std" panose="020B0504020202020204" pitchFamily="34" charset="0"/>
               </a:rPr>
-              <a:t>One-way means that even if adversary learns the long key, they will not know the short key</a:t>
+              <a:t>One-way means that even if an adversary learns the long key, they will not know the short key</a:t>
             </a:r>
           </a:p>
           <a:p>
@@ -9383,192 +13301,39 @@
           </a:p>
         </p:txBody>
       </p:sp>
+      <p:sp>
+        <p:nvSpPr>
+          <p:cNvPr id="7" name="Slide Number Placeholder 6">
+            <a:extLst>
+              <a:ext uri="{FF2B5EF4-FFF2-40B4-BE49-F238E27FC236}">
+                <a16:creationId xmlns:a16="http://schemas.microsoft.com/office/drawing/2014/main" id="{D7B87F37-33D2-4C70-B569-CFF7E7292517}"/>
+              </a:ext>
+            </a:extLst>
+          </p:cNvPr>
+          <p:cNvSpPr>
+            <a:spLocks noGrp="1"/>
+          </p:cNvSpPr>
+          <p:nvPr>
+            <p:ph type="sldNum" sz="quarter" idx="12"/>
+          </p:nvPr>
+        </p:nvSpPr>
+        <p:spPr/>
+        <p:txBody>
+          <a:bodyPr/>
+          <a:lstStyle/>
+          <a:p>
+            <a:fld id="{44D9B3EF-9489-4381-ACF1-79879AB05C89}" type="slidenum">
+              <a:rPr lang="en-US" smtClean="0"/>
+              <a:t>9</a:t>
+            </a:fld>
+            <a:endParaRPr lang="en-US"/>
+          </a:p>
+        </p:txBody>
+      </p:sp>
     </p:spTree>
     <p:extLst>
       <p:ext uri="{BB962C8B-B14F-4D97-AF65-F5344CB8AC3E}">
         <p14:creationId xmlns:p14="http://schemas.microsoft.com/office/powerpoint/2010/main" val="2298850444"/>
-      </p:ext>
-    </p:extLst>
-  </p:cSld>
-  <p:clrMapOvr>
-    <a:masterClrMapping/>
-  </p:clrMapOvr>
-</p:sld>
-</file>
-
-<file path=ppt/slides/slide9.xml><?xml version="1.0" encoding="utf-8"?>
-<p:sld xmlns:a="http://schemas.openxmlformats.org/drawingml/2006/main" xmlns:r="http://schemas.openxmlformats.org/officeDocument/2006/relationships" xmlns:p="http://schemas.openxmlformats.org/presentationml/2006/main">
-  <p:cSld>
-    <p:spTree>
-      <p:nvGrpSpPr>
-        <p:cNvPr id="1" name=""/>
-        <p:cNvGrpSpPr/>
-        <p:nvPr/>
-      </p:nvGrpSpPr>
-      <p:grpSpPr>
-        <a:xfrm>
-          <a:off x="0" y="0"/>
-          <a:ext cx="0" cy="0"/>
-          <a:chOff x="0" y="0"/>
-          <a:chExt cx="0" cy="0"/>
-        </a:xfrm>
-      </p:grpSpPr>
-      <p:sp>
-        <p:nvSpPr>
-          <p:cNvPr id="2" name="Title 1">
-            <a:extLst>
-              <a:ext uri="{FF2B5EF4-FFF2-40B4-BE49-F238E27FC236}">
-                <a16:creationId xmlns:a16="http://schemas.microsoft.com/office/drawing/2014/main" id="{81B07617-7E2D-4621-A81B-02A5F9DA6905}"/>
-              </a:ext>
-            </a:extLst>
-          </p:cNvPr>
-          <p:cNvSpPr>
-            <a:spLocks noGrp="1"/>
-          </p:cNvSpPr>
-          <p:nvPr>
-            <p:ph type="title"/>
-          </p:nvPr>
-        </p:nvSpPr>
-        <p:spPr/>
-        <p:txBody>
-          <a:bodyPr/>
-          <a:lstStyle/>
-          <a:p>
-            <a:r>
-              <a:rPr lang="en-US" dirty="0">
-                <a:latin typeface="Helvetica LT Std Black" panose="020B0904030502020204" pitchFamily="34" charset="0"/>
-              </a:rPr>
-              <a:t>Modern Encryption</a:t>
-            </a:r>
-            <a:endParaRPr lang="en-US" dirty="0"/>
-          </a:p>
-        </p:txBody>
-      </p:sp>
-      <p:sp>
-        <p:nvSpPr>
-          <p:cNvPr id="3" name="Content Placeholder 2">
-            <a:extLst>
-              <a:ext uri="{FF2B5EF4-FFF2-40B4-BE49-F238E27FC236}">
-                <a16:creationId xmlns:a16="http://schemas.microsoft.com/office/drawing/2014/main" id="{68DCDFDD-0575-40EC-8116-5CC1F066237A}"/>
-              </a:ext>
-            </a:extLst>
-          </p:cNvPr>
-          <p:cNvSpPr>
-            <a:spLocks noGrp="1"/>
-          </p:cNvSpPr>
-          <p:nvPr>
-            <p:ph idx="1"/>
-          </p:nvPr>
-        </p:nvSpPr>
-        <p:spPr>
-          <a:xfrm>
-            <a:off x="838200" y="1690688"/>
-            <a:ext cx="10515600" cy="3529311"/>
-          </a:xfrm>
-        </p:spPr>
-        <p:txBody>
-          <a:bodyPr>
-            <a:normAutofit/>
-          </a:bodyPr>
-          <a:lstStyle/>
-          <a:p>
-            <a:pPr marL="0" indent="0">
-              <a:spcAft>
-                <a:spcPts val="600"/>
-              </a:spcAft>
-              <a:buNone/>
-            </a:pPr>
-            <a:r>
-              <a:rPr lang="en-US" dirty="0">
-                <a:latin typeface="Helvetica LT Std" panose="020B0504020202020204" pitchFamily="34" charset="0"/>
-              </a:rPr>
-              <a:t>Caveats/complications to ponder</a:t>
-            </a:r>
-          </a:p>
-          <a:p>
-            <a:pPr>
-              <a:spcAft>
-                <a:spcPts val="600"/>
-              </a:spcAft>
-              <a:buFont typeface="Wingdings" panose="05000000000000000000" pitchFamily="2" charset="2"/>
-              <a:buChar char="§"/>
-            </a:pPr>
-            <a:r>
-              <a:rPr lang="en-US" dirty="0">
-                <a:latin typeface="Helvetica LT Std" panose="020B0504020202020204" pitchFamily="34" charset="0"/>
-              </a:rPr>
-              <a:t>Have to generate a unique long key each time the short key is used</a:t>
-            </a:r>
-          </a:p>
-          <a:p>
-            <a:pPr>
-              <a:spcAft>
-                <a:spcPts val="600"/>
-              </a:spcAft>
-              <a:buFont typeface="Wingdings" panose="05000000000000000000" pitchFamily="2" charset="2"/>
-              <a:buChar char="§"/>
-            </a:pPr>
-            <a:r>
-              <a:rPr lang="en-US" dirty="0">
-                <a:latin typeface="Helvetica LT Std" panose="020B0504020202020204" pitchFamily="34" charset="0"/>
-              </a:rPr>
-              <a:t>Long key must be the same length as our messages, which are not always the same length</a:t>
-            </a:r>
-          </a:p>
-          <a:p>
-            <a:pPr>
-              <a:spcAft>
-                <a:spcPts val="600"/>
-              </a:spcAft>
-              <a:buFont typeface="Wingdings" panose="05000000000000000000" pitchFamily="2" charset="2"/>
-              <a:buChar char="§"/>
-            </a:pPr>
-            <a:endParaRPr lang="en-US" dirty="0">
-              <a:latin typeface="Helvetica LT Std" panose="020B0504020202020204" pitchFamily="34" charset="0"/>
-            </a:endParaRPr>
-          </a:p>
-        </p:txBody>
-      </p:sp>
-      <p:pic>
-        <p:nvPicPr>
-          <p:cNvPr id="5" name="Picture 4" descr="Schematic diagram showing the generation of a long key from a short key using a one-way function.">
-            <a:extLst>
-              <a:ext uri="{FF2B5EF4-FFF2-40B4-BE49-F238E27FC236}">
-                <a16:creationId xmlns:a16="http://schemas.microsoft.com/office/drawing/2014/main" id="{43FD455D-B005-4C17-BEA8-B8155A995701}"/>
-              </a:ext>
-            </a:extLst>
-          </p:cNvPr>
-          <p:cNvPicPr>
-            <a:picLocks noChangeAspect="1"/>
-          </p:cNvPicPr>
-          <p:nvPr/>
-        </p:nvPicPr>
-        <p:blipFill>
-          <a:blip r:embed="rId2">
-            <a:extLst>
-              <a:ext uri="{28A0092B-C50C-407E-A947-70E740481C1C}">
-                <a14:useLocalDpi xmlns:a14="http://schemas.microsoft.com/office/drawing/2010/main" val="0"/>
-              </a:ext>
-            </a:extLst>
-          </a:blip>
-          <a:stretch>
-            <a:fillRect/>
-          </a:stretch>
-        </p:blipFill>
-        <p:spPr>
-          <a:xfrm>
-            <a:off x="2624321" y="4383655"/>
-            <a:ext cx="6943358" cy="2109220"/>
-          </a:xfrm>
-          <a:prstGeom prst="rect">
-            <a:avLst/>
-          </a:prstGeom>
-        </p:spPr>
-      </p:pic>
-    </p:spTree>
-    <p:extLst>
-      <p:ext uri="{BB962C8B-B14F-4D97-AF65-F5344CB8AC3E}">
-        <p14:creationId xmlns:p14="http://schemas.microsoft.com/office/powerpoint/2010/main" val="3635419034"/>
       </p:ext>
     </p:extLst>
   </p:cSld>

--- a/digital_security_strikeU.pptx
+++ b/digital_security_strikeU.pptx
@@ -6771,13 +6771,13 @@
         </p:nvSpPr>
         <p:spPr>
           <a:xfrm>
-            <a:off x="838200" y="1690688"/>
-            <a:ext cx="5800200" cy="4351338"/>
+            <a:off x="303000" y="1755945"/>
+            <a:ext cx="6745800" cy="4802187"/>
           </a:xfrm>
         </p:spPr>
         <p:txBody>
           <a:bodyPr>
-            <a:normAutofit fontScale="92500"/>
+            <a:normAutofit/>
           </a:bodyPr>
           <a:lstStyle/>
           <a:p>
@@ -6807,7 +6807,7 @@
               <a:rPr lang="en-US" dirty="0">
                 <a:latin typeface="Helvetica LT Std" panose="020B0504020202020204" pitchFamily="34" charset="0"/>
               </a:rPr>
-              <a:t>Go follow this link to get started:</a:t>
+              <a:t>Follow this link to get started:</a:t>
             </a:r>
           </a:p>
           <a:p>
@@ -6819,23 +6819,13 @@
                 <a:latin typeface="Helvetica LT Std" panose="020B0504020202020204" pitchFamily="34" charset="0"/>
                 <a:hlinkClick r:id="rId2"/>
               </a:rPr>
-              <a:t>https://mybinder.org/v2/gh/sarttiso/digital-security/1766ea208d0226cd4229a42530c024a35b7eeb3d</a:t>
-            </a:r>
-            <a:r>
-              <a:rPr lang="en-US" altLang="en-US" dirty="0">
-                <a:latin typeface="Arial Unicode MS"/>
-              </a:rPr>
-              <a:t>?urlpath=lab</a:t>
-            </a:r>
-            <a:r>
-              <a:rPr lang="en-US" altLang="en-US" sz="800" dirty="0"/>
-              <a:t> </a:t>
-            </a:r>
-            <a:r>
-              <a:rPr lang="en-US" dirty="0">
-                <a:latin typeface="Helvetica LT Std" panose="020B0504020202020204" pitchFamily="34" charset="0"/>
-              </a:rPr>
-              <a:t> </a:t>
+              <a:t>https://mybinder.org/v2/gh/sarttiso/digital-security/b887b43bf6206c874b090000a0cd14000318644e?urlpath=lab</a:t>
+            </a:r>
+            <a:r>
+              <a:rPr lang="en-US" dirty="0">
+                <a:latin typeface="Helvetica LT Std" panose="020B0504020202020204" pitchFamily="34" charset="0"/>
+              </a:rPr>
+              <a:t>  </a:t>
             </a:r>
           </a:p>
           <a:p>
@@ -6847,7 +6837,19 @@
               <a:rPr lang="en-US" dirty="0">
                 <a:latin typeface="Helvetica LT Std" panose="020B0504020202020204" pitchFamily="34" charset="0"/>
               </a:rPr>
-              <a:t>Once it’s open, click on the </a:t>
+              <a:t>Things will spin for a little while (up to a minute or so), wait until that finishes</a:t>
+            </a:r>
+          </a:p>
+          <a:p>
+            <a:pPr>
+              <a:buFont typeface="Wingdings" panose="05000000000000000000" pitchFamily="2" charset="2"/>
+              <a:buChar char="§"/>
+            </a:pPr>
+            <a:r>
+              <a:rPr lang="en-US" dirty="0">
+                <a:latin typeface="Helvetica LT Std" panose="020B0504020202020204" pitchFamily="34" charset="0"/>
+              </a:rPr>
+              <a:t>Once it’s done, click on the </a:t>
             </a:r>
             <a:r>
               <a:rPr lang="en-US" i="1" dirty="0">
@@ -6890,16 +6892,15 @@
           </p:cNvPicPr>
           <p:nvPr/>
         </p:nvPicPr>
-        <p:blipFill>
+        <p:blipFill rotWithShape="1">
           <a:blip r:embed="rId3"/>
-          <a:stretch>
-            <a:fillRect/>
-          </a:stretch>
+          <a:srcRect r="10450"/>
+          <a:stretch/>
         </p:blipFill>
         <p:spPr>
           <a:xfrm>
-            <a:off x="6718761" y="2131201"/>
-            <a:ext cx="5362844" cy="3475362"/>
+            <a:off x="7207200" y="1876820"/>
+            <a:ext cx="4984800" cy="3607343"/>
           </a:xfrm>
           <a:prstGeom prst="rect">
             <a:avLst/>

--- a/digital_security_strikeU.pptx
+++ b/digital_security_strikeU.pptx
@@ -7054,7 +7054,7 @@
           <p:nvPr>
             <p:extLst>
               <p:ext uri="{D42A27DB-BD31-4B8C-83A1-F6EECF244321}">
-                <p14:modId xmlns:p14="http://schemas.microsoft.com/office/powerpoint/2010/main" val="898294432"/>
+                <p14:modId xmlns:p14="http://schemas.microsoft.com/office/powerpoint/2010/main" val="3920015584"/>
               </p:ext>
             </p:extLst>
           </p:nvPr>
@@ -7177,11 +7177,28 @@
                     <a:bodyPr/>
                     <a:lstStyle/>
                     <a:p>
+                      <a:pPr marL="0" marR="0" lvl="0" indent="0" algn="l" defTabSz="914400" rtl="0" eaLnBrk="1" fontAlgn="auto" latinLnBrk="0" hangingPunct="1">
+                        <a:lnSpc>
+                          <a:spcPct val="100000"/>
+                        </a:lnSpc>
+                        <a:spcBef>
+                          <a:spcPts val="0"/>
+                        </a:spcBef>
+                        <a:spcAft>
+                          <a:spcPts val="0"/>
+                        </a:spcAft>
+                        <a:buClrTx/>
+                        <a:buSzTx/>
+                        <a:buFontTx/>
+                        <a:buNone/>
+                        <a:tabLst/>
+                        <a:defRPr/>
+                      </a:pPr>
                       <a:r>
                         <a:rPr lang="en-US" dirty="0">
                           <a:latin typeface="Helvetica LT Std" panose="020B0504020202020204" pitchFamily="34" charset="0"/>
                         </a:rPr>
-                        <a:t>Slow</a:t>
+                        <a:t>Public key eliminates need to exchange private keys</a:t>
                       </a:r>
                     </a:p>
                   </a:txBody>
@@ -7233,7 +7250,7 @@
                         <a:rPr lang="en-US" dirty="0">
                           <a:latin typeface="Helvetica LT Std" panose="020B0504020202020204" pitchFamily="34" charset="0"/>
                         </a:rPr>
-                        <a:t>Public key eliminates need to exchange private keys</a:t>
+                        <a:t>Slow</a:t>
                       </a:r>
                     </a:p>
                   </a:txBody>
@@ -8959,9 +8976,35 @@
               </a:rPr>
               <a:t>3</a:t>
             </a:r>
-            <a:endParaRPr lang="en-US" dirty="0">
-              <a:latin typeface="Helvetica LT Std" panose="020B0504020202020204" pitchFamily="34" charset="0"/>
-            </a:endParaRPr>
+          </a:p>
+          <a:p>
+            <a:pPr marL="0" indent="0">
+              <a:lnSpc>
+                <a:spcPct val="100000"/>
+              </a:lnSpc>
+              <a:spcAft>
+                <a:spcPts val="600"/>
+              </a:spcAft>
+              <a:buNone/>
+            </a:pPr>
+            <a:r>
+              <a:rPr lang="en-US" dirty="0">
+                <a:latin typeface="Helvetica LT Std" panose="020B0504020202020204" pitchFamily="34" charset="0"/>
+              </a:rPr>
+              <a:t>Unlike, for example, </a:t>
+            </a:r>
+            <a:r>
+              <a:rPr lang="en-US" dirty="0" err="1">
+                <a:latin typeface="Helvetica LT Std" panose="020B0504020202020204" pitchFamily="34" charset="0"/>
+              </a:rPr>
+              <a:t>Keybase</a:t>
+            </a:r>
+            <a:r>
+              <a:rPr lang="en-US" dirty="0">
+                <a:latin typeface="Helvetica LT Std" panose="020B0504020202020204" pitchFamily="34" charset="0"/>
+              </a:rPr>
+              <a:t>, an alternative advertising end-to-end encryption but which is closed source and owned by Zoom.</a:t>
+            </a:r>
           </a:p>
         </p:txBody>
       </p:sp>
